--- a/PPT/MachineLearning12-Pandas.pptx
+++ b/PPT/MachineLearning12-Pandas.pptx
@@ -5,10 +5,10 @@
     <p:sldMasterId id="2147483653" r:id="rId1"/>
   </p:sldMasterIdLst>
   <p:notesMasterIdLst>
-    <p:notesMasterId r:id="rId16"/>
+    <p:notesMasterId r:id="rId14"/>
   </p:notesMasterIdLst>
   <p:handoutMasterIdLst>
-    <p:handoutMasterId r:id="rId17"/>
+    <p:handoutMasterId r:id="rId15"/>
   </p:handoutMasterIdLst>
   <p:sldIdLst>
     <p:sldId id="264" r:id="rId2"/>
@@ -23,8 +23,6 @@
     <p:sldId id="278" r:id="rId11"/>
     <p:sldId id="279" r:id="rId12"/>
     <p:sldId id="277" r:id="rId13"/>
-    <p:sldId id="280" r:id="rId14"/>
-    <p:sldId id="281" r:id="rId15"/>
   </p:sldIdLst>
   <p:sldSz cx="9144000" cy="6858000" type="screen4x3"/>
   <p:notesSz cx="6648450" cy="9782175"/>
@@ -3931,6 +3929,13 @@
   <p:clrMapOvr>
     <a:masterClrMapping/>
   </p:clrMapOvr>
+  <p:timing>
+    <p:tnLst>
+      <p:par>
+        <p:cTn id="1" dur="indefinite" restart="never" nodeType="tmRoot"/>
+      </p:par>
+    </p:tnLst>
+  </p:timing>
 </p:sld>
 </file>
 
@@ -4110,6 +4115,13 @@
   <p:clrMapOvr>
     <a:masterClrMapping/>
   </p:clrMapOvr>
+  <p:timing>
+    <p:tnLst>
+      <p:par>
+        <p:cTn id="1" dur="indefinite" restart="never" nodeType="tmRoot"/>
+      </p:par>
+    </p:tnLst>
+  </p:timing>
 </p:sld>
 </file>
 
@@ -4373,356 +4385,13 @@
   <p:clrMapOvr>
     <a:masterClrMapping/>
   </p:clrMapOvr>
-</p:sld>
-</file>
-
-<file path=ppt/slides/slide13.xml><?xml version="1.0" encoding="utf-8"?>
-<p:sld xmlns:a="http://schemas.openxmlformats.org/drawingml/2006/main" xmlns:r="http://schemas.openxmlformats.org/officeDocument/2006/relationships" xmlns:p="http://schemas.openxmlformats.org/presentationml/2006/main">
-  <p:cSld>
-    <p:spTree>
-      <p:nvGrpSpPr>
-        <p:cNvPr id="1" name=""/>
-        <p:cNvGrpSpPr/>
-        <p:nvPr/>
-      </p:nvGrpSpPr>
-      <p:grpSpPr>
-        <a:xfrm>
-          <a:off x="0" y="0"/>
-          <a:ext cx="0" cy="0"/>
-          <a:chOff x="0" y="0"/>
-          <a:chExt cx="0" cy="0"/>
-        </a:xfrm>
-      </p:grpSpPr>
-      <p:sp>
-        <p:nvSpPr>
-          <p:cNvPr id="2" name="Titre 1"/>
-          <p:cNvSpPr>
-            <a:spLocks noGrp="1"/>
-          </p:cNvSpPr>
-          <p:nvPr>
-            <p:ph type="title"/>
-          </p:nvPr>
-        </p:nvSpPr>
-        <p:spPr/>
-        <p:txBody>
-          <a:bodyPr/>
-          <a:lstStyle/>
-          <a:p>
-            <a:r>
-              <a:rPr lang="fr-FR" dirty="0" smtClean="0"/>
-              <a:t>Pandas et TF</a:t>
-            </a:r>
-            <a:endParaRPr lang="fr-FR" dirty="0"/>
-          </a:p>
-        </p:txBody>
-      </p:sp>
-      <p:sp>
-        <p:nvSpPr>
-          <p:cNvPr id="3" name="Espace réservé du contenu 2"/>
-          <p:cNvSpPr>
-            <a:spLocks noGrp="1"/>
-          </p:cNvSpPr>
-          <p:nvPr>
-            <p:ph idx="1"/>
-          </p:nvPr>
-        </p:nvSpPr>
-        <p:spPr/>
-        <p:txBody>
-          <a:bodyPr/>
-          <a:lstStyle/>
-          <a:p>
-            <a:r>
-              <a:rPr lang="fr-FR" dirty="0" smtClean="0"/>
-              <a:t>Il existe un moyen de créer des </a:t>
-            </a:r>
-            <a:r>
-              <a:rPr lang="fr-FR" dirty="0" err="1" smtClean="0"/>
-              <a:t>Datasets</a:t>
-            </a:r>
-            <a:r>
-              <a:rPr lang="fr-FR" dirty="0" smtClean="0"/>
-              <a:t> TF depuis pandas</a:t>
-            </a:r>
-          </a:p>
-          <a:p>
-            <a:r>
-              <a:rPr lang="fr-FR" dirty="0" smtClean="0"/>
-              <a:t>En mode mémoire uniquement</a:t>
-            </a:r>
-          </a:p>
-          <a:p>
-            <a:r>
-              <a:rPr lang="fr-FR" dirty="0" smtClean="0"/>
-              <a:t>Plus simple que TF</a:t>
-            </a:r>
-          </a:p>
-          <a:p>
-            <a:pPr lvl="1"/>
-            <a:r>
-              <a:rPr lang="fr-FR" dirty="0" smtClean="0"/>
-              <a:t>x=</a:t>
-            </a:r>
-            <a:r>
-              <a:rPr lang="fr-FR" dirty="0" err="1" smtClean="0"/>
-              <a:t>pd.DataFrame</a:t>
-            </a:r>
-            <a:r>
-              <a:rPr lang="fr-FR" dirty="0"/>
-              <a:t>({k: </a:t>
-            </a:r>
-            <a:r>
-              <a:rPr lang="fr-FR" dirty="0" err="1"/>
-              <a:t>dataframe</a:t>
-            </a:r>
-            <a:r>
-              <a:rPr lang="fr-FR" dirty="0"/>
-              <a:t>[k].values for k in FEATURES}),</a:t>
-            </a:r>
-          </a:p>
-          <a:p>
-            <a:pPr lvl="1"/>
-            <a:r>
-              <a:rPr lang="fr-FR" dirty="0" smtClean="0"/>
-              <a:t>y=</a:t>
-            </a:r>
-            <a:r>
-              <a:rPr lang="fr-FR" dirty="0" err="1" smtClean="0"/>
-              <a:t>pd.Series</a:t>
-            </a:r>
-            <a:r>
-              <a:rPr lang="fr-FR" dirty="0" smtClean="0"/>
-              <a:t>(</a:t>
-            </a:r>
-            <a:r>
-              <a:rPr lang="fr-FR" dirty="0" err="1" smtClean="0"/>
-              <a:t>dataframe</a:t>
-            </a:r>
-            <a:r>
-              <a:rPr lang="fr-FR" dirty="0" smtClean="0"/>
-              <a:t>[LABEL</a:t>
-            </a:r>
-            <a:r>
-              <a:rPr lang="fr-FR" dirty="0"/>
-              <a:t>].values),</a:t>
-            </a:r>
-          </a:p>
-          <a:p>
-            <a:pPr lvl="1"/>
-            <a:r>
-              <a:rPr lang="fr-FR" dirty="0" err="1" smtClean="0"/>
-              <a:t>batch_size</a:t>
-            </a:r>
-            <a:r>
-              <a:rPr lang="fr-FR" dirty="0" smtClean="0"/>
-              <a:t>=</a:t>
-            </a:r>
-            <a:r>
-              <a:rPr lang="fr-FR" dirty="0" err="1" smtClean="0"/>
-              <a:t>n_batch</a:t>
-            </a:r>
-            <a:r>
-              <a:rPr lang="fr-FR" dirty="0"/>
-              <a:t>,</a:t>
-            </a:r>
-          </a:p>
-          <a:p>
-            <a:pPr lvl="1"/>
-            <a:r>
-              <a:rPr lang="fr-FR" dirty="0" err="1" smtClean="0"/>
-              <a:t>num_epochs</a:t>
-            </a:r>
-            <a:r>
-              <a:rPr lang="fr-FR" dirty="0" smtClean="0"/>
-              <a:t>=</a:t>
-            </a:r>
-            <a:r>
-              <a:rPr lang="fr-FR" dirty="0" err="1" smtClean="0"/>
-              <a:t>num_epochs</a:t>
-            </a:r>
-            <a:r>
-              <a:rPr lang="fr-FR" dirty="0"/>
-              <a:t>,</a:t>
-            </a:r>
-          </a:p>
-          <a:p>
-            <a:pPr lvl="1"/>
-            <a:r>
-              <a:rPr lang="fr-FR" dirty="0" err="1" smtClean="0"/>
-              <a:t>shuffle</a:t>
-            </a:r>
-            <a:r>
-              <a:rPr lang="fr-FR" dirty="0" smtClean="0"/>
-              <a:t>=</a:t>
-            </a:r>
-            <a:r>
-              <a:rPr lang="fr-FR" dirty="0" err="1" smtClean="0"/>
-              <a:t>shuffle</a:t>
-            </a:r>
-            <a:r>
-              <a:rPr lang="fr-FR" dirty="0" smtClean="0"/>
-              <a:t>)</a:t>
-            </a:r>
-            <a:endParaRPr lang="fr-FR" dirty="0"/>
-          </a:p>
-        </p:txBody>
-      </p:sp>
-    </p:spTree>
-    <p:extLst>
-      <p:ext uri="{BB962C8B-B14F-4D97-AF65-F5344CB8AC3E}">
-        <p14:creationId xmlns:p14="http://schemas.microsoft.com/office/powerpoint/2010/main" val="3412028571"/>
-      </p:ext>
-    </p:extLst>
-  </p:cSld>
-  <p:clrMapOvr>
-    <a:masterClrMapping/>
-  </p:clrMapOvr>
-</p:sld>
-</file>
-
-<file path=ppt/slides/slide14.xml><?xml version="1.0" encoding="utf-8"?>
-<p:sld xmlns:a="http://schemas.openxmlformats.org/drawingml/2006/main" xmlns:r="http://schemas.openxmlformats.org/officeDocument/2006/relationships" xmlns:p="http://schemas.openxmlformats.org/presentationml/2006/main">
-  <p:cSld>
-    <p:spTree>
-      <p:nvGrpSpPr>
-        <p:cNvPr id="1" name=""/>
-        <p:cNvGrpSpPr/>
-        <p:nvPr/>
-      </p:nvGrpSpPr>
-      <p:grpSpPr>
-        <a:xfrm>
-          <a:off x="0" y="0"/>
-          <a:ext cx="0" cy="0"/>
-          <a:chOff x="0" y="0"/>
-          <a:chExt cx="0" cy="0"/>
-        </a:xfrm>
-      </p:grpSpPr>
-      <p:sp>
-        <p:nvSpPr>
-          <p:cNvPr id="2" name="Titre 1"/>
-          <p:cNvSpPr>
-            <a:spLocks noGrp="1"/>
-          </p:cNvSpPr>
-          <p:nvPr>
-            <p:ph type="title"/>
-          </p:nvPr>
-        </p:nvSpPr>
-        <p:spPr/>
-        <p:txBody>
-          <a:bodyPr/>
-          <a:lstStyle/>
-          <a:p>
-            <a:r>
-              <a:rPr lang="fr-FR" dirty="0" smtClean="0"/>
-              <a:t>TF </a:t>
-            </a:r>
-            <a:r>
-              <a:rPr lang="fr-FR" dirty="0" err="1" smtClean="0"/>
-              <a:t>numpy_input_fn</a:t>
-            </a:r>
-            <a:endParaRPr lang="fr-FR" dirty="0"/>
-          </a:p>
-        </p:txBody>
-      </p:sp>
-      <p:sp>
-        <p:nvSpPr>
-          <p:cNvPr id="3" name="Espace réservé du contenu 2"/>
-          <p:cNvSpPr>
-            <a:spLocks noGrp="1"/>
-          </p:cNvSpPr>
-          <p:nvPr>
-            <p:ph idx="1"/>
-          </p:nvPr>
-        </p:nvSpPr>
-        <p:spPr/>
-        <p:txBody>
-          <a:bodyPr/>
-          <a:lstStyle/>
-          <a:p>
-            <a:r>
-              <a:rPr lang="fr-FR" dirty="0" smtClean="0"/>
-              <a:t>Permet de transformer un tableau </a:t>
-            </a:r>
-            <a:r>
-              <a:rPr lang="fr-FR" dirty="0" err="1" smtClean="0"/>
-              <a:t>numpy</a:t>
-            </a:r>
-            <a:r>
-              <a:rPr lang="fr-FR" dirty="0" smtClean="0"/>
-              <a:t> ou un </a:t>
-            </a:r>
-            <a:r>
-              <a:rPr lang="fr-FR" dirty="0" err="1" smtClean="0"/>
-              <a:t>dataframe</a:t>
-            </a:r>
-            <a:r>
-              <a:rPr lang="fr-FR" dirty="0" smtClean="0"/>
-              <a:t> en une </a:t>
-            </a:r>
-            <a:r>
-              <a:rPr lang="fr-FR" dirty="0" err="1" smtClean="0"/>
-              <a:t>input_fn</a:t>
-            </a:r>
-            <a:r>
-              <a:rPr lang="fr-FR" smtClean="0"/>
-              <a:t> facilement</a:t>
-            </a:r>
-            <a:endParaRPr lang="fr-FR" dirty="0" smtClean="0"/>
-          </a:p>
-          <a:p>
-            <a:pPr lvl="1"/>
-            <a:r>
-              <a:rPr lang="fr-FR" dirty="0" err="1"/>
-              <a:t>input_fn</a:t>
-            </a:r>
-            <a:r>
-              <a:rPr lang="fr-FR" dirty="0"/>
-              <a:t> = </a:t>
-            </a:r>
-            <a:r>
-              <a:rPr lang="fr-FR" dirty="0" err="1"/>
-              <a:t>tf.estimator.inputs.numpy_input_fn</a:t>
-            </a:r>
-            <a:r>
-              <a:rPr lang="fr-FR" dirty="0"/>
-              <a:t>(data, </a:t>
-            </a:r>
-            <a:r>
-              <a:rPr lang="fr-FR" dirty="0" err="1"/>
-              <a:t>batch_size</a:t>
-            </a:r>
-            <a:r>
-              <a:rPr lang="fr-FR" dirty="0"/>
-              <a:t>=10, </a:t>
-            </a:r>
-            <a:r>
-              <a:rPr lang="fr-FR" dirty="0" err="1"/>
-              <a:t>num_epochs</a:t>
-            </a:r>
-            <a:r>
-              <a:rPr lang="fr-FR" dirty="0"/>
-              <a:t>=None, </a:t>
-            </a:r>
-            <a:r>
-              <a:rPr lang="fr-FR" dirty="0" err="1"/>
-              <a:t>shuffle</a:t>
-            </a:r>
-            <a:r>
-              <a:rPr lang="fr-FR" dirty="0"/>
-              <a:t>=False)</a:t>
-            </a:r>
-          </a:p>
-        </p:txBody>
-      </p:sp>
-    </p:spTree>
-    <p:extLst>
-      <p:ext uri="{BB962C8B-B14F-4D97-AF65-F5344CB8AC3E}">
-        <p14:creationId xmlns:p14="http://schemas.microsoft.com/office/powerpoint/2010/main" val="2106986309"/>
-      </p:ext>
-    </p:extLst>
-  </p:cSld>
-  <p:clrMapOvr>
-    <a:masterClrMapping/>
-  </p:clrMapOvr>
+  <p:timing>
+    <p:tnLst>
+      <p:par>
+        <p:cTn id="1" dur="indefinite" restart="never" nodeType="tmRoot"/>
+      </p:par>
+    </p:tnLst>
+  </p:timing>
 </p:sld>
 </file>
 
@@ -4850,6 +4519,13 @@
   <p:clrMapOvr>
     <a:masterClrMapping/>
   </p:clrMapOvr>
+  <p:timing>
+    <p:tnLst>
+      <p:par>
+        <p:cTn id="1" dur="indefinite" restart="never" nodeType="tmRoot"/>
+      </p:par>
+    </p:tnLst>
+  </p:timing>
 </p:sld>
 </file>
 
@@ -5042,6 +4718,13 @@
   <p:clrMapOvr>
     <a:masterClrMapping/>
   </p:clrMapOvr>
+  <p:timing>
+    <p:tnLst>
+      <p:par>
+        <p:cTn id="1" dur="indefinite" restart="never" nodeType="tmRoot"/>
+      </p:par>
+    </p:tnLst>
+  </p:timing>
 </p:sld>
 </file>
 
@@ -5121,6 +4804,13 @@
   <p:clrMapOvr>
     <a:masterClrMapping/>
   </p:clrMapOvr>
+  <p:timing>
+    <p:tnLst>
+      <p:par>
+        <p:cTn id="1" dur="indefinite" restart="never" nodeType="tmRoot"/>
+      </p:par>
+    </p:tnLst>
+  </p:timing>
 </p:sld>
 </file>
 
@@ -5236,6 +4926,13 @@
   <p:clrMapOvr>
     <a:masterClrMapping/>
   </p:clrMapOvr>
+  <p:timing>
+    <p:tnLst>
+      <p:par>
+        <p:cTn id="1" dur="indefinite" restart="never" nodeType="tmRoot"/>
+      </p:par>
+    </p:tnLst>
+  </p:timing>
 </p:sld>
 </file>
 
@@ -5382,6 +5079,13 @@
   <p:clrMapOvr>
     <a:masterClrMapping/>
   </p:clrMapOvr>
+  <p:timing>
+    <p:tnLst>
+      <p:par>
+        <p:cTn id="1" dur="indefinite" restart="never" nodeType="tmRoot"/>
+      </p:par>
+    </p:tnLst>
+  </p:timing>
 </p:sld>
 </file>
 
@@ -5610,6 +5314,13 @@
   <p:clrMapOvr>
     <a:masterClrMapping/>
   </p:clrMapOvr>
+  <p:timing>
+    <p:tnLst>
+      <p:par>
+        <p:cTn id="1" dur="indefinite" restart="never" nodeType="tmRoot"/>
+      </p:par>
+    </p:tnLst>
+  </p:timing>
 </p:sld>
 </file>
 
@@ -5965,6 +5676,13 @@
   <p:clrMapOvr>
     <a:masterClrMapping/>
   </p:clrMapOvr>
+  <p:timing>
+    <p:tnLst>
+      <p:par>
+        <p:cTn id="1" dur="indefinite" restart="never" nodeType="tmRoot"/>
+      </p:par>
+    </p:tnLst>
+  </p:timing>
 </p:sld>
 </file>
 
@@ -6192,6 +5910,13 @@
   <p:clrMapOvr>
     <a:masterClrMapping/>
   </p:clrMapOvr>
+  <p:timing>
+    <p:tnLst>
+      <p:par>
+        <p:cTn id="1" dur="indefinite" restart="never" nodeType="tmRoot"/>
+      </p:par>
+    </p:tnLst>
+  </p:timing>
 </p:sld>
 </file>
 

--- a/PPT/MachineLearning12-Pandas.pptx
+++ b/PPT/MachineLearning12-Pandas.pptx
@@ -3699,9 +3699,14 @@
           <a:p>
             <a:pPr eaLnBrk="1" hangingPunct="1"/>
             <a:r>
-              <a:rPr lang="fr-FR" altLang="fr-FR" dirty="0" smtClean="0"/>
-              <a:t>Chapitre 4</a:t>
-            </a:r>
+              <a:rPr lang="fr-FR" altLang="fr-FR" smtClean="0"/>
+              <a:t>Chapitre </a:t>
+            </a:r>
+            <a:r>
+              <a:rPr lang="fr-FR" altLang="fr-FR" smtClean="0"/>
+              <a:t>12</a:t>
+            </a:r>
+            <a:endParaRPr lang="fr-FR" altLang="fr-FR" dirty="0" smtClean="0"/>
           </a:p>
           <a:p>
             <a:pPr eaLnBrk="1" hangingPunct="1"/>

--- a/PPT/MachineLearning12-Pandas.pptx
+++ b/PPT/MachineLearning12-Pandas.pptx
@@ -14,15 +14,15 @@
     <p:sldId id="264" r:id="rId2"/>
     <p:sldId id="265" r:id="rId3"/>
     <p:sldId id="266" r:id="rId4"/>
-    <p:sldId id="267" r:id="rId5"/>
-    <p:sldId id="268" r:id="rId6"/>
-    <p:sldId id="269" r:id="rId7"/>
-    <p:sldId id="274" r:id="rId8"/>
-    <p:sldId id="275" r:id="rId9"/>
-    <p:sldId id="276" r:id="rId10"/>
-    <p:sldId id="278" r:id="rId11"/>
-    <p:sldId id="279" r:id="rId12"/>
-    <p:sldId id="277" r:id="rId13"/>
+    <p:sldId id="274" r:id="rId5"/>
+    <p:sldId id="275" r:id="rId6"/>
+    <p:sldId id="280" r:id="rId7"/>
+    <p:sldId id="281" r:id="rId8"/>
+    <p:sldId id="276" r:id="rId9"/>
+    <p:sldId id="277" r:id="rId10"/>
+    <p:sldId id="282" r:id="rId11"/>
+    <p:sldId id="278" r:id="rId12"/>
+    <p:sldId id="279" r:id="rId13"/>
   </p:sldIdLst>
   <p:sldSz cx="9144000" cy="6858000" type="screen4x3"/>
   <p:notesSz cx="6648450" cy="9782175"/>
@@ -3844,6 +3844,209 @@
           <a:p>
             <a:r>
               <a:rPr lang="fr-FR" dirty="0" smtClean="0"/>
+              <a:t>Filtrage</a:t>
+            </a:r>
+            <a:endParaRPr lang="fr-FR" dirty="0"/>
+          </a:p>
+        </p:txBody>
+      </p:sp>
+      <p:sp>
+        <p:nvSpPr>
+          <p:cNvPr id="3" name="Espace réservé du contenu 2"/>
+          <p:cNvSpPr>
+            <a:spLocks noGrp="1"/>
+          </p:cNvSpPr>
+          <p:nvPr>
+            <p:ph idx="1"/>
+          </p:nvPr>
+        </p:nvSpPr>
+        <p:spPr/>
+        <p:txBody>
+          <a:bodyPr/>
+          <a:lstStyle/>
+          <a:p>
+            <a:r>
+              <a:rPr lang="fr-FR" dirty="0" smtClean="0"/>
+              <a:t>Remplacer les champs nuls</a:t>
+            </a:r>
+          </a:p>
+          <a:p>
+            <a:pPr lvl="1"/>
+            <a:r>
+              <a:rPr lang="fr-FR" dirty="0" err="1" smtClean="0"/>
+              <a:t>dataframe.codePostal</a:t>
+            </a:r>
+            <a:r>
+              <a:rPr lang="fr-FR" dirty="0" smtClean="0"/>
+              <a:t> </a:t>
+            </a:r>
+            <a:r>
+              <a:rPr lang="fr-FR" dirty="0"/>
+              <a:t>= </a:t>
+            </a:r>
+            <a:r>
+              <a:rPr lang="fr-FR" dirty="0" err="1" smtClean="0"/>
+              <a:t>dataframe.codePostal.fillna</a:t>
+            </a:r>
+            <a:r>
+              <a:rPr lang="fr-FR" dirty="0"/>
+              <a:t>('38000</a:t>
+            </a:r>
+            <a:r>
+              <a:rPr lang="fr-FR" dirty="0" smtClean="0"/>
+              <a:t>')</a:t>
+            </a:r>
+          </a:p>
+          <a:p>
+            <a:r>
+              <a:rPr lang="fr-FR" dirty="0" smtClean="0"/>
+              <a:t>Effacer les lignes nuls</a:t>
+            </a:r>
+          </a:p>
+          <a:p>
+            <a:pPr lvl="1"/>
+            <a:r>
+              <a:rPr lang="fr-FR" dirty="0" err="1"/>
+              <a:t>d</a:t>
+            </a:r>
+            <a:r>
+              <a:rPr lang="fr-FR" dirty="0" err="1" smtClean="0"/>
+              <a:t>ropna</a:t>
+            </a:r>
+            <a:r>
+              <a:rPr lang="fr-FR" dirty="0" smtClean="0"/>
+              <a:t>()</a:t>
+            </a:r>
+          </a:p>
+          <a:p>
+            <a:r>
+              <a:rPr lang="fr-FR" smtClean="0"/>
+              <a:t>Changement </a:t>
+            </a:r>
+            <a:r>
+              <a:rPr lang="fr-FR" dirty="0" smtClean="0"/>
+              <a:t>de valeurs</a:t>
+            </a:r>
+          </a:p>
+          <a:p>
+            <a:pPr lvl="1"/>
+            <a:r>
+              <a:rPr lang="fr-FR" dirty="0" err="1" smtClean="0"/>
+              <a:t>dataframe.surface</a:t>
+            </a:r>
+            <a:r>
+              <a:rPr lang="fr-FR" dirty="0" smtClean="0"/>
+              <a:t> </a:t>
+            </a:r>
+            <a:r>
+              <a:rPr lang="fr-FR" dirty="0"/>
+              <a:t>= </a:t>
+            </a:r>
+            <a:r>
+              <a:rPr lang="fr-FR" dirty="0" err="1" smtClean="0"/>
+              <a:t>dataframe</a:t>
+            </a:r>
+            <a:r>
+              <a:rPr lang="fr-FR" dirty="0" smtClean="0"/>
+              <a:t>[‘surface'].</a:t>
+            </a:r>
+            <a:r>
+              <a:rPr lang="fr-FR" dirty="0"/>
+              <a:t>replace(',', '.',</a:t>
+            </a:r>
+            <a:r>
+              <a:rPr lang="fr-FR" dirty="0" err="1"/>
+              <a:t>regex</a:t>
+            </a:r>
+            <a:r>
+              <a:rPr lang="fr-FR" dirty="0"/>
+              <a:t>=</a:t>
+            </a:r>
+            <a:r>
+              <a:rPr lang="fr-FR" dirty="0" err="1"/>
+              <a:t>True</a:t>
+            </a:r>
+            <a:r>
+              <a:rPr lang="fr-FR" dirty="0"/>
+              <a:t>).</a:t>
+            </a:r>
+            <a:r>
+              <a:rPr lang="fr-FR" dirty="0" err="1"/>
+              <a:t>astype</a:t>
+            </a:r>
+            <a:r>
+              <a:rPr lang="fr-FR" dirty="0"/>
+              <a:t>(</a:t>
+            </a:r>
+            <a:r>
+              <a:rPr lang="fr-FR" dirty="0" err="1"/>
+              <a:t>float</a:t>
+            </a:r>
+            <a:r>
+              <a:rPr lang="fr-FR" dirty="0" smtClean="0"/>
+              <a:t>)</a:t>
+            </a:r>
+            <a:endParaRPr lang="fr-FR" dirty="0"/>
+          </a:p>
+          <a:p>
+            <a:endParaRPr lang="fr-FR" dirty="0" smtClean="0"/>
+          </a:p>
+        </p:txBody>
+      </p:sp>
+    </p:spTree>
+    <p:extLst>
+      <p:ext uri="{BB962C8B-B14F-4D97-AF65-F5344CB8AC3E}">
+        <p14:creationId xmlns:p14="http://schemas.microsoft.com/office/powerpoint/2010/main" val="2942252075"/>
+      </p:ext>
+    </p:extLst>
+  </p:cSld>
+  <p:clrMapOvr>
+    <a:masterClrMapping/>
+  </p:clrMapOvr>
+  <p:timing>
+    <p:tnLst>
+      <p:par>
+        <p:cTn id="1" dur="indefinite" restart="never" nodeType="tmRoot"/>
+      </p:par>
+    </p:tnLst>
+  </p:timing>
+</p:sld>
+</file>
+
+<file path=ppt/slides/slide11.xml><?xml version="1.0" encoding="utf-8"?>
+<p:sld xmlns:a="http://schemas.openxmlformats.org/drawingml/2006/main" xmlns:r="http://schemas.openxmlformats.org/officeDocument/2006/relationships" xmlns:p="http://schemas.openxmlformats.org/presentationml/2006/main">
+  <p:cSld>
+    <p:spTree>
+      <p:nvGrpSpPr>
+        <p:cNvPr id="1" name=""/>
+        <p:cNvGrpSpPr/>
+        <p:nvPr/>
+      </p:nvGrpSpPr>
+      <p:grpSpPr>
+        <a:xfrm>
+          <a:off x="0" y="0"/>
+          <a:ext cx="0" cy="0"/>
+          <a:chOff x="0" y="0"/>
+          <a:chExt cx="0" cy="0"/>
+        </a:xfrm>
+      </p:grpSpPr>
+      <p:sp>
+        <p:nvSpPr>
+          <p:cNvPr id="2" name="Titre 1"/>
+          <p:cNvSpPr>
+            <a:spLocks noGrp="1"/>
+          </p:cNvSpPr>
+          <p:nvPr>
+            <p:ph type="title"/>
+          </p:nvPr>
+        </p:nvSpPr>
+        <p:spPr/>
+        <p:txBody>
+          <a:bodyPr/>
+          <a:lstStyle/>
+          <a:p>
+            <a:r>
+              <a:rPr lang="fr-FR" dirty="0" smtClean="0"/>
               <a:t>MNIST</a:t>
             </a:r>
             <a:endParaRPr lang="fr-FR" dirty="0"/>
@@ -3944,192 +4147,6 @@
 </p:sld>
 </file>
 
-<file path=ppt/slides/slide11.xml><?xml version="1.0" encoding="utf-8"?>
-<p:sld xmlns:a="http://schemas.openxmlformats.org/drawingml/2006/main" xmlns:r="http://schemas.openxmlformats.org/officeDocument/2006/relationships" xmlns:p="http://schemas.openxmlformats.org/presentationml/2006/main">
-  <p:cSld>
-    <p:spTree>
-      <p:nvGrpSpPr>
-        <p:cNvPr id="1" name=""/>
-        <p:cNvGrpSpPr/>
-        <p:nvPr/>
-      </p:nvGrpSpPr>
-      <p:grpSpPr>
-        <a:xfrm>
-          <a:off x="0" y="0"/>
-          <a:ext cx="0" cy="0"/>
-          <a:chOff x="0" y="0"/>
-          <a:chExt cx="0" cy="0"/>
-        </a:xfrm>
-      </p:grpSpPr>
-      <p:sp>
-        <p:nvSpPr>
-          <p:cNvPr id="2" name="Titre 1"/>
-          <p:cNvSpPr>
-            <a:spLocks noGrp="1"/>
-          </p:cNvSpPr>
-          <p:nvPr>
-            <p:ph type="title"/>
-          </p:nvPr>
-        </p:nvSpPr>
-        <p:spPr/>
-        <p:txBody>
-          <a:bodyPr/>
-          <a:lstStyle/>
-          <a:p>
-            <a:r>
-              <a:rPr lang="fr-FR" dirty="0" smtClean="0"/>
-              <a:t>MNIST</a:t>
-            </a:r>
-            <a:endParaRPr lang="fr-FR" dirty="0"/>
-          </a:p>
-        </p:txBody>
-      </p:sp>
-      <p:sp>
-        <p:nvSpPr>
-          <p:cNvPr id="3" name="Espace réservé du contenu 2"/>
-          <p:cNvSpPr>
-            <a:spLocks noGrp="1"/>
-          </p:cNvSpPr>
-          <p:nvPr>
-            <p:ph idx="1"/>
-          </p:nvPr>
-        </p:nvSpPr>
-        <p:spPr/>
-        <p:txBody>
-          <a:bodyPr/>
-          <a:lstStyle/>
-          <a:p>
-            <a:r>
-              <a:rPr lang="fr-FR" dirty="0" smtClean="0"/>
-              <a:t>Chargement des données</a:t>
-            </a:r>
-          </a:p>
-          <a:p>
-            <a:pPr lvl="1"/>
-            <a:r>
-              <a:rPr lang="fr-FR" dirty="0" err="1">
-                <a:latin typeface="Courier New" panose="02070309020205020404" pitchFamily="49" charset="0"/>
-                <a:cs typeface="Courier New" panose="02070309020205020404" pitchFamily="49" charset="0"/>
-              </a:rPr>
-              <a:t>mnist</a:t>
-            </a:r>
-            <a:r>
-              <a:rPr lang="fr-FR" dirty="0">
-                <a:latin typeface="Courier New" panose="02070309020205020404" pitchFamily="49" charset="0"/>
-                <a:cs typeface="Courier New" panose="02070309020205020404" pitchFamily="49" charset="0"/>
-              </a:rPr>
-              <a:t> = </a:t>
-            </a:r>
-            <a:r>
-              <a:rPr lang="fr-FR" dirty="0" err="1">
-                <a:latin typeface="Courier New" panose="02070309020205020404" pitchFamily="49" charset="0"/>
-                <a:cs typeface="Courier New" panose="02070309020205020404" pitchFamily="49" charset="0"/>
-              </a:rPr>
-              <a:t>ds.fetch_mldata</a:t>
-            </a:r>
-            <a:r>
-              <a:rPr lang="fr-FR" dirty="0">
-                <a:latin typeface="Courier New" panose="02070309020205020404" pitchFamily="49" charset="0"/>
-                <a:cs typeface="Courier New" panose="02070309020205020404" pitchFamily="49" charset="0"/>
-              </a:rPr>
-              <a:t>('MNIST original',</a:t>
-            </a:r>
-            <a:r>
-              <a:rPr lang="fr-FR" dirty="0" err="1">
-                <a:latin typeface="Courier New" panose="02070309020205020404" pitchFamily="49" charset="0"/>
-                <a:cs typeface="Courier New" panose="02070309020205020404" pitchFamily="49" charset="0"/>
-              </a:rPr>
-              <a:t>data_home</a:t>
-            </a:r>
-            <a:r>
-              <a:rPr lang="fr-FR" dirty="0">
-                <a:latin typeface="Courier New" panose="02070309020205020404" pitchFamily="49" charset="0"/>
-                <a:cs typeface="Courier New" panose="02070309020205020404" pitchFamily="49" charset="0"/>
-              </a:rPr>
-              <a:t>='./</a:t>
-            </a:r>
-            <a:r>
-              <a:rPr lang="fr-FR" dirty="0" err="1">
-                <a:latin typeface="Courier New" panose="02070309020205020404" pitchFamily="49" charset="0"/>
-                <a:cs typeface="Courier New" panose="02070309020205020404" pitchFamily="49" charset="0"/>
-              </a:rPr>
-              <a:t>mnist</a:t>
-            </a:r>
-            <a:r>
-              <a:rPr lang="fr-FR" dirty="0" smtClean="0">
-                <a:latin typeface="Courier New" panose="02070309020205020404" pitchFamily="49" charset="0"/>
-                <a:cs typeface="Courier New" panose="02070309020205020404" pitchFamily="49" charset="0"/>
-              </a:rPr>
-              <a:t>/')</a:t>
-            </a:r>
-          </a:p>
-          <a:p>
-            <a:pPr lvl="1"/>
-            <a:r>
-              <a:rPr lang="fr-FR" dirty="0" err="1" smtClean="0">
-                <a:latin typeface="Courier New" panose="02070309020205020404" pitchFamily="49" charset="0"/>
-                <a:cs typeface="Courier New" panose="02070309020205020404" pitchFamily="49" charset="0"/>
-              </a:rPr>
-              <a:t>mnist.data</a:t>
-            </a:r>
-            <a:r>
-              <a:rPr lang="fr-FR" dirty="0" smtClean="0">
-                <a:latin typeface="Courier New" panose="02070309020205020404" pitchFamily="49" charset="0"/>
-                <a:cs typeface="Courier New" panose="02070309020205020404" pitchFamily="49" charset="0"/>
-              </a:rPr>
-              <a:t> contient les images (70000)</a:t>
-            </a:r>
-          </a:p>
-          <a:p>
-            <a:pPr lvl="1"/>
-            <a:r>
-              <a:rPr lang="fr-FR" dirty="0" err="1">
-                <a:latin typeface="Courier New" panose="02070309020205020404" pitchFamily="49" charset="0"/>
-                <a:cs typeface="Courier New" panose="02070309020205020404" pitchFamily="49" charset="0"/>
-              </a:rPr>
-              <a:t>m</a:t>
-            </a:r>
-            <a:r>
-              <a:rPr lang="fr-FR" dirty="0" err="1" smtClean="0">
-                <a:latin typeface="Courier New" panose="02070309020205020404" pitchFamily="49" charset="0"/>
-                <a:cs typeface="Courier New" panose="02070309020205020404" pitchFamily="49" charset="0"/>
-              </a:rPr>
-              <a:t>nist.target</a:t>
-            </a:r>
-            <a:r>
-              <a:rPr lang="fr-FR" dirty="0" smtClean="0">
-                <a:latin typeface="Courier New" panose="02070309020205020404" pitchFamily="49" charset="0"/>
-                <a:cs typeface="Courier New" panose="02070309020205020404" pitchFamily="49" charset="0"/>
-              </a:rPr>
-              <a:t> contient les chiffres</a:t>
-            </a:r>
-          </a:p>
-          <a:p>
-            <a:pPr lvl="1"/>
-            <a:endParaRPr lang="fr-FR" dirty="0"/>
-          </a:p>
-        </p:txBody>
-      </p:sp>
-    </p:spTree>
-    <p:extLst>
-      <p:ext uri="{BB962C8B-B14F-4D97-AF65-F5344CB8AC3E}">
-        <p14:creationId xmlns:p14="http://schemas.microsoft.com/office/powerpoint/2010/main" val="3227662392"/>
-      </p:ext>
-    </p:extLst>
-  </p:cSld>
-  <p:clrMapOvr>
-    <a:masterClrMapping/>
-  </p:clrMapOvr>
-  <p:timing>
-    <p:tnLst>
-      <p:par>
-        <p:cTn id="1" dur="indefinite" restart="never" nodeType="tmRoot"/>
-      </p:par>
-    </p:tnLst>
-  </p:timing>
-</p:sld>
-</file>
-
 <file path=ppt/slides/slide12.xml><?xml version="1.0" encoding="utf-8"?>
 <p:sld xmlns:a="http://schemas.openxmlformats.org/drawingml/2006/main" xmlns:r="http://schemas.openxmlformats.org/officeDocument/2006/relationships" xmlns:p="http://schemas.openxmlformats.org/presentationml/2006/main">
   <p:cSld>
@@ -4164,7 +4181,7 @@
           <a:p>
             <a:r>
               <a:rPr lang="fr-FR" dirty="0" smtClean="0"/>
-              <a:t>Structure de la base</a:t>
+              <a:t>MNIST</a:t>
             </a:r>
             <a:endParaRPr lang="fr-FR" dirty="0"/>
           </a:p>
@@ -4186,204 +4203,120 @@
           <a:lstStyle/>
           <a:p>
             <a:r>
-              <a:rPr lang="fr-FR" sz="2000" dirty="0" err="1" smtClean="0"/>
-              <a:t>Wdbc.data</a:t>
-            </a:r>
-            <a:endParaRPr lang="fr-FR" sz="2000" dirty="0" smtClean="0"/>
+              <a:rPr lang="fr-FR" dirty="0" smtClean="0"/>
+              <a:t>Chargement des données</a:t>
+            </a:r>
           </a:p>
           <a:p>
             <a:pPr lvl="1"/>
             <a:r>
-              <a:rPr lang="fr-FR" sz="1800" dirty="0" smtClean="0"/>
-              <a:t>Id</a:t>
+              <a:rPr lang="fr-FR" dirty="0" err="1">
+                <a:latin typeface="Courier New" panose="02070309020205020404" pitchFamily="49" charset="0"/>
+                <a:cs typeface="Courier New" panose="02070309020205020404" pitchFamily="49" charset="0"/>
+              </a:rPr>
+              <a:t>mnist</a:t>
+            </a:r>
+            <a:r>
+              <a:rPr lang="fr-FR" dirty="0">
+                <a:latin typeface="Courier New" panose="02070309020205020404" pitchFamily="49" charset="0"/>
+                <a:cs typeface="Courier New" panose="02070309020205020404" pitchFamily="49" charset="0"/>
+              </a:rPr>
+              <a:t> = </a:t>
+            </a:r>
+            <a:r>
+              <a:rPr lang="fr-FR" dirty="0" err="1">
+                <a:latin typeface="Courier New" panose="02070309020205020404" pitchFamily="49" charset="0"/>
+                <a:cs typeface="Courier New" panose="02070309020205020404" pitchFamily="49" charset="0"/>
+              </a:rPr>
+              <a:t>ds.fetch_mldata</a:t>
+            </a:r>
+            <a:r>
+              <a:rPr lang="fr-FR" dirty="0">
+                <a:latin typeface="Courier New" panose="02070309020205020404" pitchFamily="49" charset="0"/>
+                <a:cs typeface="Courier New" panose="02070309020205020404" pitchFamily="49" charset="0"/>
+              </a:rPr>
+              <a:t>('MNIST original',</a:t>
+            </a:r>
+            <a:r>
+              <a:rPr lang="fr-FR" dirty="0" err="1">
+                <a:latin typeface="Courier New" panose="02070309020205020404" pitchFamily="49" charset="0"/>
+                <a:cs typeface="Courier New" panose="02070309020205020404" pitchFamily="49" charset="0"/>
+              </a:rPr>
+              <a:t>data_home</a:t>
+            </a:r>
+            <a:r>
+              <a:rPr lang="fr-FR" dirty="0">
+                <a:latin typeface="Courier New" panose="02070309020205020404" pitchFamily="49" charset="0"/>
+                <a:cs typeface="Courier New" panose="02070309020205020404" pitchFamily="49" charset="0"/>
+              </a:rPr>
+              <a:t>='./</a:t>
+            </a:r>
+            <a:r>
+              <a:rPr lang="fr-FR" dirty="0" err="1">
+                <a:latin typeface="Courier New" panose="02070309020205020404" pitchFamily="49" charset="0"/>
+                <a:cs typeface="Courier New" panose="02070309020205020404" pitchFamily="49" charset="0"/>
+              </a:rPr>
+              <a:t>mnist</a:t>
+            </a:r>
+            <a:r>
+              <a:rPr lang="fr-FR" dirty="0" smtClean="0">
+                <a:latin typeface="Courier New" panose="02070309020205020404" pitchFamily="49" charset="0"/>
+                <a:cs typeface="Courier New" panose="02070309020205020404" pitchFamily="49" charset="0"/>
+              </a:rPr>
+              <a:t>/')</a:t>
             </a:r>
           </a:p>
           <a:p>
             <a:pPr lvl="1"/>
             <a:r>
-              <a:rPr lang="fr-FR" sz="1800" dirty="0" smtClean="0"/>
-              <a:t>Diagnostique M = Maligne, B = </a:t>
-            </a:r>
-            <a:r>
-              <a:rPr lang="fr-FR" sz="1800" dirty="0" err="1" smtClean="0"/>
-              <a:t>Benigne</a:t>
-            </a:r>
-            <a:endParaRPr lang="fr-FR" sz="1800" dirty="0" smtClean="0"/>
-          </a:p>
-          <a:p>
-            <a:r>
-              <a:rPr lang="fr-FR" sz="2000" dirty="0" smtClean="0"/>
-              <a:t>Les données biologique sont interprétés depuis l’image de la tumeur</a:t>
+              <a:rPr lang="fr-FR" dirty="0" err="1" smtClean="0">
+                <a:latin typeface="Courier New" panose="02070309020205020404" pitchFamily="49" charset="0"/>
+                <a:cs typeface="Courier New" panose="02070309020205020404" pitchFamily="49" charset="0"/>
+              </a:rPr>
+              <a:t>mnist.data</a:t>
+            </a:r>
+            <a:r>
+              <a:rPr lang="fr-FR" dirty="0" smtClean="0">
+                <a:latin typeface="Courier New" panose="02070309020205020404" pitchFamily="49" charset="0"/>
+                <a:cs typeface="Courier New" panose="02070309020205020404" pitchFamily="49" charset="0"/>
+              </a:rPr>
+              <a:t> contient les images (70000)</a:t>
             </a:r>
           </a:p>
           <a:p>
             <a:pPr lvl="1"/>
             <a:r>
-              <a:rPr lang="fr-FR" sz="1800" dirty="0" smtClean="0"/>
-              <a:t>Rayon</a:t>
+              <a:rPr lang="fr-FR" dirty="0" err="1">
+                <a:latin typeface="Courier New" panose="02070309020205020404" pitchFamily="49" charset="0"/>
+                <a:cs typeface="Courier New" panose="02070309020205020404" pitchFamily="49" charset="0"/>
+              </a:rPr>
+              <a:t>m</a:t>
+            </a:r>
+            <a:r>
+              <a:rPr lang="fr-FR" dirty="0" err="1" smtClean="0">
+                <a:latin typeface="Courier New" panose="02070309020205020404" pitchFamily="49" charset="0"/>
+                <a:cs typeface="Courier New" panose="02070309020205020404" pitchFamily="49" charset="0"/>
+              </a:rPr>
+              <a:t>nist.target</a:t>
+            </a:r>
+            <a:r>
+              <a:rPr lang="fr-FR" dirty="0" smtClean="0">
+                <a:latin typeface="Courier New" panose="02070309020205020404" pitchFamily="49" charset="0"/>
+                <a:cs typeface="Courier New" panose="02070309020205020404" pitchFamily="49" charset="0"/>
+              </a:rPr>
+              <a:t> contient les chiffres</a:t>
             </a:r>
           </a:p>
           <a:p>
             <a:pPr lvl="1"/>
-            <a:r>
-              <a:rPr lang="fr-FR" sz="1800" dirty="0" smtClean="0"/>
-              <a:t>Texture (</a:t>
-            </a:r>
-            <a:r>
-              <a:rPr lang="en-US" sz="1800" dirty="0"/>
-              <a:t>standard deviation of gray-scale </a:t>
-            </a:r>
-            <a:r>
-              <a:rPr lang="en-US" sz="1800" dirty="0" smtClean="0"/>
-              <a:t>values)</a:t>
-            </a:r>
-          </a:p>
-          <a:p>
-            <a:pPr lvl="1"/>
-            <a:r>
-              <a:rPr lang="en-US" sz="1800" dirty="0" err="1" smtClean="0"/>
-              <a:t>Périmetre</a:t>
-            </a:r>
-            <a:endParaRPr lang="en-US" sz="1800" dirty="0" smtClean="0"/>
-          </a:p>
-          <a:p>
-            <a:pPr lvl="1"/>
-            <a:r>
-              <a:rPr lang="en-US" sz="1800" dirty="0" err="1" smtClean="0"/>
-              <a:t>Superficie</a:t>
-            </a:r>
-            <a:endParaRPr lang="en-US" sz="1800" dirty="0" smtClean="0"/>
-          </a:p>
-          <a:p>
-            <a:pPr lvl="1"/>
-            <a:r>
-              <a:rPr lang="en-US" sz="1800" dirty="0" smtClean="0"/>
-              <a:t>Smoothness (variation du rayon)</a:t>
-            </a:r>
-          </a:p>
-          <a:p>
-            <a:pPr lvl="1"/>
-            <a:r>
-              <a:rPr lang="en-US" sz="1800" dirty="0" err="1" smtClean="0"/>
-              <a:t>Compacité</a:t>
-            </a:r>
-            <a:r>
-              <a:rPr lang="en-US" sz="1800" dirty="0" smtClean="0"/>
-              <a:t> (perimeter**2 / </a:t>
-            </a:r>
-            <a:r>
-              <a:rPr lang="en-US" sz="1800" dirty="0" err="1" smtClean="0"/>
-              <a:t>superficie</a:t>
-            </a:r>
-            <a:r>
-              <a:rPr lang="en-US" sz="1800" dirty="0" smtClean="0"/>
-              <a:t> – 1)</a:t>
-            </a:r>
-          </a:p>
-          <a:p>
-            <a:pPr lvl="1"/>
-            <a:r>
-              <a:rPr lang="en-US" sz="1800" dirty="0" err="1" smtClean="0"/>
-              <a:t>Concavité</a:t>
-            </a:r>
-            <a:r>
-              <a:rPr lang="en-US" sz="1800" dirty="0" smtClean="0"/>
-              <a:t> (</a:t>
-            </a:r>
-            <a:r>
-              <a:rPr lang="en-US" sz="1800" dirty="0"/>
-              <a:t>severity of concave portions of the </a:t>
-            </a:r>
-            <a:r>
-              <a:rPr lang="en-US" sz="1800" dirty="0" smtClean="0"/>
-              <a:t>contour)</a:t>
-            </a:r>
-          </a:p>
-          <a:p>
-            <a:pPr lvl="1"/>
-            <a:r>
-              <a:rPr lang="en-US" sz="1800" dirty="0" smtClean="0"/>
-              <a:t>Points concaves (</a:t>
-            </a:r>
-            <a:r>
-              <a:rPr lang="en-US" sz="1800" dirty="0" err="1" smtClean="0"/>
-              <a:t>nombre</a:t>
-            </a:r>
-            <a:r>
-              <a:rPr lang="en-US" sz="1800" dirty="0" smtClean="0"/>
-              <a:t> de portion concave)</a:t>
-            </a:r>
-          </a:p>
-          <a:p>
-            <a:pPr lvl="1"/>
-            <a:r>
-              <a:rPr lang="en-US" sz="1800" dirty="0" err="1" smtClean="0"/>
-              <a:t>Symetrie</a:t>
-            </a:r>
-            <a:endParaRPr lang="en-US" sz="1800" dirty="0" smtClean="0"/>
-          </a:p>
-          <a:p>
-            <a:pPr lvl="1"/>
-            <a:r>
-              <a:rPr lang="en-US" sz="1800" dirty="0" smtClean="0"/>
-              <a:t>Dimension </a:t>
-            </a:r>
-            <a:r>
-              <a:rPr lang="en-US" sz="1800" dirty="0" err="1" smtClean="0"/>
-              <a:t>Fractale</a:t>
-            </a:r>
-            <a:r>
-              <a:rPr lang="en-US" sz="1800" dirty="0" smtClean="0"/>
-              <a:t> (</a:t>
-            </a:r>
-            <a:r>
-              <a:rPr lang="fr-FR" sz="1800" dirty="0"/>
-              <a:t>"</a:t>
-            </a:r>
-            <a:r>
-              <a:rPr lang="fr-FR" sz="1800" dirty="0" err="1"/>
-              <a:t>coastline</a:t>
-            </a:r>
-            <a:r>
-              <a:rPr lang="fr-FR" sz="1800" dirty="0"/>
-              <a:t> approximation" </a:t>
-            </a:r>
-            <a:r>
-              <a:rPr lang="fr-FR" sz="1800" dirty="0" smtClean="0"/>
-              <a:t>– 1)</a:t>
-            </a:r>
-            <a:endParaRPr lang="en-US" sz="1800" dirty="0" smtClean="0"/>
+            <a:endParaRPr lang="fr-FR" dirty="0"/>
           </a:p>
         </p:txBody>
       </p:sp>
-      <p:pic>
-        <p:nvPicPr>
-          <p:cNvPr id="4" name="Image 3"/>
-          <p:cNvPicPr>
-            <a:picLocks noChangeAspect="1"/>
-          </p:cNvPicPr>
-          <p:nvPr/>
-        </p:nvPicPr>
-        <p:blipFill>
-          <a:blip r:embed="rId2"/>
-          <a:stretch>
-            <a:fillRect/>
-          </a:stretch>
-        </p:blipFill>
-        <p:spPr>
-          <a:xfrm>
-            <a:off x="6528998" y="2852936"/>
-            <a:ext cx="2448272" cy="2378321"/>
-          </a:xfrm>
-          <a:prstGeom prst="rect">
-            <a:avLst/>
-          </a:prstGeom>
-        </p:spPr>
-      </p:pic>
     </p:spTree>
     <p:extLst>
       <p:ext uri="{BB962C8B-B14F-4D97-AF65-F5344CB8AC3E}">
-        <p14:creationId xmlns:p14="http://schemas.microsoft.com/office/powerpoint/2010/main" val="70697007"/>
+        <p14:creationId xmlns:p14="http://schemas.microsoft.com/office/powerpoint/2010/main" val="3227662392"/>
       </p:ext>
     </p:extLst>
   </p:cSld>
@@ -4766,43 +4699,192 @@
           <a:lstStyle/>
           <a:p>
             <a:r>
-              <a:rPr lang="fr-FR" dirty="0" err="1" smtClean="0"/>
-              <a:t>Series</a:t>
+              <a:rPr lang="fr-FR" dirty="0" smtClean="0"/>
+              <a:t>Import de données</a:t>
             </a:r>
             <a:endParaRPr lang="fr-FR" dirty="0"/>
           </a:p>
         </p:txBody>
       </p:sp>
-      <p:pic>
-        <p:nvPicPr>
-          <p:cNvPr id="4" name="Espace réservé du contenu 3"/>
-          <p:cNvPicPr>
-            <a:picLocks noGrp="1" noChangeAspect="1"/>
-          </p:cNvPicPr>
+      <p:sp>
+        <p:nvSpPr>
+          <p:cNvPr id="3" name="Espace réservé du contenu 2"/>
+          <p:cNvSpPr>
+            <a:spLocks noGrp="1"/>
+          </p:cNvSpPr>
           <p:nvPr>
             <p:ph idx="1"/>
           </p:nvPr>
-        </p:nvPicPr>
-        <p:blipFill>
-          <a:blip r:embed="rId2"/>
-          <a:stretch>
-            <a:fillRect/>
-          </a:stretch>
-        </p:blipFill>
-        <p:spPr>
-          <a:xfrm>
-            <a:off x="1089942" y="986552"/>
-            <a:ext cx="6866434" cy="4983440"/>
-          </a:xfrm>
-          <a:prstGeom prst="rect">
-            <a:avLst/>
-          </a:prstGeom>
-        </p:spPr>
-      </p:pic>
+        </p:nvSpPr>
+        <p:spPr/>
+        <p:txBody>
+          <a:bodyPr/>
+          <a:lstStyle/>
+          <a:p>
+            <a:r>
+              <a:rPr lang="fr-FR" dirty="0" smtClean="0"/>
+              <a:t>Pandas possède une librairie très puissante pour importer des données depuis n’importe quelle source</a:t>
+            </a:r>
+          </a:p>
+          <a:p>
+            <a:pPr lvl="1"/>
+            <a:r>
+              <a:rPr lang="fr-FR" dirty="0" smtClean="0"/>
+              <a:t>Puis les converti en </a:t>
+            </a:r>
+            <a:r>
+              <a:rPr lang="fr-FR" dirty="0" err="1" smtClean="0"/>
+              <a:t>DataFrame</a:t>
+            </a:r>
+            <a:endParaRPr lang="fr-FR" dirty="0" smtClean="0"/>
+          </a:p>
+          <a:p>
+            <a:r>
+              <a:rPr lang="fr-FR" dirty="0" smtClean="0"/>
+              <a:t>CSV</a:t>
+            </a:r>
+          </a:p>
+          <a:p>
+            <a:pPr marL="457200" lvl="1" indent="0">
+              <a:buNone/>
+            </a:pPr>
+            <a:r>
+              <a:rPr lang="fr-FR" sz="2000" dirty="0" err="1">
+                <a:latin typeface="Courier New" panose="02070309020205020404" pitchFamily="49" charset="0"/>
+                <a:cs typeface="Courier New" panose="02070309020205020404" pitchFamily="49" charset="0"/>
+              </a:rPr>
+              <a:t>house_data</a:t>
+            </a:r>
+            <a:r>
+              <a:rPr lang="fr-FR" sz="2000" dirty="0">
+                <a:latin typeface="Courier New" panose="02070309020205020404" pitchFamily="49" charset="0"/>
+                <a:cs typeface="Courier New" panose="02070309020205020404" pitchFamily="49" charset="0"/>
+              </a:rPr>
+              <a:t> = </a:t>
+            </a:r>
+            <a:r>
+              <a:rPr lang="fr-FR" sz="2000" dirty="0" err="1">
+                <a:latin typeface="Courier New" panose="02070309020205020404" pitchFamily="49" charset="0"/>
+                <a:cs typeface="Courier New" panose="02070309020205020404" pitchFamily="49" charset="0"/>
+              </a:rPr>
+              <a:t>pd.read_csv</a:t>
+            </a:r>
+            <a:r>
+              <a:rPr lang="fr-FR" sz="2000" dirty="0">
+                <a:latin typeface="Courier New" panose="02070309020205020404" pitchFamily="49" charset="0"/>
+                <a:cs typeface="Courier New" panose="02070309020205020404" pitchFamily="49" charset="0"/>
+              </a:rPr>
+              <a:t>('house.csv')</a:t>
+            </a:r>
+          </a:p>
+          <a:p>
+            <a:pPr marL="457200" lvl="1" indent="0">
+              <a:buNone/>
+            </a:pPr>
+            <a:r>
+              <a:rPr lang="fr-FR" sz="2000" dirty="0" err="1" smtClean="0">
+                <a:latin typeface="Courier New" panose="02070309020205020404" pitchFamily="49" charset="0"/>
+                <a:cs typeface="Courier New" panose="02070309020205020404" pitchFamily="49" charset="0"/>
+              </a:rPr>
+              <a:t>plt.plot</a:t>
+            </a:r>
+            <a:r>
+              <a:rPr lang="fr-FR" sz="2000" dirty="0" smtClean="0">
+                <a:latin typeface="Courier New" panose="02070309020205020404" pitchFamily="49" charset="0"/>
+                <a:cs typeface="Courier New" panose="02070309020205020404" pitchFamily="49" charset="0"/>
+              </a:rPr>
+              <a:t>(</a:t>
+            </a:r>
+            <a:r>
+              <a:rPr lang="fr-FR" sz="2000" dirty="0" err="1" smtClean="0">
+                <a:latin typeface="Courier New" panose="02070309020205020404" pitchFamily="49" charset="0"/>
+                <a:cs typeface="Courier New" panose="02070309020205020404" pitchFamily="49" charset="0"/>
+              </a:rPr>
+              <a:t>house_data</a:t>
+            </a:r>
+            <a:r>
+              <a:rPr lang="fr-FR" sz="2000" dirty="0">
+                <a:latin typeface="Courier New" panose="02070309020205020404" pitchFamily="49" charset="0"/>
+                <a:cs typeface="Courier New" panose="02070309020205020404" pitchFamily="49" charset="0"/>
+              </a:rPr>
+              <a:t>['surface'], </a:t>
+            </a:r>
+            <a:r>
+              <a:rPr lang="fr-FR" sz="2000" dirty="0" err="1">
+                <a:latin typeface="Courier New" panose="02070309020205020404" pitchFamily="49" charset="0"/>
+                <a:cs typeface="Courier New" panose="02070309020205020404" pitchFamily="49" charset="0"/>
+              </a:rPr>
+              <a:t>house_data</a:t>
+            </a:r>
+            <a:r>
+              <a:rPr lang="fr-FR" sz="2000" dirty="0">
+                <a:latin typeface="Courier New" panose="02070309020205020404" pitchFamily="49" charset="0"/>
+                <a:cs typeface="Courier New" panose="02070309020205020404" pitchFamily="49" charset="0"/>
+              </a:rPr>
+              <a:t>['loyer'], '</a:t>
+            </a:r>
+            <a:r>
+              <a:rPr lang="fr-FR" sz="2000" dirty="0" err="1">
+                <a:latin typeface="Courier New" panose="02070309020205020404" pitchFamily="49" charset="0"/>
+                <a:cs typeface="Courier New" panose="02070309020205020404" pitchFamily="49" charset="0"/>
+              </a:rPr>
+              <a:t>ro</a:t>
+            </a:r>
+            <a:r>
+              <a:rPr lang="fr-FR" sz="2000" dirty="0">
+                <a:latin typeface="Courier New" panose="02070309020205020404" pitchFamily="49" charset="0"/>
+                <a:cs typeface="Courier New" panose="02070309020205020404" pitchFamily="49" charset="0"/>
+              </a:rPr>
+              <a:t>', </a:t>
+            </a:r>
+            <a:r>
+              <a:rPr lang="fr-FR" sz="2000" dirty="0" err="1">
+                <a:latin typeface="Courier New" panose="02070309020205020404" pitchFamily="49" charset="0"/>
+                <a:cs typeface="Courier New" panose="02070309020205020404" pitchFamily="49" charset="0"/>
+              </a:rPr>
+              <a:t>markersize</a:t>
+            </a:r>
+            <a:r>
+              <a:rPr lang="fr-FR" sz="2000" dirty="0">
+                <a:latin typeface="Courier New" panose="02070309020205020404" pitchFamily="49" charset="0"/>
+                <a:cs typeface="Courier New" panose="02070309020205020404" pitchFamily="49" charset="0"/>
+              </a:rPr>
+              <a:t>=4)</a:t>
+            </a:r>
+          </a:p>
+          <a:p>
+            <a:pPr marL="457200" lvl="1" indent="0">
+              <a:buNone/>
+            </a:pPr>
+            <a:r>
+              <a:rPr lang="fr-FR" sz="2000" dirty="0" err="1">
+                <a:latin typeface="Courier New" panose="02070309020205020404" pitchFamily="49" charset="0"/>
+                <a:cs typeface="Courier New" panose="02070309020205020404" pitchFamily="49" charset="0"/>
+              </a:rPr>
+              <a:t>plt.show</a:t>
+            </a:r>
+            <a:r>
+              <a:rPr lang="fr-FR" sz="2000" dirty="0">
+                <a:latin typeface="Courier New" panose="02070309020205020404" pitchFamily="49" charset="0"/>
+                <a:cs typeface="Courier New" panose="02070309020205020404" pitchFamily="49" charset="0"/>
+              </a:rPr>
+              <a:t>()</a:t>
+            </a:r>
+            <a:endParaRPr lang="fr-FR" sz="2000" dirty="0" smtClean="0">
+              <a:latin typeface="Courier New" panose="02070309020205020404" pitchFamily="49" charset="0"/>
+              <a:cs typeface="Courier New" panose="02070309020205020404" pitchFamily="49" charset="0"/>
+            </a:endParaRPr>
+          </a:p>
+          <a:p>
+            <a:pPr lvl="1"/>
+            <a:endParaRPr lang="fr-FR" dirty="0"/>
+          </a:p>
+        </p:txBody>
+      </p:sp>
     </p:spTree>
     <p:extLst>
       <p:ext uri="{BB962C8B-B14F-4D97-AF65-F5344CB8AC3E}">
-        <p14:creationId xmlns:p14="http://schemas.microsoft.com/office/powerpoint/2010/main" val="2188965481"/>
+        <p14:creationId xmlns:p14="http://schemas.microsoft.com/office/powerpoint/2010/main" val="3356451382"/>
       </p:ext>
     </p:extLst>
   </p:cSld>
@@ -4852,8 +4934,8 @@
           <a:lstStyle/>
           <a:p>
             <a:r>
-              <a:rPr lang="fr-FR" dirty="0" err="1" smtClean="0"/>
-              <a:t>DataFrame</a:t>
+              <a:rPr lang="fr-FR" dirty="0" smtClean="0"/>
+              <a:t>Import de données</a:t>
             </a:r>
             <a:endParaRPr lang="fr-FR" dirty="0"/>
           </a:p>
@@ -4875,56 +4957,296 @@
           <a:lstStyle/>
           <a:p>
             <a:r>
-              <a:rPr lang="fr-FR" dirty="0"/>
-              <a:t>Les </a:t>
-            </a:r>
-            <a:r>
-              <a:rPr lang="fr-FR" dirty="0" err="1"/>
-              <a:t>DataFrame</a:t>
-            </a:r>
-            <a:r>
-              <a:rPr lang="fr-FR" dirty="0"/>
-              <a:t> permettent de combiner plusieurs </a:t>
-            </a:r>
-            <a:r>
-              <a:rPr lang="fr-FR" dirty="0" err="1"/>
-              <a:t>Series</a:t>
-            </a:r>
-            <a:r>
-              <a:rPr lang="fr-FR" dirty="0"/>
-              <a:t> en colonnes, un peu comme dans un tableau SQL</a:t>
-            </a:r>
+              <a:rPr lang="fr-FR" dirty="0" smtClean="0"/>
+              <a:t>SQL</a:t>
+            </a:r>
+          </a:p>
+          <a:p>
+            <a:pPr marL="457200" lvl="1" indent="0">
+              <a:buNone/>
+            </a:pPr>
+            <a:r>
+              <a:rPr lang="en-US" sz="2000" dirty="0">
+                <a:latin typeface="Courier New" panose="02070309020205020404" pitchFamily="49" charset="0"/>
+                <a:cs typeface="Courier New" panose="02070309020205020404" pitchFamily="49" charset="0"/>
+              </a:rPr>
+              <a:t>with sqlite3.connect("house.db3") as conn:</a:t>
+            </a:r>
+          </a:p>
+          <a:p>
+            <a:pPr marL="457200" lvl="1" indent="0">
+              <a:buNone/>
+            </a:pPr>
+            <a:r>
+              <a:rPr lang="en-US" sz="2000" dirty="0">
+                <a:latin typeface="Courier New" panose="02070309020205020404" pitchFamily="49" charset="0"/>
+                <a:cs typeface="Courier New" panose="02070309020205020404" pitchFamily="49" charset="0"/>
+              </a:rPr>
+              <a:t>    </a:t>
+            </a:r>
+            <a:r>
+              <a:rPr lang="en-US" sz="2000" dirty="0" err="1">
+                <a:latin typeface="Courier New" panose="02070309020205020404" pitchFamily="49" charset="0"/>
+                <a:cs typeface="Courier New" panose="02070309020205020404" pitchFamily="49" charset="0"/>
+              </a:rPr>
+              <a:t>house_data</a:t>
+            </a:r>
+            <a:r>
+              <a:rPr lang="en-US" sz="2000" dirty="0">
+                <a:latin typeface="Courier New" panose="02070309020205020404" pitchFamily="49" charset="0"/>
+                <a:cs typeface="Courier New" panose="02070309020205020404" pitchFamily="49" charset="0"/>
+              </a:rPr>
+              <a:t> = </a:t>
+            </a:r>
+            <a:r>
+              <a:rPr lang="en-US" sz="2000" dirty="0" err="1">
+                <a:latin typeface="Courier New" panose="02070309020205020404" pitchFamily="49" charset="0"/>
+                <a:cs typeface="Courier New" panose="02070309020205020404" pitchFamily="49" charset="0"/>
+              </a:rPr>
+              <a:t>pd.read_sql</a:t>
+            </a:r>
+            <a:r>
+              <a:rPr lang="en-US" sz="2000" dirty="0">
+                <a:latin typeface="Courier New" panose="02070309020205020404" pitchFamily="49" charset="0"/>
+                <a:cs typeface="Courier New" panose="02070309020205020404" pitchFamily="49" charset="0"/>
+              </a:rPr>
+              <a:t>('select </a:t>
+            </a:r>
+            <a:r>
+              <a:rPr lang="en-US" sz="2000" dirty="0" err="1">
+                <a:latin typeface="Courier New" panose="02070309020205020404" pitchFamily="49" charset="0"/>
+                <a:cs typeface="Courier New" panose="02070309020205020404" pitchFamily="49" charset="0"/>
+              </a:rPr>
+              <a:t>loyer,surface</a:t>
+            </a:r>
+            <a:r>
+              <a:rPr lang="en-US" sz="2000" dirty="0">
+                <a:latin typeface="Courier New" panose="02070309020205020404" pitchFamily="49" charset="0"/>
+                <a:cs typeface="Courier New" panose="02070309020205020404" pitchFamily="49" charset="0"/>
+              </a:rPr>
+              <a:t> from house', conn</a:t>
+            </a:r>
+            <a:r>
+              <a:rPr lang="en-US" sz="2000" dirty="0" smtClean="0">
+                <a:latin typeface="Courier New" panose="02070309020205020404" pitchFamily="49" charset="0"/>
+                <a:cs typeface="Courier New" panose="02070309020205020404" pitchFamily="49" charset="0"/>
+              </a:rPr>
+              <a:t>)</a:t>
+            </a:r>
+          </a:p>
+          <a:p>
+            <a:r>
+              <a:rPr lang="fr-FR" dirty="0" smtClean="0"/>
+              <a:t>Mongo DB</a:t>
+            </a:r>
+          </a:p>
+          <a:p>
+            <a:pPr marL="457200" lvl="1" indent="0">
+              <a:buNone/>
+            </a:pPr>
+            <a:r>
+              <a:rPr lang="fr-FR" sz="2000" dirty="0" err="1">
+                <a:latin typeface="Courier New" panose="02070309020205020404" pitchFamily="49" charset="0"/>
+                <a:cs typeface="Courier New" panose="02070309020205020404" pitchFamily="49" charset="0"/>
+              </a:rPr>
+              <a:t>with</a:t>
+            </a:r>
+            <a:r>
+              <a:rPr lang="fr-FR" sz="2000" dirty="0">
+                <a:latin typeface="Courier New" panose="02070309020205020404" pitchFamily="49" charset="0"/>
+                <a:cs typeface="Courier New" panose="02070309020205020404" pitchFamily="49" charset="0"/>
+              </a:rPr>
+              <a:t> </a:t>
+            </a:r>
+            <a:r>
+              <a:rPr lang="fr-FR" sz="2000" dirty="0" err="1">
+                <a:latin typeface="Courier New" panose="02070309020205020404" pitchFamily="49" charset="0"/>
+                <a:cs typeface="Courier New" panose="02070309020205020404" pitchFamily="49" charset="0"/>
+              </a:rPr>
+              <a:t>pymongo.MongoClient</a:t>
+            </a:r>
+            <a:r>
+              <a:rPr lang="fr-FR" sz="2000" dirty="0">
+                <a:latin typeface="Courier New" panose="02070309020205020404" pitchFamily="49" charset="0"/>
+                <a:cs typeface="Courier New" panose="02070309020205020404" pitchFamily="49" charset="0"/>
+              </a:rPr>
+              <a:t>('</a:t>
+            </a:r>
+            <a:r>
+              <a:rPr lang="fr-FR" sz="2000" dirty="0" err="1">
+                <a:latin typeface="Courier New" panose="02070309020205020404" pitchFamily="49" charset="0"/>
+                <a:cs typeface="Courier New" panose="02070309020205020404" pitchFamily="49" charset="0"/>
+              </a:rPr>
+              <a:t>localhost</a:t>
+            </a:r>
+            <a:r>
+              <a:rPr lang="fr-FR" sz="2000" dirty="0">
+                <a:latin typeface="Courier New" panose="02070309020205020404" pitchFamily="49" charset="0"/>
+                <a:cs typeface="Courier New" panose="02070309020205020404" pitchFamily="49" charset="0"/>
+              </a:rPr>
+              <a:t>', 27017) as client:</a:t>
+            </a:r>
+          </a:p>
+          <a:p>
+            <a:pPr marL="457200" lvl="1" indent="0">
+              <a:buNone/>
+            </a:pPr>
+            <a:r>
+              <a:rPr lang="fr-FR" sz="2000" dirty="0">
+                <a:latin typeface="Courier New" panose="02070309020205020404" pitchFamily="49" charset="0"/>
+                <a:cs typeface="Courier New" panose="02070309020205020404" pitchFamily="49" charset="0"/>
+              </a:rPr>
+              <a:t>    </a:t>
+            </a:r>
+            <a:r>
+              <a:rPr lang="fr-FR" sz="2000" dirty="0" err="1">
+                <a:latin typeface="Courier New" panose="02070309020205020404" pitchFamily="49" charset="0"/>
+                <a:cs typeface="Courier New" panose="02070309020205020404" pitchFamily="49" charset="0"/>
+              </a:rPr>
+              <a:t>db</a:t>
+            </a:r>
+            <a:r>
+              <a:rPr lang="fr-FR" sz="2000" dirty="0">
+                <a:latin typeface="Courier New" panose="02070309020205020404" pitchFamily="49" charset="0"/>
+                <a:cs typeface="Courier New" panose="02070309020205020404" pitchFamily="49" charset="0"/>
+              </a:rPr>
+              <a:t> = </a:t>
+            </a:r>
+            <a:r>
+              <a:rPr lang="fr-FR" sz="2000" dirty="0" err="1">
+                <a:latin typeface="Courier New" panose="02070309020205020404" pitchFamily="49" charset="0"/>
+                <a:cs typeface="Courier New" panose="02070309020205020404" pitchFamily="49" charset="0"/>
+              </a:rPr>
+              <a:t>client.test</a:t>
+            </a:r>
+            <a:endParaRPr lang="fr-FR" sz="2000" dirty="0">
+              <a:latin typeface="Courier New" panose="02070309020205020404" pitchFamily="49" charset="0"/>
+              <a:cs typeface="Courier New" panose="02070309020205020404" pitchFamily="49" charset="0"/>
+            </a:endParaRPr>
+          </a:p>
+          <a:p>
+            <a:pPr marL="457200" lvl="1" indent="0">
+              <a:buNone/>
+            </a:pPr>
+            <a:r>
+              <a:rPr lang="fr-FR" sz="2000" dirty="0">
+                <a:latin typeface="Courier New" panose="02070309020205020404" pitchFamily="49" charset="0"/>
+                <a:cs typeface="Courier New" panose="02070309020205020404" pitchFamily="49" charset="0"/>
+              </a:rPr>
+              <a:t>    </a:t>
+            </a:r>
+            <a:r>
+              <a:rPr lang="fr-FR" sz="2000" dirty="0" err="1">
+                <a:latin typeface="Courier New" panose="02070309020205020404" pitchFamily="49" charset="0"/>
+                <a:cs typeface="Courier New" panose="02070309020205020404" pitchFamily="49" charset="0"/>
+              </a:rPr>
+              <a:t>cursor</a:t>
+            </a:r>
+            <a:r>
+              <a:rPr lang="fr-FR" sz="2000" dirty="0">
+                <a:latin typeface="Courier New" panose="02070309020205020404" pitchFamily="49" charset="0"/>
+                <a:cs typeface="Courier New" panose="02070309020205020404" pitchFamily="49" charset="0"/>
+              </a:rPr>
+              <a:t> = </a:t>
+            </a:r>
+            <a:r>
+              <a:rPr lang="fr-FR" sz="2000" dirty="0" err="1">
+                <a:latin typeface="Courier New" panose="02070309020205020404" pitchFamily="49" charset="0"/>
+                <a:cs typeface="Courier New" panose="02070309020205020404" pitchFamily="49" charset="0"/>
+              </a:rPr>
+              <a:t>db.house.find</a:t>
+            </a:r>
+            <a:r>
+              <a:rPr lang="fr-FR" sz="2000" dirty="0">
+                <a:latin typeface="Courier New" panose="02070309020205020404" pitchFamily="49" charset="0"/>
+                <a:cs typeface="Courier New" panose="02070309020205020404" pitchFamily="49" charset="0"/>
+              </a:rPr>
+              <a:t>()</a:t>
+            </a:r>
+          </a:p>
+          <a:p>
+            <a:pPr marL="457200" lvl="1" indent="0">
+              <a:buNone/>
+            </a:pPr>
+            <a:r>
+              <a:rPr lang="fr-FR" sz="2000" dirty="0">
+                <a:latin typeface="Courier New" panose="02070309020205020404" pitchFamily="49" charset="0"/>
+                <a:cs typeface="Courier New" panose="02070309020205020404" pitchFamily="49" charset="0"/>
+              </a:rPr>
+              <a:t>    </a:t>
+            </a:r>
+            <a:r>
+              <a:rPr lang="fr-FR" sz="2000" dirty="0" err="1">
+                <a:latin typeface="Courier New" panose="02070309020205020404" pitchFamily="49" charset="0"/>
+                <a:cs typeface="Courier New" panose="02070309020205020404" pitchFamily="49" charset="0"/>
+              </a:rPr>
+              <a:t>house_data</a:t>
+            </a:r>
+            <a:r>
+              <a:rPr lang="fr-FR" sz="2000" dirty="0">
+                <a:latin typeface="Courier New" panose="02070309020205020404" pitchFamily="49" charset="0"/>
+                <a:cs typeface="Courier New" panose="02070309020205020404" pitchFamily="49" charset="0"/>
+              </a:rPr>
+              <a:t> = </a:t>
+            </a:r>
+            <a:r>
+              <a:rPr lang="fr-FR" sz="2000" dirty="0" err="1">
+                <a:latin typeface="Courier New" panose="02070309020205020404" pitchFamily="49" charset="0"/>
+                <a:cs typeface="Courier New" panose="02070309020205020404" pitchFamily="49" charset="0"/>
+              </a:rPr>
+              <a:t>pd.DataFrame</a:t>
+            </a:r>
+            <a:r>
+              <a:rPr lang="fr-FR" sz="2000" dirty="0">
+                <a:latin typeface="Courier New" panose="02070309020205020404" pitchFamily="49" charset="0"/>
+                <a:cs typeface="Courier New" panose="02070309020205020404" pitchFamily="49" charset="0"/>
+              </a:rPr>
+              <a:t>(</a:t>
+            </a:r>
+            <a:r>
+              <a:rPr lang="fr-FR" sz="2000" dirty="0" err="1">
+                <a:latin typeface="Courier New" panose="02070309020205020404" pitchFamily="49" charset="0"/>
+                <a:cs typeface="Courier New" panose="02070309020205020404" pitchFamily="49" charset="0"/>
+              </a:rPr>
+              <a:t>list</a:t>
+            </a:r>
+            <a:r>
+              <a:rPr lang="fr-FR" sz="2000" dirty="0">
+                <a:latin typeface="Courier New" panose="02070309020205020404" pitchFamily="49" charset="0"/>
+                <a:cs typeface="Courier New" panose="02070309020205020404" pitchFamily="49" charset="0"/>
+              </a:rPr>
+              <a:t>(</a:t>
+            </a:r>
+            <a:r>
+              <a:rPr lang="fr-FR" sz="2000" dirty="0" err="1">
+                <a:latin typeface="Courier New" panose="02070309020205020404" pitchFamily="49" charset="0"/>
+                <a:cs typeface="Courier New" panose="02070309020205020404" pitchFamily="49" charset="0"/>
+              </a:rPr>
+              <a:t>cursor</a:t>
+            </a:r>
+            <a:r>
+              <a:rPr lang="fr-FR" sz="2000" dirty="0">
+                <a:latin typeface="Courier New" panose="02070309020205020404" pitchFamily="49" charset="0"/>
+                <a:cs typeface="Courier New" panose="02070309020205020404" pitchFamily="49" charset="0"/>
+              </a:rPr>
+              <a:t>))</a:t>
+            </a:r>
+          </a:p>
+          <a:p>
+            <a:pPr marL="457200" lvl="1" indent="0">
+              <a:buNone/>
+            </a:pPr>
+            <a:endParaRPr lang="en-US" sz="2000" dirty="0" smtClean="0">
+              <a:latin typeface="Courier New" panose="02070309020205020404" pitchFamily="49" charset="0"/>
+              <a:cs typeface="Courier New" panose="02070309020205020404" pitchFamily="49" charset="0"/>
+            </a:endParaRPr>
           </a:p>
         </p:txBody>
       </p:sp>
-      <p:pic>
-        <p:nvPicPr>
-          <p:cNvPr id="4" name="Image 3"/>
-          <p:cNvPicPr>
-            <a:picLocks noChangeAspect="1"/>
-          </p:cNvPicPr>
-          <p:nvPr/>
-        </p:nvPicPr>
-        <p:blipFill>
-          <a:blip r:embed="rId2"/>
-          <a:stretch>
-            <a:fillRect/>
-          </a:stretch>
-        </p:blipFill>
-        <p:spPr>
-          <a:xfrm>
-            <a:off x="2483768" y="2586053"/>
-            <a:ext cx="4248472" cy="4123850"/>
-          </a:xfrm>
-          <a:prstGeom prst="rect">
-            <a:avLst/>
-          </a:prstGeom>
-        </p:spPr>
-      </p:pic>
     </p:spTree>
     <p:extLst>
       <p:ext uri="{BB962C8B-B14F-4D97-AF65-F5344CB8AC3E}">
-        <p14:creationId xmlns:p14="http://schemas.microsoft.com/office/powerpoint/2010/main" val="3986555554"/>
+        <p14:creationId xmlns:p14="http://schemas.microsoft.com/office/powerpoint/2010/main" val="1488125564"/>
       </p:ext>
     </p:extLst>
   </p:cSld>
@@ -4975,7 +5297,7 @@
           <a:p>
             <a:r>
               <a:rPr lang="fr-FR" dirty="0" smtClean="0"/>
-              <a:t>Index</a:t>
+              <a:t>Filtrage</a:t>
             </a:r>
             <a:endParaRPr lang="fr-FR" dirty="0"/>
           </a:p>
@@ -4997,87 +5319,70 @@
           <a:lstStyle/>
           <a:p>
             <a:r>
-              <a:rPr lang="fr-FR" dirty="0"/>
-              <a:t>On peut référer aux éléments des objets Pandas en utilisant soit leur index </a:t>
-            </a:r>
-            <a:r>
               <a:rPr lang="fr-FR" dirty="0" smtClean="0"/>
-              <a:t>implicites (</a:t>
-            </a:r>
-            <a:r>
-              <a:rPr lang="fr-FR" dirty="0" err="1" smtClean="0"/>
-              <a:t>int</a:t>
-            </a:r>
+              <a:t>Il faut pouvoir enlever les données aberrante</a:t>
+            </a:r>
+          </a:p>
+          <a:p>
             <a:r>
               <a:rPr lang="fr-FR" dirty="0" smtClean="0"/>
-              <a:t>) soit </a:t>
-            </a:r>
-            <a:r>
-              <a:rPr lang="fr-FR" dirty="0"/>
-              <a:t>les index </a:t>
-            </a:r>
+              <a:t>Ou les données non significatives</a:t>
+            </a:r>
+          </a:p>
+          <a:p>
             <a:r>
               <a:rPr lang="fr-FR" dirty="0" smtClean="0"/>
-              <a:t>explicites (key)</a:t>
-            </a:r>
-          </a:p>
-          <a:p>
-            <a:pPr lvl="1"/>
-            <a:r>
-              <a:rPr lang="fr-FR" dirty="0" smtClean="0"/>
-              <a:t>Pour </a:t>
-            </a:r>
-            <a:r>
-              <a:rPr lang="fr-FR" dirty="0"/>
-              <a:t>éviter toute confusion, il est conseillé d'utiliser les attributs  </a:t>
-            </a:r>
-            <a:r>
-              <a:rPr lang="fr-FR" dirty="0" err="1"/>
-              <a:t>loc</a:t>
-            </a:r>
-            <a:r>
-              <a:rPr lang="fr-FR" dirty="0"/>
-              <a:t>  (qui référence par l'index) et  </a:t>
-            </a:r>
-            <a:r>
-              <a:rPr lang="fr-FR" dirty="0" err="1"/>
-              <a:t>iloc</a:t>
-            </a:r>
-            <a:r>
-              <a:rPr lang="fr-FR" dirty="0"/>
-              <a:t>  (qui référence par la position) de chaque objet</a:t>
-            </a:r>
+              <a:t>Ou les données trop en dehors de l’écart type</a:t>
+            </a:r>
+            <a:endParaRPr lang="fr-FR" dirty="0"/>
           </a:p>
         </p:txBody>
       </p:sp>
       <p:pic>
         <p:nvPicPr>
-          <p:cNvPr id="4" name="Image 3"/>
+          <p:cNvPr id="1026" name="Picture 2" descr="Comment détecter des événements rares comme le point rouge?"/>
           <p:cNvPicPr>
-            <a:picLocks noChangeAspect="1"/>
+            <a:picLocks noChangeAspect="1" noChangeArrowheads="1"/>
           </p:cNvPicPr>
           <p:nvPr/>
         </p:nvPicPr>
         <p:blipFill>
-          <a:blip r:embed="rId2"/>
+          <a:blip r:embed="rId2">
+            <a:extLst>
+              <a:ext uri="{28A0092B-C50C-407E-A947-70E740481C1C}">
+                <a14:useLocalDpi xmlns:a14="http://schemas.microsoft.com/office/drawing/2010/main" val="0"/>
+              </a:ext>
+            </a:extLst>
+          </a:blip>
+          <a:srcRect/>
           <a:stretch>
             <a:fillRect/>
           </a:stretch>
         </p:blipFill>
-        <p:spPr>
+        <p:spPr bwMode="auto">
           <a:xfrm>
-            <a:off x="1979713" y="4013095"/>
-            <a:ext cx="5516154" cy="2469519"/>
+            <a:off x="2195736" y="3284984"/>
+            <a:ext cx="4286250" cy="3000376"/>
           </a:xfrm>
           <a:prstGeom prst="rect">
             <a:avLst/>
           </a:prstGeom>
+          <a:noFill/>
+          <a:extLst>
+            <a:ext uri="{909E8E84-426E-40DD-AFC4-6F175D3DCCD1}">
+              <a14:hiddenFill xmlns:a14="http://schemas.microsoft.com/office/drawing/2010/main">
+                <a:solidFill>
+                  <a:srgbClr val="FFFFFF"/>
+                </a:solidFill>
+              </a14:hiddenFill>
+            </a:ext>
+          </a:extLst>
         </p:spPr>
       </p:pic>
     </p:spTree>
     <p:extLst>
       <p:ext uri="{BB962C8B-B14F-4D97-AF65-F5344CB8AC3E}">
-        <p14:creationId xmlns:p14="http://schemas.microsoft.com/office/powerpoint/2010/main" val="599953895"/>
+        <p14:creationId xmlns:p14="http://schemas.microsoft.com/office/powerpoint/2010/main" val="2986912245"/>
       </p:ext>
     </p:extLst>
   </p:cSld>
@@ -5128,7 +5433,7 @@
           <a:p>
             <a:r>
               <a:rPr lang="fr-FR" dirty="0" smtClean="0"/>
-              <a:t>Import de données</a:t>
+              <a:t>Interprétation après filtrage</a:t>
             </a:r>
             <a:endParaRPr lang="fr-FR" dirty="0"/>
           </a:p>
@@ -5151,168 +5456,84 @@
           <a:p>
             <a:r>
               <a:rPr lang="fr-FR" dirty="0" smtClean="0"/>
-              <a:t>Pandas possède une librairie très puissante pour importer des données depuis n’importe quelle source</a:t>
+              <a:t>Nous pouvons filtrer les surfaces &gt; 300</a:t>
+            </a:r>
+          </a:p>
+          <a:p>
+            <a:r>
+              <a:rPr lang="fr-FR" dirty="0" smtClean="0"/>
+              <a:t>Avec </a:t>
+            </a:r>
+            <a:r>
+              <a:rPr lang="fr-FR" dirty="0" err="1"/>
+              <a:t>SciPy</a:t>
+            </a:r>
+            <a:r>
+              <a:rPr lang="fr-FR" dirty="0"/>
+              <a:t> nous obtenons</a:t>
             </a:r>
           </a:p>
           <a:p>
             <a:pPr lvl="1"/>
             <a:r>
+              <a:rPr lang="fr-FR" dirty="0"/>
+              <a:t>Loyer = </a:t>
+            </a:r>
+            <a:r>
               <a:rPr lang="fr-FR" dirty="0" smtClean="0"/>
-              <a:t>Puis les converti en </a:t>
-            </a:r>
-            <a:r>
-              <a:rPr lang="fr-FR" dirty="0" err="1" smtClean="0"/>
-              <a:t>DataFrame</a:t>
-            </a:r>
-            <a:endParaRPr lang="fr-FR" dirty="0" smtClean="0"/>
-          </a:p>
-          <a:p>
+              <a:t>34.Surface + 71</a:t>
+            </a:r>
+            <a:endParaRPr lang="fr-FR" dirty="0"/>
+          </a:p>
+          <a:p>
+            <a:pPr lvl="1"/>
+            <a:r>
+              <a:rPr lang="fr-FR" dirty="0"/>
+              <a:t>Corrélation = </a:t>
+            </a:r>
             <a:r>
               <a:rPr lang="fr-FR" dirty="0" smtClean="0"/>
-              <a:t>CSV</a:t>
-            </a:r>
-          </a:p>
-          <a:p>
-            <a:pPr marL="457200" lvl="1" indent="0">
-              <a:buNone/>
-            </a:pPr>
-            <a:r>
-              <a:rPr lang="fr-FR" sz="2000" dirty="0" err="1">
-                <a:latin typeface="Courier New" panose="02070309020205020404" pitchFamily="49" charset="0"/>
-                <a:cs typeface="Courier New" panose="02070309020205020404" pitchFamily="49" charset="0"/>
-              </a:rPr>
-              <a:t>house_data</a:t>
-            </a:r>
-            <a:r>
-              <a:rPr lang="fr-FR" sz="2000" dirty="0">
-                <a:latin typeface="Courier New" panose="02070309020205020404" pitchFamily="49" charset="0"/>
-                <a:cs typeface="Courier New" panose="02070309020205020404" pitchFamily="49" charset="0"/>
-              </a:rPr>
-              <a:t> = </a:t>
-            </a:r>
-            <a:r>
-              <a:rPr lang="fr-FR" sz="2000" dirty="0" err="1">
-                <a:latin typeface="Courier New" panose="02070309020205020404" pitchFamily="49" charset="0"/>
-                <a:cs typeface="Courier New" panose="02070309020205020404" pitchFamily="49" charset="0"/>
-              </a:rPr>
-              <a:t>pd.read_csv</a:t>
-            </a:r>
-            <a:r>
-              <a:rPr lang="fr-FR" sz="2000" dirty="0">
-                <a:latin typeface="Courier New" panose="02070309020205020404" pitchFamily="49" charset="0"/>
-                <a:cs typeface="Courier New" panose="02070309020205020404" pitchFamily="49" charset="0"/>
-              </a:rPr>
-              <a:t>('house.csv')</a:t>
-            </a:r>
-          </a:p>
-          <a:p>
-            <a:pPr marL="457200" lvl="1" indent="0">
-              <a:buNone/>
-            </a:pPr>
-            <a:r>
-              <a:rPr lang="fr-FR" sz="2000" dirty="0" err="1" smtClean="0">
-                <a:latin typeface="Courier New" panose="02070309020205020404" pitchFamily="49" charset="0"/>
-                <a:cs typeface="Courier New" panose="02070309020205020404" pitchFamily="49" charset="0"/>
-              </a:rPr>
-              <a:t>plt.plot</a:t>
-            </a:r>
-            <a:r>
-              <a:rPr lang="fr-FR" sz="2000" dirty="0" smtClean="0">
-                <a:latin typeface="Courier New" panose="02070309020205020404" pitchFamily="49" charset="0"/>
-                <a:cs typeface="Courier New" panose="02070309020205020404" pitchFamily="49" charset="0"/>
-              </a:rPr>
-              <a:t>(</a:t>
-            </a:r>
-            <a:r>
-              <a:rPr lang="fr-FR" sz="2000" dirty="0" err="1" smtClean="0">
-                <a:latin typeface="Courier New" panose="02070309020205020404" pitchFamily="49" charset="0"/>
-                <a:cs typeface="Courier New" panose="02070309020205020404" pitchFamily="49" charset="0"/>
-              </a:rPr>
-              <a:t>house_data</a:t>
-            </a:r>
-            <a:r>
-              <a:rPr lang="fr-FR" sz="2000" dirty="0">
-                <a:latin typeface="Courier New" panose="02070309020205020404" pitchFamily="49" charset="0"/>
-                <a:cs typeface="Courier New" panose="02070309020205020404" pitchFamily="49" charset="0"/>
-              </a:rPr>
-              <a:t>['surface'], </a:t>
-            </a:r>
-            <a:r>
-              <a:rPr lang="fr-FR" sz="2000" dirty="0" err="1">
-                <a:latin typeface="Courier New" panose="02070309020205020404" pitchFamily="49" charset="0"/>
-                <a:cs typeface="Courier New" panose="02070309020205020404" pitchFamily="49" charset="0"/>
-              </a:rPr>
-              <a:t>house_data</a:t>
-            </a:r>
-            <a:r>
-              <a:rPr lang="fr-FR" sz="2000" dirty="0">
-                <a:latin typeface="Courier New" panose="02070309020205020404" pitchFamily="49" charset="0"/>
-                <a:cs typeface="Courier New" panose="02070309020205020404" pitchFamily="49" charset="0"/>
-              </a:rPr>
-              <a:t>['loyer'], '</a:t>
-            </a:r>
-            <a:r>
-              <a:rPr lang="fr-FR" sz="2000" dirty="0" err="1">
-                <a:latin typeface="Courier New" panose="02070309020205020404" pitchFamily="49" charset="0"/>
-                <a:cs typeface="Courier New" panose="02070309020205020404" pitchFamily="49" charset="0"/>
-              </a:rPr>
-              <a:t>ro</a:t>
-            </a:r>
-            <a:r>
-              <a:rPr lang="fr-FR" sz="2000" dirty="0">
-                <a:latin typeface="Courier New" panose="02070309020205020404" pitchFamily="49" charset="0"/>
-                <a:cs typeface="Courier New" panose="02070309020205020404" pitchFamily="49" charset="0"/>
-              </a:rPr>
-              <a:t>', </a:t>
-            </a:r>
-            <a:r>
-              <a:rPr lang="fr-FR" sz="2000" dirty="0" err="1">
-                <a:latin typeface="Courier New" panose="02070309020205020404" pitchFamily="49" charset="0"/>
-                <a:cs typeface="Courier New" panose="02070309020205020404" pitchFamily="49" charset="0"/>
-              </a:rPr>
-              <a:t>markersize</a:t>
-            </a:r>
-            <a:r>
-              <a:rPr lang="fr-FR" sz="2000" dirty="0">
-                <a:latin typeface="Courier New" panose="02070309020205020404" pitchFamily="49" charset="0"/>
-                <a:cs typeface="Courier New" panose="02070309020205020404" pitchFamily="49" charset="0"/>
-              </a:rPr>
-              <a:t>=4)</a:t>
-            </a:r>
-          </a:p>
-          <a:p>
-            <a:pPr marL="457200" lvl="1" indent="0">
-              <a:buNone/>
-            </a:pPr>
-            <a:r>
-              <a:rPr lang="fr-FR" sz="2000" dirty="0" err="1">
-                <a:latin typeface="Courier New" panose="02070309020205020404" pitchFamily="49" charset="0"/>
-                <a:cs typeface="Courier New" panose="02070309020205020404" pitchFamily="49" charset="0"/>
-              </a:rPr>
-              <a:t>plt.show</a:t>
-            </a:r>
-            <a:r>
-              <a:rPr lang="fr-FR" sz="2000" dirty="0">
-                <a:latin typeface="Courier New" panose="02070309020205020404" pitchFamily="49" charset="0"/>
-                <a:cs typeface="Courier New" panose="02070309020205020404" pitchFamily="49" charset="0"/>
-              </a:rPr>
-              <a:t>()</a:t>
-            </a:r>
-            <a:endParaRPr lang="fr-FR" sz="2000" dirty="0" smtClean="0">
-              <a:latin typeface="Courier New" panose="02070309020205020404" pitchFamily="49" charset="0"/>
-              <a:cs typeface="Courier New" panose="02070309020205020404" pitchFamily="49" charset="0"/>
-            </a:endParaRPr>
-          </a:p>
-          <a:p>
-            <a:pPr lvl="1"/>
+              <a:t>84.7% (En baisse)</a:t>
+            </a:r>
+            <a:endParaRPr lang="fr-FR" dirty="0"/>
+          </a:p>
+          <a:p>
+            <a:r>
+              <a:rPr lang="fr-FR" dirty="0" smtClean="0"/>
+              <a:t>Meilleur résultat</a:t>
+            </a:r>
             <a:endParaRPr lang="fr-FR" dirty="0"/>
           </a:p>
         </p:txBody>
       </p:sp>
+      <p:pic>
+        <p:nvPicPr>
+          <p:cNvPr id="4" name="Image 3"/>
+          <p:cNvPicPr>
+            <a:picLocks noChangeAspect="1"/>
+          </p:cNvPicPr>
+          <p:nvPr/>
+        </p:nvPicPr>
+        <p:blipFill>
+          <a:blip r:embed="rId2"/>
+          <a:stretch>
+            <a:fillRect/>
+          </a:stretch>
+        </p:blipFill>
+        <p:spPr>
+          <a:xfrm>
+            <a:off x="4211960" y="3412666"/>
+            <a:ext cx="4190237" cy="3040831"/>
+          </a:xfrm>
+          <a:prstGeom prst="rect">
+            <a:avLst/>
+          </a:prstGeom>
+        </p:spPr>
+      </p:pic>
     </p:spTree>
     <p:extLst>
       <p:ext uri="{BB962C8B-B14F-4D97-AF65-F5344CB8AC3E}">
-        <p14:creationId xmlns:p14="http://schemas.microsoft.com/office/powerpoint/2010/main" val="3356451382"/>
+        <p14:creationId xmlns:p14="http://schemas.microsoft.com/office/powerpoint/2010/main" val="1127232265"/>
       </p:ext>
     </p:extLst>
   </p:cSld>
@@ -5363,7 +5584,7 @@
           <a:p>
             <a:r>
               <a:rPr lang="fr-FR" dirty="0" smtClean="0"/>
-              <a:t>Import de données</a:t>
+              <a:t>Filtrage</a:t>
             </a:r>
             <a:endParaRPr lang="fr-FR" dirty="0"/>
           </a:p>
@@ -5386,295 +5607,68 @@
           <a:p>
             <a:r>
               <a:rPr lang="fr-FR" dirty="0" smtClean="0"/>
-              <a:t>SQL</a:t>
-            </a:r>
-          </a:p>
-          <a:p>
-            <a:pPr marL="457200" lvl="1" indent="0">
-              <a:buNone/>
-            </a:pPr>
-            <a:r>
-              <a:rPr lang="en-US" sz="2000" dirty="0">
-                <a:latin typeface="Courier New" panose="02070309020205020404" pitchFamily="49" charset="0"/>
-                <a:cs typeface="Courier New" panose="02070309020205020404" pitchFamily="49" charset="0"/>
-              </a:rPr>
-              <a:t>with sqlite3.connect("house.db3") as conn:</a:t>
-            </a:r>
-          </a:p>
-          <a:p>
-            <a:pPr marL="457200" lvl="1" indent="0">
-              <a:buNone/>
-            </a:pPr>
-            <a:r>
-              <a:rPr lang="en-US" sz="2000" dirty="0">
-                <a:latin typeface="Courier New" panose="02070309020205020404" pitchFamily="49" charset="0"/>
-                <a:cs typeface="Courier New" panose="02070309020205020404" pitchFamily="49" charset="0"/>
-              </a:rPr>
-              <a:t>    </a:t>
-            </a:r>
-            <a:r>
-              <a:rPr lang="en-US" sz="2000" dirty="0" err="1">
-                <a:latin typeface="Courier New" panose="02070309020205020404" pitchFamily="49" charset="0"/>
-                <a:cs typeface="Courier New" panose="02070309020205020404" pitchFamily="49" charset="0"/>
-              </a:rPr>
-              <a:t>house_data</a:t>
-            </a:r>
-            <a:r>
-              <a:rPr lang="en-US" sz="2000" dirty="0">
-                <a:latin typeface="Courier New" panose="02070309020205020404" pitchFamily="49" charset="0"/>
-                <a:cs typeface="Courier New" panose="02070309020205020404" pitchFamily="49" charset="0"/>
-              </a:rPr>
+              <a:t>Filtrage du </a:t>
+            </a:r>
+            <a:r>
+              <a:rPr lang="fr-FR" dirty="0" err="1" smtClean="0"/>
+              <a:t>DataFrame</a:t>
+            </a:r>
+            <a:endParaRPr lang="fr-FR" dirty="0" smtClean="0"/>
+          </a:p>
+          <a:p>
+            <a:pPr lvl="1"/>
+            <a:r>
+              <a:rPr lang="fr-FR" dirty="0" err="1" smtClean="0"/>
+              <a:t>Dataframe</a:t>
+            </a:r>
+            <a:r>
+              <a:rPr lang="fr-FR" dirty="0" smtClean="0"/>
               <a:t> = </a:t>
             </a:r>
             <a:r>
-              <a:rPr lang="en-US" sz="2000" dirty="0" err="1">
-                <a:latin typeface="Courier New" panose="02070309020205020404" pitchFamily="49" charset="0"/>
-                <a:cs typeface="Courier New" panose="02070309020205020404" pitchFamily="49" charset="0"/>
-              </a:rPr>
-              <a:t>pd.read_sql</a:t>
-            </a:r>
-            <a:r>
-              <a:rPr lang="en-US" sz="2000" dirty="0">
-                <a:latin typeface="Courier New" panose="02070309020205020404" pitchFamily="49" charset="0"/>
-                <a:cs typeface="Courier New" panose="02070309020205020404" pitchFamily="49" charset="0"/>
-              </a:rPr>
-              <a:t>('select </a:t>
-            </a:r>
-            <a:r>
-              <a:rPr lang="en-US" sz="2000" dirty="0" err="1">
-                <a:latin typeface="Courier New" panose="02070309020205020404" pitchFamily="49" charset="0"/>
-                <a:cs typeface="Courier New" panose="02070309020205020404" pitchFamily="49" charset="0"/>
-              </a:rPr>
-              <a:t>loyer,surface</a:t>
-            </a:r>
-            <a:r>
-              <a:rPr lang="en-US" sz="2000" dirty="0">
-                <a:latin typeface="Courier New" panose="02070309020205020404" pitchFamily="49" charset="0"/>
-                <a:cs typeface="Courier New" panose="02070309020205020404" pitchFamily="49" charset="0"/>
-              </a:rPr>
-              <a:t> from house', conn</a:t>
-            </a:r>
-            <a:r>
-              <a:rPr lang="en-US" sz="2000" dirty="0" smtClean="0">
-                <a:latin typeface="Courier New" panose="02070309020205020404" pitchFamily="49" charset="0"/>
-                <a:cs typeface="Courier New" panose="02070309020205020404" pitchFamily="49" charset="0"/>
-              </a:rPr>
-              <a:t>)</a:t>
-            </a:r>
-          </a:p>
-          <a:p>
+              <a:rPr lang="fr-FR" dirty="0" err="1" smtClean="0"/>
+              <a:t>dataframe</a:t>
+            </a:r>
             <a:r>
               <a:rPr lang="fr-FR" dirty="0" smtClean="0"/>
-              <a:t>Mongo DB</a:t>
-            </a:r>
-          </a:p>
-          <a:p>
-            <a:pPr marL="457200" lvl="1" indent="0">
-              <a:buNone/>
-            </a:pPr>
-            <a:r>
-              <a:rPr lang="fr-FR" sz="2000" dirty="0" err="1">
-                <a:latin typeface="Courier New" panose="02070309020205020404" pitchFamily="49" charset="0"/>
-                <a:cs typeface="Courier New" panose="02070309020205020404" pitchFamily="49" charset="0"/>
-              </a:rPr>
-              <a:t>with</a:t>
-            </a:r>
-            <a:r>
-              <a:rPr lang="fr-FR" sz="2000" dirty="0">
-                <a:latin typeface="Courier New" panose="02070309020205020404" pitchFamily="49" charset="0"/>
-                <a:cs typeface="Courier New" panose="02070309020205020404" pitchFamily="49" charset="0"/>
-              </a:rPr>
-              <a:t> </a:t>
-            </a:r>
-            <a:r>
-              <a:rPr lang="fr-FR" sz="2000" dirty="0" err="1">
-                <a:latin typeface="Courier New" panose="02070309020205020404" pitchFamily="49" charset="0"/>
-                <a:cs typeface="Courier New" panose="02070309020205020404" pitchFamily="49" charset="0"/>
-              </a:rPr>
-              <a:t>pymongo.MongoClient</a:t>
-            </a:r>
-            <a:r>
-              <a:rPr lang="fr-FR" sz="2000" dirty="0">
-                <a:latin typeface="Courier New" panose="02070309020205020404" pitchFamily="49" charset="0"/>
-                <a:cs typeface="Courier New" panose="02070309020205020404" pitchFamily="49" charset="0"/>
-              </a:rPr>
-              <a:t>('</a:t>
-            </a:r>
-            <a:r>
-              <a:rPr lang="fr-FR" sz="2000" dirty="0" err="1">
-                <a:latin typeface="Courier New" panose="02070309020205020404" pitchFamily="49" charset="0"/>
-                <a:cs typeface="Courier New" panose="02070309020205020404" pitchFamily="49" charset="0"/>
-              </a:rPr>
-              <a:t>localhost</a:t>
-            </a:r>
-            <a:r>
-              <a:rPr lang="fr-FR" sz="2000" dirty="0">
-                <a:latin typeface="Courier New" panose="02070309020205020404" pitchFamily="49" charset="0"/>
-                <a:cs typeface="Courier New" panose="02070309020205020404" pitchFamily="49" charset="0"/>
-              </a:rPr>
-              <a:t>', 27017) as client:</a:t>
-            </a:r>
-          </a:p>
-          <a:p>
-            <a:pPr marL="457200" lvl="1" indent="0">
-              <a:buNone/>
-            </a:pPr>
-            <a:r>
-              <a:rPr lang="fr-FR" sz="2000" dirty="0">
-                <a:latin typeface="Courier New" panose="02070309020205020404" pitchFamily="49" charset="0"/>
-                <a:cs typeface="Courier New" panose="02070309020205020404" pitchFamily="49" charset="0"/>
-              </a:rPr>
-              <a:t>    </a:t>
-            </a:r>
-            <a:r>
-              <a:rPr lang="fr-FR" sz="2000" dirty="0" err="1">
-                <a:latin typeface="Courier New" panose="02070309020205020404" pitchFamily="49" charset="0"/>
-                <a:cs typeface="Courier New" panose="02070309020205020404" pitchFamily="49" charset="0"/>
-              </a:rPr>
-              <a:t>db</a:t>
-            </a:r>
-            <a:r>
-              <a:rPr lang="fr-FR" sz="2000" dirty="0">
-                <a:latin typeface="Courier New" panose="02070309020205020404" pitchFamily="49" charset="0"/>
-                <a:cs typeface="Courier New" panose="02070309020205020404" pitchFamily="49" charset="0"/>
-              </a:rPr>
-              <a:t> = </a:t>
-            </a:r>
-            <a:r>
-              <a:rPr lang="fr-FR" sz="2000" dirty="0" err="1">
-                <a:latin typeface="Courier New" panose="02070309020205020404" pitchFamily="49" charset="0"/>
-                <a:cs typeface="Courier New" panose="02070309020205020404" pitchFamily="49" charset="0"/>
-              </a:rPr>
-              <a:t>client.test</a:t>
-            </a:r>
-            <a:endParaRPr lang="fr-FR" sz="2000" dirty="0">
-              <a:latin typeface="Courier New" panose="02070309020205020404" pitchFamily="49" charset="0"/>
-              <a:cs typeface="Courier New" panose="02070309020205020404" pitchFamily="49" charset="0"/>
-            </a:endParaRPr>
-          </a:p>
-          <a:p>
-            <a:pPr marL="457200" lvl="1" indent="0">
-              <a:buNone/>
-            </a:pPr>
-            <a:r>
-              <a:rPr lang="fr-FR" sz="2000" dirty="0">
-                <a:latin typeface="Courier New" panose="02070309020205020404" pitchFamily="49" charset="0"/>
-                <a:cs typeface="Courier New" panose="02070309020205020404" pitchFamily="49" charset="0"/>
-              </a:rPr>
-              <a:t>    </a:t>
-            </a:r>
-            <a:r>
-              <a:rPr lang="fr-FR" sz="2000" dirty="0" err="1">
-                <a:latin typeface="Courier New" panose="02070309020205020404" pitchFamily="49" charset="0"/>
-                <a:cs typeface="Courier New" panose="02070309020205020404" pitchFamily="49" charset="0"/>
-              </a:rPr>
-              <a:t>cursor</a:t>
-            </a:r>
-            <a:r>
-              <a:rPr lang="fr-FR" sz="2000" dirty="0">
-                <a:latin typeface="Courier New" panose="02070309020205020404" pitchFamily="49" charset="0"/>
-                <a:cs typeface="Courier New" panose="02070309020205020404" pitchFamily="49" charset="0"/>
-              </a:rPr>
-              <a:t> = </a:t>
-            </a:r>
-            <a:r>
-              <a:rPr lang="fr-FR" sz="2000" dirty="0" err="1">
-                <a:latin typeface="Courier New" panose="02070309020205020404" pitchFamily="49" charset="0"/>
-                <a:cs typeface="Courier New" panose="02070309020205020404" pitchFamily="49" charset="0"/>
-              </a:rPr>
-              <a:t>db.house.find</a:t>
-            </a:r>
-            <a:r>
-              <a:rPr lang="fr-FR" sz="2000" dirty="0">
-                <a:latin typeface="Courier New" panose="02070309020205020404" pitchFamily="49" charset="0"/>
-                <a:cs typeface="Courier New" panose="02070309020205020404" pitchFamily="49" charset="0"/>
-              </a:rPr>
-              <a:t>()</a:t>
-            </a:r>
-          </a:p>
-          <a:p>
-            <a:pPr marL="457200" lvl="1" indent="0">
-              <a:buNone/>
-            </a:pPr>
-            <a:r>
-              <a:rPr lang="fr-FR" sz="2000" dirty="0">
-                <a:latin typeface="Courier New" panose="02070309020205020404" pitchFamily="49" charset="0"/>
-                <a:cs typeface="Courier New" panose="02070309020205020404" pitchFamily="49" charset="0"/>
-              </a:rPr>
-              <a:t>    </a:t>
-            </a:r>
-            <a:r>
-              <a:rPr lang="fr-FR" sz="2000" dirty="0" err="1">
-                <a:latin typeface="Courier New" panose="02070309020205020404" pitchFamily="49" charset="0"/>
-                <a:cs typeface="Courier New" panose="02070309020205020404" pitchFamily="49" charset="0"/>
-              </a:rPr>
-              <a:t>house_data</a:t>
-            </a:r>
-            <a:r>
-              <a:rPr lang="fr-FR" sz="2000" dirty="0">
-                <a:latin typeface="Courier New" panose="02070309020205020404" pitchFamily="49" charset="0"/>
-                <a:cs typeface="Courier New" panose="02070309020205020404" pitchFamily="49" charset="0"/>
-              </a:rPr>
-              <a:t> = </a:t>
-            </a:r>
-            <a:r>
-              <a:rPr lang="fr-FR" sz="2000" dirty="0" err="1">
-                <a:latin typeface="Courier New" panose="02070309020205020404" pitchFamily="49" charset="0"/>
-                <a:cs typeface="Courier New" panose="02070309020205020404" pitchFamily="49" charset="0"/>
-              </a:rPr>
-              <a:t>pd.DataFrame</a:t>
-            </a:r>
-            <a:r>
-              <a:rPr lang="fr-FR" sz="2000" dirty="0">
-                <a:latin typeface="Courier New" panose="02070309020205020404" pitchFamily="49" charset="0"/>
-                <a:cs typeface="Courier New" panose="02070309020205020404" pitchFamily="49" charset="0"/>
-              </a:rPr>
-              <a:t>(</a:t>
-            </a:r>
-            <a:r>
-              <a:rPr lang="fr-FR" sz="2000" dirty="0" err="1">
-                <a:latin typeface="Courier New" panose="02070309020205020404" pitchFamily="49" charset="0"/>
-                <a:cs typeface="Courier New" panose="02070309020205020404" pitchFamily="49" charset="0"/>
-              </a:rPr>
-              <a:t>list</a:t>
-            </a:r>
-            <a:r>
-              <a:rPr lang="fr-FR" sz="2000" dirty="0">
-                <a:latin typeface="Courier New" panose="02070309020205020404" pitchFamily="49" charset="0"/>
-                <a:cs typeface="Courier New" panose="02070309020205020404" pitchFamily="49" charset="0"/>
-              </a:rPr>
-              <a:t>(</a:t>
-            </a:r>
-            <a:r>
-              <a:rPr lang="fr-FR" sz="2000" dirty="0" err="1">
-                <a:latin typeface="Courier New" panose="02070309020205020404" pitchFamily="49" charset="0"/>
-                <a:cs typeface="Courier New" panose="02070309020205020404" pitchFamily="49" charset="0"/>
-              </a:rPr>
-              <a:t>cursor</a:t>
-            </a:r>
-            <a:r>
-              <a:rPr lang="fr-FR" sz="2000" dirty="0">
-                <a:latin typeface="Courier New" panose="02070309020205020404" pitchFamily="49" charset="0"/>
-                <a:cs typeface="Courier New" panose="02070309020205020404" pitchFamily="49" charset="0"/>
-              </a:rPr>
-              <a:t>))</a:t>
-            </a:r>
-          </a:p>
-          <a:p>
-            <a:pPr marL="457200" lvl="1" indent="0">
-              <a:buNone/>
-            </a:pPr>
-            <a:endParaRPr lang="en-US" sz="2000" dirty="0" smtClean="0">
-              <a:latin typeface="Courier New" panose="02070309020205020404" pitchFamily="49" charset="0"/>
-              <a:cs typeface="Courier New" panose="02070309020205020404" pitchFamily="49" charset="0"/>
-            </a:endParaRPr>
+              <a:t>[</a:t>
+            </a:r>
+            <a:r>
+              <a:rPr lang="fr-FR" dirty="0" err="1" smtClean="0"/>
+              <a:t>dataframe.surface</a:t>
+            </a:r>
+            <a:r>
+              <a:rPr lang="fr-FR" dirty="0" smtClean="0"/>
+              <a:t> &lt; 200]</a:t>
+            </a:r>
+            <a:endParaRPr lang="fr-FR" dirty="0"/>
+          </a:p>
+          <a:p>
+            <a:r>
+              <a:rPr lang="fr-FR" dirty="0" smtClean="0"/>
+              <a:t>Enlever une dimension</a:t>
+            </a:r>
+          </a:p>
+          <a:p>
+            <a:pPr lvl="1"/>
+            <a:r>
+              <a:rPr lang="fr-FR" dirty="0" err="1" smtClean="0"/>
+              <a:t>Dataframe.drop</a:t>
+            </a:r>
+            <a:r>
+              <a:rPr lang="fr-FR" dirty="0" smtClean="0"/>
+              <a:t>(‘Colonne’,1)</a:t>
+            </a:r>
+          </a:p>
+          <a:p>
+            <a:endParaRPr lang="fr-FR" dirty="0" smtClean="0"/>
           </a:p>
         </p:txBody>
       </p:sp>
     </p:spTree>
     <p:extLst>
       <p:ext uri="{BB962C8B-B14F-4D97-AF65-F5344CB8AC3E}">
-        <p14:creationId xmlns:p14="http://schemas.microsoft.com/office/powerpoint/2010/main" val="1488125564"/>
+        <p14:creationId xmlns:p14="http://schemas.microsoft.com/office/powerpoint/2010/main" val="3332384904"/>
       </p:ext>
     </p:extLst>
   </p:cSld>
@@ -5725,7 +5719,7 @@
           <a:p>
             <a:r>
               <a:rPr lang="fr-FR" dirty="0" smtClean="0"/>
-              <a:t>Filtrage</a:t>
+              <a:t>Structure de la base</a:t>
             </a:r>
             <a:endParaRPr lang="fr-FR" dirty="0"/>
           </a:p>
@@ -5747,168 +5741,204 @@
           <a:lstStyle/>
           <a:p>
             <a:r>
-              <a:rPr lang="fr-FR" dirty="0" smtClean="0"/>
-              <a:t>Filtrage du </a:t>
-            </a:r>
-            <a:r>
-              <a:rPr lang="fr-FR" dirty="0" err="1" smtClean="0"/>
-              <a:t>DataFrame</a:t>
-            </a:r>
-            <a:endParaRPr lang="fr-FR" dirty="0" smtClean="0"/>
+              <a:rPr lang="fr-FR" sz="2000" dirty="0" err="1" smtClean="0"/>
+              <a:t>Wdbc.data</a:t>
+            </a:r>
+            <a:endParaRPr lang="fr-FR" sz="2000" dirty="0" smtClean="0"/>
           </a:p>
           <a:p>
             <a:pPr lvl="1"/>
             <a:r>
-              <a:rPr lang="fr-FR" dirty="0" err="1" smtClean="0"/>
-              <a:t>Dataframe</a:t>
-            </a:r>
-            <a:r>
-              <a:rPr lang="fr-FR" dirty="0" smtClean="0"/>
-              <a:t> = </a:t>
-            </a:r>
-            <a:r>
-              <a:rPr lang="fr-FR" dirty="0" err="1" smtClean="0"/>
-              <a:t>dataframe</a:t>
-            </a:r>
-            <a:r>
-              <a:rPr lang="fr-FR" dirty="0" smtClean="0"/>
-              <a:t>[</a:t>
-            </a:r>
-            <a:r>
-              <a:rPr lang="fr-FR" dirty="0" err="1" smtClean="0"/>
-              <a:t>dataframe.surface</a:t>
-            </a:r>
-            <a:r>
-              <a:rPr lang="fr-FR" dirty="0" smtClean="0"/>
-              <a:t> &lt; 200]</a:t>
-            </a:r>
-            <a:endParaRPr lang="fr-FR" dirty="0"/>
-          </a:p>
-          <a:p>
-            <a:r>
-              <a:rPr lang="fr-FR" dirty="0" smtClean="0"/>
-              <a:t>Enlever une dimension</a:t>
+              <a:rPr lang="fr-FR" sz="1800" dirty="0" smtClean="0"/>
+              <a:t>Id</a:t>
             </a:r>
           </a:p>
           <a:p>
             <a:pPr lvl="1"/>
             <a:r>
-              <a:rPr lang="fr-FR" dirty="0" err="1" smtClean="0"/>
-              <a:t>Dataframe.drop</a:t>
-            </a:r>
-            <a:r>
-              <a:rPr lang="fr-FR" dirty="0" smtClean="0"/>
-              <a:t>(‘Colonne’,1)</a:t>
-            </a:r>
-          </a:p>
-          <a:p>
-            <a:r>
-              <a:rPr lang="fr-FR" dirty="0" smtClean="0"/>
-              <a:t>Remplacer les champs nuls</a:t>
+              <a:rPr lang="fr-FR" sz="1800" dirty="0" smtClean="0"/>
+              <a:t>Diagnostique M = Maligne, B = </a:t>
+            </a:r>
+            <a:r>
+              <a:rPr lang="fr-FR" sz="1800" dirty="0" err="1" smtClean="0"/>
+              <a:t>Benigne</a:t>
+            </a:r>
+            <a:endParaRPr lang="fr-FR" sz="1800" dirty="0" smtClean="0"/>
+          </a:p>
+          <a:p>
+            <a:r>
+              <a:rPr lang="fr-FR" sz="2000" dirty="0" smtClean="0"/>
+              <a:t>Les données biologique sont interprétés depuis l’image de la tumeur</a:t>
             </a:r>
           </a:p>
           <a:p>
             <a:pPr lvl="1"/>
             <a:r>
-              <a:rPr lang="fr-FR" dirty="0" err="1" smtClean="0"/>
-              <a:t>dataframe.codePostal</a:t>
-            </a:r>
-            <a:r>
-              <a:rPr lang="fr-FR" dirty="0" smtClean="0"/>
-              <a:t> </a:t>
-            </a:r>
-            <a:r>
-              <a:rPr lang="fr-FR" dirty="0"/>
-              <a:t>= </a:t>
-            </a:r>
-            <a:r>
-              <a:rPr lang="fr-FR" dirty="0" err="1" smtClean="0"/>
-              <a:t>dataframe.codePostal.fillna</a:t>
-            </a:r>
-            <a:r>
-              <a:rPr lang="fr-FR" dirty="0"/>
-              <a:t>('38000</a:t>
-            </a:r>
-            <a:r>
-              <a:rPr lang="fr-FR" dirty="0" smtClean="0"/>
-              <a:t>')</a:t>
-            </a:r>
-          </a:p>
-          <a:p>
-            <a:r>
-              <a:rPr lang="fr-FR" dirty="0" smtClean="0"/>
-              <a:t>Changement de valeurs</a:t>
+              <a:rPr lang="fr-FR" sz="1800" dirty="0" smtClean="0"/>
+              <a:t>Rayon</a:t>
             </a:r>
           </a:p>
           <a:p>
             <a:pPr lvl="1"/>
             <a:r>
-              <a:rPr lang="fr-FR" dirty="0" err="1" smtClean="0"/>
-              <a:t>dataframe.surface</a:t>
-            </a:r>
-            <a:r>
-              <a:rPr lang="fr-FR" dirty="0" smtClean="0"/>
-              <a:t> </a:t>
-            </a:r>
-            <a:r>
-              <a:rPr lang="fr-FR" dirty="0"/>
-              <a:t>= </a:t>
-            </a:r>
-            <a:r>
-              <a:rPr lang="fr-FR" dirty="0" err="1" smtClean="0"/>
-              <a:t>dataframe</a:t>
-            </a:r>
-            <a:r>
-              <a:rPr lang="fr-FR" dirty="0" smtClean="0"/>
-              <a:t>[‘surface'].</a:t>
-            </a:r>
-            <a:r>
-              <a:rPr lang="fr-FR" dirty="0"/>
-              <a:t>replace(',', '.',</a:t>
-            </a:r>
-            <a:r>
-              <a:rPr lang="fr-FR" dirty="0" err="1"/>
-              <a:t>regex</a:t>
-            </a:r>
-            <a:r>
-              <a:rPr lang="fr-FR" dirty="0"/>
-              <a:t>=</a:t>
-            </a:r>
-            <a:r>
-              <a:rPr lang="fr-FR" dirty="0" err="1"/>
-              <a:t>True</a:t>
-            </a:r>
-            <a:r>
-              <a:rPr lang="fr-FR" dirty="0"/>
-              <a:t>).</a:t>
-            </a:r>
-            <a:r>
-              <a:rPr lang="fr-FR" dirty="0" err="1"/>
-              <a:t>astype</a:t>
-            </a:r>
-            <a:r>
-              <a:rPr lang="fr-FR" dirty="0"/>
-              <a:t>(</a:t>
-            </a:r>
-            <a:r>
-              <a:rPr lang="fr-FR" dirty="0" err="1"/>
-              <a:t>float</a:t>
-            </a:r>
-            <a:r>
-              <a:rPr lang="fr-FR" dirty="0" smtClean="0"/>
-              <a:t>)</a:t>
-            </a:r>
-            <a:endParaRPr lang="fr-FR" dirty="0"/>
-          </a:p>
-          <a:p>
-            <a:endParaRPr lang="fr-FR" dirty="0" smtClean="0"/>
+              <a:rPr lang="fr-FR" sz="1800" dirty="0" smtClean="0"/>
+              <a:t>Texture (</a:t>
+            </a:r>
+            <a:r>
+              <a:rPr lang="en-US" sz="1800" dirty="0"/>
+              <a:t>standard deviation of gray-scale </a:t>
+            </a:r>
+            <a:r>
+              <a:rPr lang="en-US" sz="1800" dirty="0" smtClean="0"/>
+              <a:t>values)</a:t>
+            </a:r>
+          </a:p>
+          <a:p>
+            <a:pPr lvl="1"/>
+            <a:r>
+              <a:rPr lang="en-US" sz="1800" dirty="0" err="1" smtClean="0"/>
+              <a:t>Périmetre</a:t>
+            </a:r>
+            <a:endParaRPr lang="en-US" sz="1800" dirty="0" smtClean="0"/>
+          </a:p>
+          <a:p>
+            <a:pPr lvl="1"/>
+            <a:r>
+              <a:rPr lang="en-US" sz="1800" dirty="0" err="1" smtClean="0"/>
+              <a:t>Superficie</a:t>
+            </a:r>
+            <a:endParaRPr lang="en-US" sz="1800" dirty="0" smtClean="0"/>
+          </a:p>
+          <a:p>
+            <a:pPr lvl="1"/>
+            <a:r>
+              <a:rPr lang="en-US" sz="1800" dirty="0" smtClean="0"/>
+              <a:t>Smoothness (variation du rayon)</a:t>
+            </a:r>
+          </a:p>
+          <a:p>
+            <a:pPr lvl="1"/>
+            <a:r>
+              <a:rPr lang="en-US" sz="1800" dirty="0" err="1" smtClean="0"/>
+              <a:t>Compacité</a:t>
+            </a:r>
+            <a:r>
+              <a:rPr lang="en-US" sz="1800" dirty="0" smtClean="0"/>
+              <a:t> (perimeter**2 / </a:t>
+            </a:r>
+            <a:r>
+              <a:rPr lang="en-US" sz="1800" dirty="0" err="1" smtClean="0"/>
+              <a:t>superficie</a:t>
+            </a:r>
+            <a:r>
+              <a:rPr lang="en-US" sz="1800" dirty="0" smtClean="0"/>
+              <a:t> – 1)</a:t>
+            </a:r>
+          </a:p>
+          <a:p>
+            <a:pPr lvl="1"/>
+            <a:r>
+              <a:rPr lang="en-US" sz="1800" dirty="0" err="1" smtClean="0"/>
+              <a:t>Concavité</a:t>
+            </a:r>
+            <a:r>
+              <a:rPr lang="en-US" sz="1800" dirty="0" smtClean="0"/>
+              <a:t> (</a:t>
+            </a:r>
+            <a:r>
+              <a:rPr lang="en-US" sz="1800" dirty="0"/>
+              <a:t>severity of concave portions of the </a:t>
+            </a:r>
+            <a:r>
+              <a:rPr lang="en-US" sz="1800" dirty="0" smtClean="0"/>
+              <a:t>contour)</a:t>
+            </a:r>
+          </a:p>
+          <a:p>
+            <a:pPr lvl="1"/>
+            <a:r>
+              <a:rPr lang="en-US" sz="1800" dirty="0" smtClean="0"/>
+              <a:t>Points concaves (</a:t>
+            </a:r>
+            <a:r>
+              <a:rPr lang="en-US" sz="1800" dirty="0" err="1" smtClean="0"/>
+              <a:t>nombre</a:t>
+            </a:r>
+            <a:r>
+              <a:rPr lang="en-US" sz="1800" dirty="0" smtClean="0"/>
+              <a:t> de portion concave)</a:t>
+            </a:r>
+          </a:p>
+          <a:p>
+            <a:pPr lvl="1"/>
+            <a:r>
+              <a:rPr lang="en-US" sz="1800" dirty="0" err="1" smtClean="0"/>
+              <a:t>Symetrie</a:t>
+            </a:r>
+            <a:endParaRPr lang="en-US" sz="1800" dirty="0" smtClean="0"/>
+          </a:p>
+          <a:p>
+            <a:pPr lvl="1"/>
+            <a:r>
+              <a:rPr lang="en-US" sz="1800" dirty="0" smtClean="0"/>
+              <a:t>Dimension </a:t>
+            </a:r>
+            <a:r>
+              <a:rPr lang="en-US" sz="1800" dirty="0" err="1" smtClean="0"/>
+              <a:t>Fractale</a:t>
+            </a:r>
+            <a:r>
+              <a:rPr lang="en-US" sz="1800" dirty="0" smtClean="0"/>
+              <a:t> (</a:t>
+            </a:r>
+            <a:r>
+              <a:rPr lang="fr-FR" sz="1800" dirty="0"/>
+              <a:t>"</a:t>
+            </a:r>
+            <a:r>
+              <a:rPr lang="fr-FR" sz="1800" dirty="0" err="1"/>
+              <a:t>coastline</a:t>
+            </a:r>
+            <a:r>
+              <a:rPr lang="fr-FR" sz="1800" dirty="0"/>
+              <a:t> approximation" </a:t>
+            </a:r>
+            <a:r>
+              <a:rPr lang="fr-FR" sz="1800" dirty="0" smtClean="0"/>
+              <a:t>– 1)</a:t>
+            </a:r>
+            <a:endParaRPr lang="en-US" sz="1800" dirty="0" smtClean="0"/>
           </a:p>
         </p:txBody>
       </p:sp>
+      <p:pic>
+        <p:nvPicPr>
+          <p:cNvPr id="4" name="Image 3"/>
+          <p:cNvPicPr>
+            <a:picLocks noChangeAspect="1"/>
+          </p:cNvPicPr>
+          <p:nvPr/>
+        </p:nvPicPr>
+        <p:blipFill>
+          <a:blip r:embed="rId2"/>
+          <a:stretch>
+            <a:fillRect/>
+          </a:stretch>
+        </p:blipFill>
+        <p:spPr>
+          <a:xfrm>
+            <a:off x="6528998" y="2852936"/>
+            <a:ext cx="2448272" cy="2378321"/>
+          </a:xfrm>
+          <a:prstGeom prst="rect">
+            <a:avLst/>
+          </a:prstGeom>
+        </p:spPr>
+      </p:pic>
     </p:spTree>
     <p:extLst>
       <p:ext uri="{BB962C8B-B14F-4D97-AF65-F5344CB8AC3E}">
-        <p14:creationId xmlns:p14="http://schemas.microsoft.com/office/powerpoint/2010/main" val="3332384904"/>
+        <p14:creationId xmlns:p14="http://schemas.microsoft.com/office/powerpoint/2010/main" val="70697007"/>
       </p:ext>
     </p:extLst>
   </p:cSld>

--- a/PPT/MachineLearning12-Pandas.pptx
+++ b/PPT/MachineLearning12-Pandas.pptx
@@ -5,10 +5,10 @@
     <p:sldMasterId id="2147483653" r:id="rId1"/>
   </p:sldMasterIdLst>
   <p:notesMasterIdLst>
-    <p:notesMasterId r:id="rId14"/>
+    <p:notesMasterId r:id="rId15"/>
   </p:notesMasterIdLst>
   <p:handoutMasterIdLst>
-    <p:handoutMasterId r:id="rId15"/>
+    <p:handoutMasterId r:id="rId16"/>
   </p:handoutMasterIdLst>
   <p:sldIdLst>
     <p:sldId id="264" r:id="rId2"/>
@@ -21,8 +21,9 @@
     <p:sldId id="276" r:id="rId9"/>
     <p:sldId id="277" r:id="rId10"/>
     <p:sldId id="282" r:id="rId11"/>
-    <p:sldId id="278" r:id="rId12"/>
-    <p:sldId id="279" r:id="rId13"/>
+    <p:sldId id="283" r:id="rId12"/>
+    <p:sldId id="278" r:id="rId13"/>
+    <p:sldId id="279" r:id="rId14"/>
   </p:sldIdLst>
   <p:sldSz cx="9144000" cy="6858000" type="screen4x3"/>
   <p:notesSz cx="6648450" cy="9782175"/>
@@ -615,35 +616,35 @@
           <a:p>
             <a:pPr lvl="0"/>
             <a:r>
-              <a:rPr lang="fr-FR" noProof="0" smtClean="0"/>
+              <a:rPr lang="fr-FR" noProof="0"/>
               <a:t>Cliquez pour modifier les styles du texte du masque</a:t>
             </a:r>
           </a:p>
           <a:p>
             <a:pPr lvl="1"/>
             <a:r>
-              <a:rPr lang="fr-FR" noProof="0" smtClean="0"/>
+              <a:rPr lang="fr-FR" noProof="0"/>
               <a:t>Deuxième niveau</a:t>
             </a:r>
           </a:p>
           <a:p>
             <a:pPr lvl="2"/>
             <a:r>
-              <a:rPr lang="fr-FR" noProof="0" smtClean="0"/>
+              <a:rPr lang="fr-FR" noProof="0"/>
               <a:t>Troisième niveau</a:t>
             </a:r>
           </a:p>
           <a:p>
             <a:pPr lvl="3"/>
             <a:r>
-              <a:rPr lang="fr-FR" noProof="0" smtClean="0"/>
+              <a:rPr lang="fr-FR" noProof="0"/>
               <a:t>Quatrième niveau</a:t>
             </a:r>
           </a:p>
           <a:p>
             <a:pPr lvl="4"/>
             <a:r>
-              <a:rPr lang="fr-FR" noProof="0" smtClean="0"/>
+              <a:rPr lang="fr-FR" noProof="0"/>
               <a:t>Cinquième niveau</a:t>
             </a:r>
           </a:p>
@@ -931,10 +932,9 @@
           <a:lstStyle/>
           <a:p>
             <a:r>
-              <a:rPr lang="fr-FR" smtClean="0"/>
+              <a:rPr lang="fr-FR"/>
               <a:t>Cliquez pour modifier le style du titre</a:t>
             </a:r>
-            <a:endParaRPr lang="fr-FR"/>
           </a:p>
         </p:txBody>
       </p:sp>
@@ -996,10 +996,9 @@
           </a:lstStyle>
           <a:p>
             <a:r>
-              <a:rPr lang="fr-FR" smtClean="0"/>
+              <a:rPr lang="fr-FR"/>
               <a:t>Cliquez pour modifier le style des sous-titres du masque</a:t>
             </a:r>
-            <a:endParaRPr lang="fr-FR"/>
           </a:p>
         </p:txBody>
       </p:sp>
@@ -1054,10 +1053,9 @@
           <a:lstStyle/>
           <a:p>
             <a:r>
-              <a:rPr lang="fr-FR" smtClean="0"/>
+              <a:rPr lang="fr-FR"/>
               <a:t>Cliquez pour modifier le style du titre</a:t>
             </a:r>
-            <a:endParaRPr lang="fr-FR"/>
           </a:p>
         </p:txBody>
       </p:sp>
@@ -1083,38 +1081,37 @@
           <a:p>
             <a:pPr lvl="0"/>
             <a:r>
-              <a:rPr lang="fr-FR" smtClean="0"/>
+              <a:rPr lang="fr-FR"/>
               <a:t>Cliquez pour modifier les styles du texte du masque</a:t>
             </a:r>
           </a:p>
           <a:p>
             <a:pPr lvl="1"/>
             <a:r>
-              <a:rPr lang="fr-FR" smtClean="0"/>
+              <a:rPr lang="fr-FR"/>
               <a:t>Deuxième niveau</a:t>
             </a:r>
           </a:p>
           <a:p>
             <a:pPr lvl="2"/>
             <a:r>
-              <a:rPr lang="fr-FR" smtClean="0"/>
+              <a:rPr lang="fr-FR"/>
               <a:t>Troisième niveau</a:t>
             </a:r>
           </a:p>
           <a:p>
             <a:pPr lvl="3"/>
             <a:r>
-              <a:rPr lang="fr-FR" smtClean="0"/>
+              <a:rPr lang="fr-FR"/>
               <a:t>Quatrième niveau</a:t>
             </a:r>
           </a:p>
           <a:p>
             <a:pPr lvl="4"/>
             <a:r>
-              <a:rPr lang="fr-FR" smtClean="0"/>
+              <a:rPr lang="fr-FR"/>
               <a:t>Cinquième niveau</a:t>
             </a:r>
-            <a:endParaRPr lang="fr-FR"/>
           </a:p>
         </p:txBody>
       </p:sp>
@@ -1173,10 +1170,9 @@
           </a:lstStyle>
           <a:p>
             <a:r>
-              <a:rPr lang="fr-FR" dirty="0" smtClean="0"/>
+              <a:rPr lang="fr-FR" dirty="0"/>
               <a:t>Cliquez pour modifier le style du titre</a:t>
             </a:r>
-            <a:endParaRPr lang="fr-FR" dirty="0"/>
           </a:p>
         </p:txBody>
       </p:sp>
@@ -1202,38 +1198,37 @@
           <a:p>
             <a:pPr lvl="0"/>
             <a:r>
-              <a:rPr lang="fr-FR" dirty="0" smtClean="0"/>
+              <a:rPr lang="fr-FR" dirty="0"/>
               <a:t>Cliquez pour modifier les styles du texte du masque</a:t>
             </a:r>
           </a:p>
           <a:p>
             <a:pPr lvl="1"/>
             <a:r>
-              <a:rPr lang="fr-FR" dirty="0" smtClean="0"/>
+              <a:rPr lang="fr-FR" dirty="0"/>
               <a:t>Deuxième niveau</a:t>
             </a:r>
           </a:p>
           <a:p>
             <a:pPr lvl="2"/>
             <a:r>
-              <a:rPr lang="fr-FR" dirty="0" smtClean="0"/>
+              <a:rPr lang="fr-FR" dirty="0"/>
               <a:t>Troisième niveau</a:t>
             </a:r>
           </a:p>
           <a:p>
             <a:pPr lvl="3"/>
             <a:r>
-              <a:rPr lang="fr-FR" dirty="0" smtClean="0"/>
+              <a:rPr lang="fr-FR" dirty="0"/>
               <a:t>Quatrième niveau</a:t>
             </a:r>
           </a:p>
           <a:p>
             <a:pPr lvl="4"/>
             <a:r>
-              <a:rPr lang="fr-FR" dirty="0" smtClean="0"/>
+              <a:rPr lang="fr-FR" dirty="0"/>
               <a:t>Cinquième niveau</a:t>
             </a:r>
-            <a:endParaRPr lang="fr-FR" dirty="0"/>
           </a:p>
         </p:txBody>
       </p:sp>
@@ -1283,10 +1278,9 @@
           <a:lstStyle/>
           <a:p>
             <a:r>
-              <a:rPr lang="fr-FR" smtClean="0"/>
+              <a:rPr lang="fr-FR"/>
               <a:t>Cliquez pour modifier le style du titre</a:t>
             </a:r>
-            <a:endParaRPr lang="fr-FR"/>
           </a:p>
         </p:txBody>
       </p:sp>
@@ -1340,38 +1334,37 @@
           <a:p>
             <a:pPr lvl="0"/>
             <a:r>
-              <a:rPr lang="fr-FR" smtClean="0"/>
+              <a:rPr lang="fr-FR"/>
               <a:t>Cliquez pour modifier les styles du texte du masque</a:t>
             </a:r>
           </a:p>
           <a:p>
             <a:pPr lvl="1"/>
             <a:r>
-              <a:rPr lang="fr-FR" smtClean="0"/>
+              <a:rPr lang="fr-FR"/>
               <a:t>Deuxième niveau</a:t>
             </a:r>
           </a:p>
           <a:p>
             <a:pPr lvl="2"/>
             <a:r>
-              <a:rPr lang="fr-FR" smtClean="0"/>
+              <a:rPr lang="fr-FR"/>
               <a:t>Troisième niveau</a:t>
             </a:r>
           </a:p>
           <a:p>
             <a:pPr lvl="3"/>
             <a:r>
-              <a:rPr lang="fr-FR" smtClean="0"/>
+              <a:rPr lang="fr-FR"/>
               <a:t>Quatrième niveau</a:t>
             </a:r>
           </a:p>
           <a:p>
             <a:pPr lvl="4"/>
             <a:r>
-              <a:rPr lang="fr-FR" smtClean="0"/>
+              <a:rPr lang="fr-FR"/>
               <a:t>Cinquième niveau</a:t>
             </a:r>
-            <a:endParaRPr lang="fr-FR"/>
           </a:p>
         </p:txBody>
       </p:sp>
@@ -1425,38 +1418,37 @@
           <a:p>
             <a:pPr lvl="0"/>
             <a:r>
-              <a:rPr lang="fr-FR" smtClean="0"/>
+              <a:rPr lang="fr-FR"/>
               <a:t>Cliquez pour modifier les styles du texte du masque</a:t>
             </a:r>
           </a:p>
           <a:p>
             <a:pPr lvl="1"/>
             <a:r>
-              <a:rPr lang="fr-FR" smtClean="0"/>
+              <a:rPr lang="fr-FR"/>
               <a:t>Deuxième niveau</a:t>
             </a:r>
           </a:p>
           <a:p>
             <a:pPr lvl="2"/>
             <a:r>
-              <a:rPr lang="fr-FR" smtClean="0"/>
+              <a:rPr lang="fr-FR"/>
               <a:t>Troisième niveau</a:t>
             </a:r>
           </a:p>
           <a:p>
             <a:pPr lvl="3"/>
             <a:r>
-              <a:rPr lang="fr-FR" smtClean="0"/>
+              <a:rPr lang="fr-FR"/>
               <a:t>Quatrième niveau</a:t>
             </a:r>
           </a:p>
           <a:p>
             <a:pPr lvl="4"/>
             <a:r>
-              <a:rPr lang="fr-FR" smtClean="0"/>
+              <a:rPr lang="fr-FR"/>
               <a:t>Cinquième niveau</a:t>
             </a:r>
-            <a:endParaRPr lang="fr-FR"/>
           </a:p>
         </p:txBody>
       </p:sp>
@@ -1515,10 +1507,9 @@
           </a:lstStyle>
           <a:p>
             <a:r>
-              <a:rPr lang="fr-FR" smtClean="0"/>
+              <a:rPr lang="fr-FR"/>
               <a:t>Cliquez pour modifier le style du titre</a:t>
             </a:r>
-            <a:endParaRPr lang="fr-FR"/>
           </a:p>
         </p:txBody>
       </p:sp>
@@ -1581,7 +1572,7 @@
           <a:p>
             <a:pPr lvl="0"/>
             <a:r>
-              <a:rPr lang="fr-FR" smtClean="0"/>
+              <a:rPr lang="fr-FR"/>
               <a:t>Cliquez pour modifier les styles du texte du masque</a:t>
             </a:r>
           </a:p>
@@ -1637,38 +1628,37 @@
           <a:p>
             <a:pPr lvl="0"/>
             <a:r>
-              <a:rPr lang="fr-FR" smtClean="0"/>
+              <a:rPr lang="fr-FR"/>
               <a:t>Cliquez pour modifier les styles du texte du masque</a:t>
             </a:r>
           </a:p>
           <a:p>
             <a:pPr lvl="1"/>
             <a:r>
-              <a:rPr lang="fr-FR" smtClean="0"/>
+              <a:rPr lang="fr-FR"/>
               <a:t>Deuxième niveau</a:t>
             </a:r>
           </a:p>
           <a:p>
             <a:pPr lvl="2"/>
             <a:r>
-              <a:rPr lang="fr-FR" smtClean="0"/>
+              <a:rPr lang="fr-FR"/>
               <a:t>Troisième niveau</a:t>
             </a:r>
           </a:p>
           <a:p>
             <a:pPr lvl="3"/>
             <a:r>
-              <a:rPr lang="fr-FR" smtClean="0"/>
+              <a:rPr lang="fr-FR"/>
               <a:t>Quatrième niveau</a:t>
             </a:r>
           </a:p>
           <a:p>
             <a:pPr lvl="4"/>
             <a:r>
-              <a:rPr lang="fr-FR" smtClean="0"/>
+              <a:rPr lang="fr-FR"/>
               <a:t>Cinquième niveau</a:t>
             </a:r>
-            <a:endParaRPr lang="fr-FR"/>
           </a:p>
         </p:txBody>
       </p:sp>
@@ -1731,7 +1721,7 @@
           <a:p>
             <a:pPr lvl="0"/>
             <a:r>
-              <a:rPr lang="fr-FR" smtClean="0"/>
+              <a:rPr lang="fr-FR"/>
               <a:t>Cliquez pour modifier les styles du texte du masque</a:t>
             </a:r>
           </a:p>
@@ -1787,38 +1777,37 @@
           <a:p>
             <a:pPr lvl="0"/>
             <a:r>
-              <a:rPr lang="fr-FR" smtClean="0"/>
+              <a:rPr lang="fr-FR"/>
               <a:t>Cliquez pour modifier les styles du texte du masque</a:t>
             </a:r>
           </a:p>
           <a:p>
             <a:pPr lvl="1"/>
             <a:r>
-              <a:rPr lang="fr-FR" smtClean="0"/>
+              <a:rPr lang="fr-FR"/>
               <a:t>Deuxième niveau</a:t>
             </a:r>
           </a:p>
           <a:p>
             <a:pPr lvl="2"/>
             <a:r>
-              <a:rPr lang="fr-FR" smtClean="0"/>
+              <a:rPr lang="fr-FR"/>
               <a:t>Troisième niveau</a:t>
             </a:r>
           </a:p>
           <a:p>
             <a:pPr lvl="3"/>
             <a:r>
-              <a:rPr lang="fr-FR" smtClean="0"/>
+              <a:rPr lang="fr-FR"/>
               <a:t>Quatrième niveau</a:t>
             </a:r>
           </a:p>
           <a:p>
             <a:pPr lvl="4"/>
             <a:r>
-              <a:rPr lang="fr-FR" smtClean="0"/>
+              <a:rPr lang="fr-FR"/>
               <a:t>Cinquième niveau</a:t>
             </a:r>
-            <a:endParaRPr lang="fr-FR"/>
           </a:p>
         </p:txBody>
       </p:sp>
@@ -1868,10 +1857,9 @@
           <a:lstStyle/>
           <a:p>
             <a:r>
-              <a:rPr lang="fr-FR" smtClean="0"/>
+              <a:rPr lang="fr-FR"/>
               <a:t>Cliquez pour modifier le style du titre</a:t>
             </a:r>
-            <a:endParaRPr lang="fr-FR"/>
           </a:p>
         </p:txBody>
       </p:sp>
@@ -1960,10 +1948,9 @@
           </a:lstStyle>
           <a:p>
             <a:r>
-              <a:rPr lang="fr-FR" smtClean="0"/>
+              <a:rPr lang="fr-FR"/>
               <a:t>Cliquez pour modifier le style du titre</a:t>
             </a:r>
-            <a:endParaRPr lang="fr-FR"/>
           </a:p>
         </p:txBody>
       </p:sp>
@@ -2017,38 +2004,37 @@
           <a:p>
             <a:pPr lvl="0"/>
             <a:r>
-              <a:rPr lang="fr-FR" smtClean="0"/>
+              <a:rPr lang="fr-FR"/>
               <a:t>Cliquez pour modifier les styles du texte du masque</a:t>
             </a:r>
           </a:p>
           <a:p>
             <a:pPr lvl="1"/>
             <a:r>
-              <a:rPr lang="fr-FR" smtClean="0"/>
+              <a:rPr lang="fr-FR"/>
               <a:t>Deuxième niveau</a:t>
             </a:r>
           </a:p>
           <a:p>
             <a:pPr lvl="2"/>
             <a:r>
-              <a:rPr lang="fr-FR" smtClean="0"/>
+              <a:rPr lang="fr-FR"/>
               <a:t>Troisième niveau</a:t>
             </a:r>
           </a:p>
           <a:p>
             <a:pPr lvl="3"/>
             <a:r>
-              <a:rPr lang="fr-FR" smtClean="0"/>
+              <a:rPr lang="fr-FR"/>
               <a:t>Quatrième niveau</a:t>
             </a:r>
           </a:p>
           <a:p>
             <a:pPr lvl="4"/>
             <a:r>
-              <a:rPr lang="fr-FR" smtClean="0"/>
+              <a:rPr lang="fr-FR"/>
               <a:t>Cinquième niveau</a:t>
             </a:r>
-            <a:endParaRPr lang="fr-FR"/>
           </a:p>
         </p:txBody>
       </p:sp>
@@ -2111,7 +2097,7 @@
           <a:p>
             <a:pPr lvl="0"/>
             <a:r>
-              <a:rPr lang="fr-FR" smtClean="0"/>
+              <a:rPr lang="fr-FR"/>
               <a:t>Cliquez pour modifier les styles du texte du masque</a:t>
             </a:r>
           </a:p>
@@ -2172,10 +2158,9 @@
           </a:lstStyle>
           <a:p>
             <a:r>
-              <a:rPr lang="fr-FR" smtClean="0"/>
+              <a:rPr lang="fr-FR"/>
               <a:t>Cliquez pour modifier le style du titre</a:t>
             </a:r>
-            <a:endParaRPr lang="fr-FR"/>
           </a:p>
         </p:txBody>
       </p:sp>
@@ -2237,7 +2222,7 @@
           </a:lstStyle>
           <a:p>
             <a:pPr lvl="0"/>
-            <a:endParaRPr lang="fr-FR" noProof="0" smtClean="0"/>
+            <a:endParaRPr lang="fr-FR" noProof="0"/>
           </a:p>
         </p:txBody>
       </p:sp>
@@ -2300,7 +2285,7 @@
           <a:p>
             <a:pPr lvl="0"/>
             <a:r>
-              <a:rPr lang="fr-FR" smtClean="0"/>
+              <a:rPr lang="fr-FR"/>
               <a:t>Cliquez pour modifier les styles du texte du masque</a:t>
             </a:r>
           </a:p>
@@ -2352,10 +2337,9 @@
           <a:lstStyle/>
           <a:p>
             <a:r>
-              <a:rPr lang="fr-FR" smtClean="0"/>
+              <a:rPr lang="fr-FR"/>
               <a:t>Cliquez pour modifier le style du titre</a:t>
             </a:r>
-            <a:endParaRPr lang="fr-FR"/>
           </a:p>
         </p:txBody>
       </p:sp>
@@ -2376,38 +2360,37 @@
           <a:p>
             <a:pPr lvl="0"/>
             <a:r>
-              <a:rPr lang="fr-FR" smtClean="0"/>
+              <a:rPr lang="fr-FR"/>
               <a:t>Cliquez pour modifier les styles du texte du masque</a:t>
             </a:r>
           </a:p>
           <a:p>
             <a:pPr lvl="1"/>
             <a:r>
-              <a:rPr lang="fr-FR" smtClean="0"/>
+              <a:rPr lang="fr-FR"/>
               <a:t>Deuxième niveau</a:t>
             </a:r>
           </a:p>
           <a:p>
             <a:pPr lvl="2"/>
             <a:r>
-              <a:rPr lang="fr-FR" smtClean="0"/>
+              <a:rPr lang="fr-FR"/>
               <a:t>Troisième niveau</a:t>
             </a:r>
           </a:p>
           <a:p>
             <a:pPr lvl="3"/>
             <a:r>
-              <a:rPr lang="fr-FR" smtClean="0"/>
+              <a:rPr lang="fr-FR"/>
               <a:t>Quatrième niveau</a:t>
             </a:r>
           </a:p>
           <a:p>
             <a:pPr lvl="4"/>
             <a:r>
-              <a:rPr lang="fr-FR" smtClean="0"/>
+              <a:rPr lang="fr-FR"/>
               <a:t>Cinquième niveau</a:t>
             </a:r>
-            <a:endParaRPr lang="fr-FR"/>
           </a:p>
         </p:txBody>
       </p:sp>
@@ -2588,7 +2571,7 @@
             <a:pPr eaLnBrk="1" hangingPunct="1">
               <a:defRPr/>
             </a:pPr>
-            <a:endParaRPr lang="fr-FR" altLang="fr-FR" smtClean="0"/>
+            <a:endParaRPr lang="fr-FR" altLang="fr-FR"/>
           </a:p>
         </p:txBody>
       </p:sp>
@@ -2742,7 +2725,7 @@
               <a:defRPr/>
             </a:pPr>
             <a:r>
-              <a:rPr lang="fr-FR" sz="1200" dirty="0" smtClean="0"/>
+              <a:rPr lang="fr-FR" sz="1200" dirty="0"/>
               <a:t>Page </a:t>
             </a:r>
             <a:fld id="{E218E9B1-FD08-4C80-902E-210BA2967D0D}" type="slidenum">
@@ -2755,7 +2738,7 @@
               </a:pPr>
               <a:t>‹N°›</a:t>
             </a:fld>
-            <a:endParaRPr lang="fr-FR" dirty="0" smtClean="0">
+            <a:endParaRPr lang="fr-FR" dirty="0">
               <a:latin typeface="Times New Roman" pitchFamily="18" charset="0"/>
             </a:endParaRPr>
           </a:p>
@@ -2911,10 +2894,10 @@
               <a:defRPr/>
             </a:pPr>
             <a:r>
-              <a:rPr lang="fr-FR" sz="1600" dirty="0" smtClean="0"/>
+              <a:rPr lang="fr-FR" sz="1600" dirty="0"/>
               <a:t>Python</a:t>
             </a:r>
-            <a:endParaRPr lang="fr-FR" dirty="0" smtClean="0">
+            <a:endParaRPr lang="fr-FR" dirty="0">
               <a:latin typeface="Times New Roman" pitchFamily="18" charset="0"/>
             </a:endParaRPr>
           </a:p>
@@ -2972,7 +2955,7 @@
           <a:p>
             <a:pPr lvl="0"/>
             <a:r>
-              <a:rPr lang="fr-FR" altLang="fr-FR" smtClean="0"/>
+              <a:rPr lang="fr-FR" altLang="fr-FR"/>
               <a:t>Cliquez pour modifier le style du titre du masque</a:t>
             </a:r>
           </a:p>
@@ -3030,35 +3013,35 @@
           <a:p>
             <a:pPr lvl="0"/>
             <a:r>
-              <a:rPr lang="fr-FR" altLang="fr-FR" smtClean="0"/>
+              <a:rPr lang="fr-FR" altLang="fr-FR"/>
               <a:t>Cliquez pour modifier les styles du texte du masque</a:t>
             </a:r>
           </a:p>
           <a:p>
             <a:pPr lvl="1"/>
             <a:r>
-              <a:rPr lang="fr-FR" altLang="fr-FR" smtClean="0"/>
+              <a:rPr lang="fr-FR" altLang="fr-FR"/>
               <a:t>Deuxième niveau</a:t>
             </a:r>
           </a:p>
           <a:p>
             <a:pPr lvl="2"/>
             <a:r>
-              <a:rPr lang="fr-FR" altLang="fr-FR" smtClean="0"/>
+              <a:rPr lang="fr-FR" altLang="fr-FR"/>
               <a:t>Troisième niveau</a:t>
             </a:r>
           </a:p>
           <a:p>
             <a:pPr lvl="3"/>
             <a:r>
-              <a:rPr lang="fr-FR" altLang="fr-FR" smtClean="0"/>
+              <a:rPr lang="fr-FR" altLang="fr-FR"/>
               <a:t>Quatrième niveau</a:t>
             </a:r>
           </a:p>
           <a:p>
             <a:pPr lvl="4"/>
             <a:r>
-              <a:rPr lang="fr-FR" altLang="fr-FR" smtClean="0"/>
+              <a:rPr lang="fr-FR" altLang="fr-FR"/>
               <a:t>Cinquième niveau</a:t>
             </a:r>
           </a:p>
@@ -3214,10 +3197,10 @@
               <a:defRPr/>
             </a:pPr>
             <a:r>
-              <a:rPr lang="fr-FR" sz="1200" smtClean="0"/>
+              <a:rPr lang="fr-FR" sz="1200"/>
               <a:t>© Cyril Vincent Conseil</a:t>
             </a:r>
-            <a:endParaRPr lang="fr-FR" smtClean="0">
+            <a:endParaRPr lang="fr-FR">
               <a:latin typeface="Times New Roman" pitchFamily="18" charset="0"/>
             </a:endParaRPr>
           </a:p>
@@ -3699,19 +3682,15 @@
           <a:p>
             <a:pPr eaLnBrk="1" hangingPunct="1"/>
             <a:r>
-              <a:rPr lang="fr-FR" altLang="fr-FR" smtClean="0"/>
-              <a:t>Chapitre </a:t>
-            </a:r>
-            <a:r>
-              <a:rPr lang="fr-FR" altLang="fr-FR" smtClean="0"/>
-              <a:t>12</a:t>
-            </a:r>
-            <a:endParaRPr lang="fr-FR" altLang="fr-FR" dirty="0" smtClean="0"/>
+              <a:rPr lang="fr-FR" altLang="fr-FR"/>
+              <a:t>Chapitre 12</a:t>
+            </a:r>
+            <a:endParaRPr lang="fr-FR" altLang="fr-FR" dirty="0"/>
           </a:p>
           <a:p>
             <a:pPr eaLnBrk="1" hangingPunct="1"/>
             <a:r>
-              <a:rPr lang="fr-FR" altLang="fr-FR" dirty="0" smtClean="0"/>
+              <a:rPr lang="fr-FR" altLang="fr-FR" dirty="0"/>
               <a:t>Pandas</a:t>
             </a:r>
           </a:p>
@@ -3764,10 +3743,9 @@
           <a:lstStyle/>
           <a:p>
             <a:r>
-              <a:rPr lang="fr-FR" sz="3600" dirty="0" smtClean="0"/>
+              <a:rPr lang="fr-FR" sz="3600" dirty="0"/>
               <a:t>Data Science</a:t>
             </a:r>
-            <a:endParaRPr lang="fr-FR" sz="3600" dirty="0"/>
           </a:p>
         </p:txBody>
       </p:sp>
@@ -3800,13 +3778,6 @@
   <p:clrMapOvr>
     <a:masterClrMapping/>
   </p:clrMapOvr>
-  <p:timing>
-    <p:tnLst>
-      <p:par>
-        <p:cTn id="1" dur="indefinite" restart="never" nodeType="tmRoot"/>
-      </p:par>
-    </p:tnLst>
-  </p:timing>
 </p:sld>
 </file>
 
@@ -3843,10 +3814,9 @@
           <a:lstStyle/>
           <a:p>
             <a:r>
-              <a:rPr lang="fr-FR" dirty="0" smtClean="0"/>
+              <a:rPr lang="fr-FR" dirty="0"/>
               <a:t>Filtrage</a:t>
             </a:r>
-            <a:endParaRPr lang="fr-FR" dirty="0"/>
           </a:p>
         </p:txBody>
       </p:sp>
@@ -3866,40 +3836,32 @@
           <a:lstStyle/>
           <a:p>
             <a:r>
-              <a:rPr lang="fr-FR" dirty="0" smtClean="0"/>
+              <a:rPr lang="fr-FR" dirty="0"/>
               <a:t>Remplacer les champs nuls</a:t>
             </a:r>
           </a:p>
           <a:p>
             <a:pPr lvl="1"/>
             <a:r>
-              <a:rPr lang="fr-FR" dirty="0" err="1" smtClean="0"/>
+              <a:rPr lang="fr-FR" dirty="0" err="1"/>
               <a:t>dataframe.codePostal</a:t>
             </a:r>
             <a:r>
-              <a:rPr lang="fr-FR" dirty="0" smtClean="0"/>
-              <a:t> </a:t>
-            </a:r>
-            <a:r>
               <a:rPr lang="fr-FR" dirty="0"/>
-              <a:t>= </a:t>
-            </a:r>
-            <a:r>
-              <a:rPr lang="fr-FR" dirty="0" err="1" smtClean="0"/>
+              <a:t> = </a:t>
+            </a:r>
+            <a:r>
+              <a:rPr lang="fr-FR" dirty="0" err="1"/>
               <a:t>dataframe.codePostal.fillna</a:t>
             </a:r>
             <a:r>
               <a:rPr lang="fr-FR" dirty="0"/>
-              <a:t>('38000</a:t>
-            </a:r>
-            <a:r>
-              <a:rPr lang="fr-FR" dirty="0" smtClean="0"/>
-              <a:t>')</a:t>
-            </a:r>
-          </a:p>
-          <a:p>
-            <a:r>
-              <a:rPr lang="fr-FR" dirty="0" smtClean="0"/>
+              <a:t>('38000')</a:t>
+            </a:r>
+          </a:p>
+          <a:p>
+            <a:r>
+              <a:rPr lang="fr-FR" dirty="0"/>
               <a:t>Effacer les lignes nuls</a:t>
             </a:r>
           </a:p>
@@ -3907,52 +3869,40 @@
             <a:pPr lvl="1"/>
             <a:r>
               <a:rPr lang="fr-FR" dirty="0" err="1"/>
-              <a:t>d</a:t>
-            </a:r>
-            <a:r>
-              <a:rPr lang="fr-FR" dirty="0" err="1" smtClean="0"/>
-              <a:t>ropna</a:t>
-            </a:r>
-            <a:r>
-              <a:rPr lang="fr-FR" dirty="0" smtClean="0"/>
+              <a:t>dropna</a:t>
+            </a:r>
+            <a:r>
+              <a:rPr lang="fr-FR" dirty="0"/>
               <a:t>()</a:t>
             </a:r>
           </a:p>
           <a:p>
             <a:r>
-              <a:rPr lang="fr-FR" smtClean="0"/>
+              <a:rPr lang="fr-FR"/>
               <a:t>Changement </a:t>
             </a:r>
             <a:r>
-              <a:rPr lang="fr-FR" dirty="0" smtClean="0"/>
+              <a:rPr lang="fr-FR" dirty="0"/>
               <a:t>de valeurs</a:t>
             </a:r>
           </a:p>
           <a:p>
             <a:pPr lvl="1"/>
             <a:r>
-              <a:rPr lang="fr-FR" dirty="0" err="1" smtClean="0"/>
+              <a:rPr lang="fr-FR" dirty="0" err="1"/>
               <a:t>dataframe.surface</a:t>
             </a:r>
             <a:r>
-              <a:rPr lang="fr-FR" dirty="0" smtClean="0"/>
-              <a:t> </a:t>
-            </a:r>
-            <a:r>
               <a:rPr lang="fr-FR" dirty="0"/>
-              <a:t>= </a:t>
-            </a:r>
-            <a:r>
-              <a:rPr lang="fr-FR" dirty="0" err="1" smtClean="0"/>
+              <a:t> = </a:t>
+            </a:r>
+            <a:r>
+              <a:rPr lang="fr-FR" dirty="0" err="1"/>
               <a:t>dataframe</a:t>
             </a:r>
             <a:r>
-              <a:rPr lang="fr-FR" dirty="0" smtClean="0"/>
-              <a:t>[‘surface'].</a:t>
-            </a:r>
-            <a:r>
               <a:rPr lang="fr-FR" dirty="0"/>
-              <a:t>replace(',', '.',</a:t>
+              <a:t>[‘surface'].replace(',', '.',</a:t>
             </a:r>
             <a:r>
               <a:rPr lang="fr-FR" dirty="0" err="1"/>
@@ -3983,13 +3933,12 @@
               <a:t>float</a:t>
             </a:r>
             <a:r>
-              <a:rPr lang="fr-FR" dirty="0" smtClean="0"/>
+              <a:rPr lang="fr-FR" dirty="0"/>
               <a:t>)</a:t>
             </a:r>
+          </a:p>
+          <a:p>
             <a:endParaRPr lang="fr-FR" dirty="0"/>
-          </a:p>
-          <a:p>
-            <a:endParaRPr lang="fr-FR" dirty="0" smtClean="0"/>
           </a:p>
         </p:txBody>
       </p:sp>
@@ -4003,17 +3952,134 @@
   <p:clrMapOvr>
     <a:masterClrMapping/>
   </p:clrMapOvr>
-  <p:timing>
-    <p:tnLst>
-      <p:par>
-        <p:cTn id="1" dur="indefinite" restart="never" nodeType="tmRoot"/>
-      </p:par>
-    </p:tnLst>
-  </p:timing>
 </p:sld>
 </file>
 
 <file path=ppt/slides/slide11.xml><?xml version="1.0" encoding="utf-8"?>
+<p:sld xmlns:a="http://schemas.openxmlformats.org/drawingml/2006/main" xmlns:r="http://schemas.openxmlformats.org/officeDocument/2006/relationships" xmlns:p="http://schemas.openxmlformats.org/presentationml/2006/main">
+  <p:cSld>
+    <p:spTree>
+      <p:nvGrpSpPr>
+        <p:cNvPr id="1" name=""/>
+        <p:cNvGrpSpPr/>
+        <p:nvPr/>
+      </p:nvGrpSpPr>
+      <p:grpSpPr>
+        <a:xfrm>
+          <a:off x="0" y="0"/>
+          <a:ext cx="0" cy="0"/>
+          <a:chOff x="0" y="0"/>
+          <a:chExt cx="0" cy="0"/>
+        </a:xfrm>
+      </p:grpSpPr>
+      <p:sp>
+        <p:nvSpPr>
+          <p:cNvPr id="2" name="Titre 1">
+            <a:extLst>
+              <a:ext uri="{FF2B5EF4-FFF2-40B4-BE49-F238E27FC236}">
+                <a16:creationId xmlns:a16="http://schemas.microsoft.com/office/drawing/2014/main" id="{24956A91-4F66-46CD-A8A1-53898EF00548}"/>
+              </a:ext>
+            </a:extLst>
+          </p:cNvPr>
+          <p:cNvSpPr>
+            <a:spLocks noGrp="1"/>
+          </p:cNvSpPr>
+          <p:nvPr>
+            <p:ph type="title"/>
+          </p:nvPr>
+        </p:nvSpPr>
+        <p:spPr/>
+        <p:txBody>
+          <a:bodyPr/>
+          <a:lstStyle/>
+          <a:p>
+            <a:r>
+              <a:rPr lang="fr-FR" dirty="0" err="1"/>
+              <a:t>Describe</a:t>
+            </a:r>
+            <a:endParaRPr lang="fr-FR" dirty="0"/>
+          </a:p>
+        </p:txBody>
+      </p:sp>
+      <p:sp>
+        <p:nvSpPr>
+          <p:cNvPr id="3" name="Espace réservé du contenu 2">
+            <a:extLst>
+              <a:ext uri="{FF2B5EF4-FFF2-40B4-BE49-F238E27FC236}">
+                <a16:creationId xmlns:a16="http://schemas.microsoft.com/office/drawing/2014/main" id="{D3BD2517-F64F-4502-9320-C748206CCA83}"/>
+              </a:ext>
+            </a:extLst>
+          </p:cNvPr>
+          <p:cNvSpPr>
+            <a:spLocks noGrp="1"/>
+          </p:cNvSpPr>
+          <p:nvPr>
+            <p:ph idx="1"/>
+          </p:nvPr>
+        </p:nvSpPr>
+        <p:spPr/>
+        <p:txBody>
+          <a:bodyPr/>
+          <a:lstStyle/>
+          <a:p>
+            <a:r>
+              <a:rPr lang="fr-FR" dirty="0" err="1"/>
+              <a:t>Describe</a:t>
+            </a:r>
+            <a:r>
+              <a:rPr lang="fr-FR" dirty="0"/>
+              <a:t> permet de calculer les données de bases de chaque colonne</a:t>
+            </a:r>
+          </a:p>
+          <a:p>
+            <a:endParaRPr lang="fr-FR" dirty="0"/>
+          </a:p>
+        </p:txBody>
+      </p:sp>
+      <p:pic>
+        <p:nvPicPr>
+          <p:cNvPr id="5" name="Image 4">
+            <a:extLst>
+              <a:ext uri="{FF2B5EF4-FFF2-40B4-BE49-F238E27FC236}">
+                <a16:creationId xmlns:a16="http://schemas.microsoft.com/office/drawing/2014/main" id="{4E8BBD6F-ED22-4F1F-B0DB-F1243EDC1160}"/>
+              </a:ext>
+            </a:extLst>
+          </p:cNvPr>
+          <p:cNvPicPr>
+            <a:picLocks noChangeAspect="1"/>
+          </p:cNvPicPr>
+          <p:nvPr/>
+        </p:nvPicPr>
+        <p:blipFill>
+          <a:blip r:embed="rId2"/>
+          <a:stretch>
+            <a:fillRect/>
+          </a:stretch>
+        </p:blipFill>
+        <p:spPr>
+          <a:xfrm>
+            <a:off x="852487" y="3058309"/>
+            <a:ext cx="7439025" cy="2371725"/>
+          </a:xfrm>
+          <a:prstGeom prst="rect">
+            <a:avLst/>
+          </a:prstGeom>
+        </p:spPr>
+      </p:pic>
+    </p:spTree>
+    <p:extLst>
+      <p:ext uri="{BB962C8B-B14F-4D97-AF65-F5344CB8AC3E}">
+        <p14:creationId xmlns:p14="http://schemas.microsoft.com/office/powerpoint/2010/main" val="325946070"/>
+      </p:ext>
+    </p:extLst>
+  </p:cSld>
+  <p:clrMapOvr>
+    <a:masterClrMapping/>
+  </p:clrMapOvr>
+</p:sld>
+</file>
+
+<file path=ppt/slides/slide12.xml><?xml version="1.0" encoding="utf-8"?>
 <p:sld xmlns:a="http://schemas.openxmlformats.org/drawingml/2006/main" xmlns:r="http://schemas.openxmlformats.org/officeDocument/2006/relationships" xmlns:p="http://schemas.openxmlformats.org/presentationml/2006/main">
   <p:cSld>
     <p:spTree>
@@ -4046,10 +4112,9 @@
           <a:lstStyle/>
           <a:p>
             <a:r>
-              <a:rPr lang="fr-FR" dirty="0" smtClean="0"/>
+              <a:rPr lang="fr-FR" dirty="0"/>
               <a:t>MNIST</a:t>
             </a:r>
-            <a:endParaRPr lang="fr-FR" dirty="0"/>
           </a:p>
         </p:txBody>
       </p:sp>
@@ -4069,14 +4134,14 @@
           <a:lstStyle/>
           <a:p>
             <a:r>
-              <a:rPr lang="fr-FR" dirty="0" smtClean="0"/>
+              <a:rPr lang="fr-FR" dirty="0"/>
               <a:t>Banque de données</a:t>
             </a:r>
           </a:p>
           <a:p>
             <a:pPr lvl="1"/>
             <a:r>
-              <a:rPr lang="fr-FR" dirty="0" smtClean="0"/>
+              <a:rPr lang="fr-FR" dirty="0"/>
               <a:t>Ici des chiffres manuscrits 24x24 en 16 niveaux de gris</a:t>
             </a:r>
           </a:p>
@@ -4137,17 +4202,10 @@
   <p:clrMapOvr>
     <a:masterClrMapping/>
   </p:clrMapOvr>
-  <p:timing>
-    <p:tnLst>
-      <p:par>
-        <p:cTn id="1" dur="indefinite" restart="never" nodeType="tmRoot"/>
-      </p:par>
-    </p:tnLst>
-  </p:timing>
 </p:sld>
 </file>
 
-<file path=ppt/slides/slide12.xml><?xml version="1.0" encoding="utf-8"?>
+<file path=ppt/slides/slide13.xml><?xml version="1.0" encoding="utf-8"?>
 <p:sld xmlns:a="http://schemas.openxmlformats.org/drawingml/2006/main" xmlns:r="http://schemas.openxmlformats.org/officeDocument/2006/relationships" xmlns:p="http://schemas.openxmlformats.org/presentationml/2006/main">
   <p:cSld>
     <p:spTree>
@@ -4180,10 +4238,9 @@
           <a:lstStyle/>
           <a:p>
             <a:r>
-              <a:rPr lang="fr-FR" dirty="0" smtClean="0"/>
+              <a:rPr lang="fr-FR" dirty="0"/>
               <a:t>MNIST</a:t>
             </a:r>
-            <a:endParaRPr lang="fr-FR" dirty="0"/>
           </a:p>
         </p:txBody>
       </p:sp>
@@ -4203,7 +4260,7 @@
           <a:lstStyle/>
           <a:p>
             <a:r>
-              <a:rPr lang="fr-FR" dirty="0" smtClean="0"/>
+              <a:rPr lang="fr-FR" dirty="0"/>
               <a:t>Chargement des données</a:t>
             </a:r>
           </a:p>
@@ -4259,7 +4316,7 @@
               <a:t>mnist</a:t>
             </a:r>
             <a:r>
-              <a:rPr lang="fr-FR" dirty="0" smtClean="0">
+              <a:rPr lang="fr-FR" dirty="0">
                 <a:latin typeface="Courier New" panose="02070309020205020404" pitchFamily="49" charset="0"/>
                 <a:cs typeface="Courier New" panose="02070309020205020404" pitchFamily="49" charset="0"/>
               </a:rPr>
@@ -4269,14 +4326,14 @@
           <a:p>
             <a:pPr lvl="1"/>
             <a:r>
-              <a:rPr lang="fr-FR" dirty="0" err="1" smtClean="0">
+              <a:rPr lang="fr-FR" dirty="0" err="1">
                 <a:latin typeface="Courier New" panose="02070309020205020404" pitchFamily="49" charset="0"/>
                 <a:cs typeface="Courier New" panose="02070309020205020404" pitchFamily="49" charset="0"/>
               </a:rPr>
               <a:t>mnist.data</a:t>
             </a:r>
             <a:r>
-              <a:rPr lang="fr-FR" dirty="0" smtClean="0">
+              <a:rPr lang="fr-FR" dirty="0">
                 <a:latin typeface="Courier New" panose="02070309020205020404" pitchFamily="49" charset="0"/>
                 <a:cs typeface="Courier New" panose="02070309020205020404" pitchFamily="49" charset="0"/>
               </a:rPr>
@@ -4290,17 +4347,10 @@
                 <a:latin typeface="Courier New" panose="02070309020205020404" pitchFamily="49" charset="0"/>
                 <a:cs typeface="Courier New" panose="02070309020205020404" pitchFamily="49" charset="0"/>
               </a:rPr>
-              <a:t>m</a:t>
-            </a:r>
-            <a:r>
-              <a:rPr lang="fr-FR" dirty="0" err="1" smtClean="0">
-                <a:latin typeface="Courier New" panose="02070309020205020404" pitchFamily="49" charset="0"/>
-                <a:cs typeface="Courier New" panose="02070309020205020404" pitchFamily="49" charset="0"/>
-              </a:rPr>
-              <a:t>nist.target</a:t>
-            </a:r>
-            <a:r>
-              <a:rPr lang="fr-FR" dirty="0" smtClean="0">
+              <a:t>mnist.target</a:t>
+            </a:r>
+            <a:r>
+              <a:rPr lang="fr-FR" dirty="0">
                 <a:latin typeface="Courier New" panose="02070309020205020404" pitchFamily="49" charset="0"/>
                 <a:cs typeface="Courier New" panose="02070309020205020404" pitchFamily="49" charset="0"/>
               </a:rPr>
@@ -4323,13 +4373,6 @@
   <p:clrMapOvr>
     <a:masterClrMapping/>
   </p:clrMapOvr>
-  <p:timing>
-    <p:tnLst>
-      <p:par>
-        <p:cTn id="1" dur="indefinite" restart="never" nodeType="tmRoot"/>
-      </p:par>
-    </p:tnLst>
-  </p:timing>
 </p:sld>
 </file>
 
@@ -4366,10 +4409,9 @@
           <a:lstStyle/>
           <a:p>
             <a:r>
-              <a:rPr lang="fr-FR" dirty="0" smtClean="0"/>
+              <a:rPr lang="fr-FR" dirty="0"/>
               <a:t>Pandas</a:t>
             </a:r>
-            <a:endParaRPr lang="fr-FR" dirty="0"/>
           </a:p>
         </p:txBody>
       </p:sp>
@@ -4403,47 +4445,47 @@
           </a:p>
           <a:p>
             <a:r>
-              <a:rPr lang="fr-FR" dirty="0" smtClean="0"/>
+              <a:rPr lang="fr-FR" dirty="0"/>
               <a:t>Module Python</a:t>
             </a:r>
           </a:p>
           <a:p>
             <a:pPr lvl="1"/>
             <a:r>
-              <a:rPr lang="fr-FR" dirty="0" smtClean="0"/>
+              <a:rPr lang="fr-FR" dirty="0"/>
               <a:t>Disponible dans Anaconda</a:t>
             </a:r>
           </a:p>
           <a:p>
             <a:pPr lvl="1"/>
             <a:r>
-              <a:rPr lang="fr-FR" dirty="0" err="1" smtClean="0"/>
+              <a:rPr lang="fr-FR" dirty="0" err="1"/>
               <a:t>Pip</a:t>
             </a:r>
             <a:r>
-              <a:rPr lang="fr-FR" dirty="0" smtClean="0"/>
+              <a:rPr lang="fr-FR" dirty="0"/>
               <a:t> </a:t>
             </a:r>
             <a:r>
-              <a:rPr lang="fr-FR" dirty="0" err="1" smtClean="0"/>
+              <a:rPr lang="fr-FR" dirty="0" err="1"/>
               <a:t>install</a:t>
             </a:r>
             <a:r>
-              <a:rPr lang="fr-FR" dirty="0" smtClean="0"/>
+              <a:rPr lang="fr-FR" dirty="0"/>
               <a:t> pandas</a:t>
             </a:r>
           </a:p>
           <a:p>
             <a:pPr lvl="1"/>
             <a:r>
-              <a:rPr lang="fr-FR" dirty="0" smtClean="0"/>
+              <a:rPr lang="fr-FR" dirty="0"/>
               <a:t>import pandas as </a:t>
             </a:r>
             <a:r>
-              <a:rPr lang="fr-FR" dirty="0" err="1" smtClean="0"/>
+              <a:rPr lang="fr-FR" dirty="0" err="1"/>
               <a:t>pd</a:t>
             </a:r>
-            <a:endParaRPr lang="fr-FR" dirty="0" smtClean="0"/>
+            <a:endParaRPr lang="fr-FR" dirty="0"/>
           </a:p>
         </p:txBody>
       </p:sp>
@@ -4457,13 +4499,6 @@
   <p:clrMapOvr>
     <a:masterClrMapping/>
   </p:clrMapOvr>
-  <p:timing>
-    <p:tnLst>
-      <p:par>
-        <p:cTn id="1" dur="indefinite" restart="never" nodeType="tmRoot"/>
-      </p:par>
-    </p:tnLst>
-  </p:timing>
 </p:sld>
 </file>
 
@@ -4500,10 +4535,9 @@
           <a:lstStyle/>
           <a:p>
             <a:r>
-              <a:rPr lang="fr-FR" dirty="0" smtClean="0"/>
+              <a:rPr lang="fr-FR" dirty="0"/>
               <a:t>Les structures de données</a:t>
             </a:r>
-            <a:endParaRPr lang="fr-FR" dirty="0"/>
           </a:p>
         </p:txBody>
       </p:sp>
@@ -4523,101 +4557,65 @@
           <a:lstStyle/>
           <a:p>
             <a:r>
-              <a:rPr lang="fr-FR" dirty="0" smtClean="0"/>
-              <a:t>Pandas </a:t>
-            </a:r>
-            <a:r>
               <a:rPr lang="fr-FR" dirty="0"/>
-              <a:t>fournit </a:t>
-            </a:r>
-            <a:r>
-              <a:rPr lang="fr-FR" dirty="0" smtClean="0"/>
-              <a:t>2 structures </a:t>
-            </a:r>
+              <a:t>Pandas fournit 2 structures de données fondamentales</a:t>
+            </a:r>
+          </a:p>
+          <a:p>
+            <a:pPr lvl="1"/>
             <a:r>
               <a:rPr lang="fr-FR" dirty="0"/>
-              <a:t>de données </a:t>
-            </a:r>
-            <a:r>
-              <a:rPr lang="fr-FR" dirty="0" smtClean="0"/>
-              <a:t>fondamentales</a:t>
+              <a:t>la </a:t>
+            </a:r>
+            <a:r>
+              <a:rPr lang="fr-FR" dirty="0" err="1"/>
+              <a:t>Series</a:t>
+            </a:r>
+            <a:r>
+              <a:rPr lang="fr-FR" dirty="0"/>
+              <a:t> et le </a:t>
+            </a:r>
+            <a:r>
+              <a:rPr lang="fr-FR" dirty="0" err="1"/>
+              <a:t>DataFrame</a:t>
+            </a:r>
+            <a:r>
+              <a:rPr lang="fr-FR" dirty="0"/>
+              <a:t> </a:t>
             </a:r>
           </a:p>
           <a:p>
             <a:pPr lvl="1"/>
             <a:r>
-              <a:rPr lang="fr-FR" dirty="0" smtClean="0"/>
-              <a:t>la </a:t>
-            </a:r>
-            <a:r>
-              <a:rPr lang="fr-FR" dirty="0" err="1" smtClean="0"/>
-              <a:t>Series</a:t>
-            </a:r>
-            <a:r>
-              <a:rPr lang="fr-FR" dirty="0" smtClean="0"/>
-              <a:t> </a:t>
-            </a:r>
-            <a:r>
               <a:rPr lang="fr-FR" dirty="0"/>
-              <a:t>et le </a:t>
-            </a:r>
-            <a:r>
-              <a:rPr lang="fr-FR" dirty="0" err="1" smtClean="0"/>
-              <a:t>DataFrame</a:t>
-            </a:r>
-            <a:r>
-              <a:rPr lang="fr-FR" dirty="0" smtClean="0"/>
-              <a:t> </a:t>
-            </a:r>
-          </a:p>
-          <a:p>
-            <a:pPr lvl="1"/>
-            <a:r>
-              <a:rPr lang="fr-FR" dirty="0" smtClean="0"/>
-              <a:t>On </a:t>
-            </a:r>
-            <a:r>
-              <a:rPr lang="fr-FR" dirty="0"/>
-              <a:t>peut voir ces structures comme une généralisation des tableaux et des matrices de </a:t>
-            </a:r>
-            <a:r>
-              <a:rPr lang="fr-FR" dirty="0" err="1" smtClean="0"/>
-              <a:t>Numpy</a:t>
-            </a:r>
-            <a:endParaRPr lang="fr-FR" dirty="0" smtClean="0"/>
-          </a:p>
-          <a:p>
-            <a:pPr lvl="1"/>
-            <a:r>
-              <a:rPr lang="fr-FR" dirty="0" smtClean="0"/>
-              <a:t>La </a:t>
-            </a:r>
-            <a:r>
-              <a:rPr lang="fr-FR" dirty="0"/>
-              <a:t>différence fondamentale entre ces structures et les versions de </a:t>
+              <a:t>On peut voir ces structures comme une généralisation des tableaux et des matrices de </a:t>
             </a:r>
             <a:r>
               <a:rPr lang="fr-FR" dirty="0" err="1"/>
               <a:t>Numpy</a:t>
             </a:r>
+            <a:endParaRPr lang="fr-FR" dirty="0"/>
+          </a:p>
+          <a:p>
+            <a:pPr lvl="1"/>
             <a:r>
               <a:rPr lang="fr-FR" dirty="0"/>
-              <a:t> est que les objets Pandas possèdent des indices </a:t>
-            </a:r>
-            <a:r>
-              <a:rPr lang="fr-FR" dirty="0" smtClean="0"/>
-              <a:t>explicites</a:t>
+              <a:t>La différence fondamentale entre ces structures et les versions de </a:t>
+            </a:r>
+            <a:r>
+              <a:rPr lang="fr-FR" dirty="0" err="1"/>
+              <a:t>Numpy</a:t>
+            </a:r>
+            <a:r>
+              <a:rPr lang="fr-FR" dirty="0"/>
+              <a:t> est que les objets Pandas possèdent des indices explicites</a:t>
             </a:r>
           </a:p>
           <a:p>
             <a:pPr lvl="1"/>
             <a:r>
-              <a:rPr lang="fr-FR" dirty="0" smtClean="0"/>
-              <a:t>Là </a:t>
-            </a:r>
-            <a:r>
               <a:rPr lang="fr-FR" dirty="0"/>
-              <a:t>où on ne pouvait se référer à un élément d'un tableau </a:t>
+              <a:t>Là où on ne pouvait se référer à un élément d'un tableau </a:t>
             </a:r>
             <a:r>
               <a:rPr lang="fr-FR" dirty="0" err="1"/>
@@ -4656,13 +4654,6 @@
   <p:clrMapOvr>
     <a:masterClrMapping/>
   </p:clrMapOvr>
-  <p:timing>
-    <p:tnLst>
-      <p:par>
-        <p:cTn id="1" dur="indefinite" restart="never" nodeType="tmRoot"/>
-      </p:par>
-    </p:tnLst>
-  </p:timing>
 </p:sld>
 </file>
 
@@ -4699,10 +4690,9 @@
           <a:lstStyle/>
           <a:p>
             <a:r>
-              <a:rPr lang="fr-FR" dirty="0" smtClean="0"/>
+              <a:rPr lang="fr-FR" dirty="0"/>
               <a:t>Import de données</a:t>
             </a:r>
-            <a:endParaRPr lang="fr-FR" dirty="0"/>
           </a:p>
         </p:txBody>
       </p:sp>
@@ -4722,25 +4712,25 @@
           <a:lstStyle/>
           <a:p>
             <a:r>
-              <a:rPr lang="fr-FR" dirty="0" smtClean="0"/>
+              <a:rPr lang="fr-FR" dirty="0"/>
               <a:t>Pandas possède une librairie très puissante pour importer des données depuis n’importe quelle source</a:t>
             </a:r>
           </a:p>
           <a:p>
             <a:pPr lvl="1"/>
             <a:r>
-              <a:rPr lang="fr-FR" dirty="0" smtClean="0"/>
+              <a:rPr lang="fr-FR" dirty="0"/>
               <a:t>Puis les converti en </a:t>
             </a:r>
             <a:r>
-              <a:rPr lang="fr-FR" dirty="0" err="1" smtClean="0"/>
+              <a:rPr lang="fr-FR" dirty="0" err="1"/>
               <a:t>DataFrame</a:t>
             </a:r>
-            <a:endParaRPr lang="fr-FR" dirty="0" smtClean="0"/>
-          </a:p>
-          <a:p>
-            <a:r>
-              <a:rPr lang="fr-FR" dirty="0" smtClean="0"/>
+            <a:endParaRPr lang="fr-FR" dirty="0"/>
+          </a:p>
+          <a:p>
+            <a:r>
+              <a:rPr lang="fr-FR" dirty="0"/>
               <a:t>CSV</a:t>
             </a:r>
           </a:p>
@@ -4782,21 +4772,21 @@
               <a:buNone/>
             </a:pPr>
             <a:r>
-              <a:rPr lang="fr-FR" sz="2000" dirty="0" err="1" smtClean="0">
+              <a:rPr lang="fr-FR" sz="2000" dirty="0" err="1">
                 <a:latin typeface="Courier New" panose="02070309020205020404" pitchFamily="49" charset="0"/>
                 <a:cs typeface="Courier New" panose="02070309020205020404" pitchFamily="49" charset="0"/>
               </a:rPr>
               <a:t>plt.plot</a:t>
             </a:r>
             <a:r>
-              <a:rPr lang="fr-FR" sz="2000" dirty="0" smtClean="0">
+              <a:rPr lang="fr-FR" sz="2000" dirty="0">
                 <a:latin typeface="Courier New" panose="02070309020205020404" pitchFamily="49" charset="0"/>
                 <a:cs typeface="Courier New" panose="02070309020205020404" pitchFamily="49" charset="0"/>
               </a:rPr>
               <a:t>(</a:t>
             </a:r>
             <a:r>
-              <a:rPr lang="fr-FR" sz="2000" dirty="0" err="1" smtClean="0">
+              <a:rPr lang="fr-FR" sz="2000" dirty="0" err="1">
                 <a:latin typeface="Courier New" panose="02070309020205020404" pitchFamily="49" charset="0"/>
                 <a:cs typeface="Courier New" panose="02070309020205020404" pitchFamily="49" charset="0"/>
               </a:rPr>
@@ -4870,10 +4860,6 @@
               </a:rPr>
               <a:t>()</a:t>
             </a:r>
-            <a:endParaRPr lang="fr-FR" sz="2000" dirty="0" smtClean="0">
-              <a:latin typeface="Courier New" panose="02070309020205020404" pitchFamily="49" charset="0"/>
-              <a:cs typeface="Courier New" panose="02070309020205020404" pitchFamily="49" charset="0"/>
-            </a:endParaRPr>
           </a:p>
           <a:p>
             <a:pPr lvl="1"/>
@@ -4891,13 +4877,6 @@
   <p:clrMapOvr>
     <a:masterClrMapping/>
   </p:clrMapOvr>
-  <p:timing>
-    <p:tnLst>
-      <p:par>
-        <p:cTn id="1" dur="indefinite" restart="never" nodeType="tmRoot"/>
-      </p:par>
-    </p:tnLst>
-  </p:timing>
 </p:sld>
 </file>
 
@@ -4934,10 +4913,9 @@
           <a:lstStyle/>
           <a:p>
             <a:r>
-              <a:rPr lang="fr-FR" dirty="0" smtClean="0"/>
+              <a:rPr lang="fr-FR" dirty="0"/>
               <a:t>Import de données</a:t>
             </a:r>
-            <a:endParaRPr lang="fr-FR" dirty="0"/>
           </a:p>
         </p:txBody>
       </p:sp>
@@ -4957,7 +4935,7 @@
           <a:lstStyle/>
           <a:p>
             <a:r>
-              <a:rPr lang="fr-FR" dirty="0" smtClean="0"/>
+              <a:rPr lang="fr-FR" dirty="0"/>
               <a:t>SQL</a:t>
             </a:r>
           </a:p>
@@ -5024,19 +5002,12 @@
                 <a:latin typeface="Courier New" panose="02070309020205020404" pitchFamily="49" charset="0"/>
                 <a:cs typeface="Courier New" panose="02070309020205020404" pitchFamily="49" charset="0"/>
               </a:rPr>
-              <a:t> from house', conn</a:t>
-            </a:r>
-            <a:r>
-              <a:rPr lang="en-US" sz="2000" dirty="0" smtClean="0">
-                <a:latin typeface="Courier New" panose="02070309020205020404" pitchFamily="49" charset="0"/>
-                <a:cs typeface="Courier New" panose="02070309020205020404" pitchFamily="49" charset="0"/>
-              </a:rPr>
-              <a:t>)</a:t>
-            </a:r>
-          </a:p>
-          <a:p>
-            <a:r>
-              <a:rPr lang="fr-FR" dirty="0" smtClean="0"/>
+              <a:t> from house', conn)</a:t>
+            </a:r>
+          </a:p>
+          <a:p>
+            <a:r>
+              <a:rPr lang="fr-FR" dirty="0"/>
               <a:t>Mongo DB</a:t>
             </a:r>
           </a:p>
@@ -5236,7 +5207,7 @@
             <a:pPr marL="457200" lvl="1" indent="0">
               <a:buNone/>
             </a:pPr>
-            <a:endParaRPr lang="en-US" sz="2000" dirty="0" smtClean="0">
+            <a:endParaRPr lang="en-US" sz="2000" dirty="0">
               <a:latin typeface="Courier New" panose="02070309020205020404" pitchFamily="49" charset="0"/>
               <a:cs typeface="Courier New" panose="02070309020205020404" pitchFamily="49" charset="0"/>
             </a:endParaRPr>
@@ -5253,13 +5224,6 @@
   <p:clrMapOvr>
     <a:masterClrMapping/>
   </p:clrMapOvr>
-  <p:timing>
-    <p:tnLst>
-      <p:par>
-        <p:cTn id="1" dur="indefinite" restart="never" nodeType="tmRoot"/>
-      </p:par>
-    </p:tnLst>
-  </p:timing>
 </p:sld>
 </file>
 
@@ -5296,10 +5260,9 @@
           <a:lstStyle/>
           <a:p>
             <a:r>
-              <a:rPr lang="fr-FR" dirty="0" smtClean="0"/>
+              <a:rPr lang="fr-FR" dirty="0"/>
               <a:t>Filtrage</a:t>
             </a:r>
-            <a:endParaRPr lang="fr-FR" dirty="0"/>
           </a:p>
         </p:txBody>
       </p:sp>
@@ -5319,22 +5282,21 @@
           <a:lstStyle/>
           <a:p>
             <a:r>
-              <a:rPr lang="fr-FR" dirty="0" smtClean="0"/>
+              <a:rPr lang="fr-FR" dirty="0"/>
               <a:t>Il faut pouvoir enlever les données aberrante</a:t>
             </a:r>
           </a:p>
           <a:p>
             <a:r>
-              <a:rPr lang="fr-FR" dirty="0" smtClean="0"/>
+              <a:rPr lang="fr-FR" dirty="0"/>
               <a:t>Ou les données non significatives</a:t>
             </a:r>
           </a:p>
           <a:p>
             <a:r>
-              <a:rPr lang="fr-FR" dirty="0" smtClean="0"/>
+              <a:rPr lang="fr-FR" dirty="0"/>
               <a:t>Ou les données trop en dehors de l’écart type</a:t>
             </a:r>
-            <a:endParaRPr lang="fr-FR" dirty="0"/>
           </a:p>
         </p:txBody>
       </p:sp>
@@ -5389,13 +5351,6 @@
   <p:clrMapOvr>
     <a:masterClrMapping/>
   </p:clrMapOvr>
-  <p:timing>
-    <p:tnLst>
-      <p:par>
-        <p:cTn id="1" dur="indefinite" restart="never" nodeType="tmRoot"/>
-      </p:par>
-    </p:tnLst>
-  </p:timing>
 </p:sld>
 </file>
 
@@ -5432,10 +5387,9 @@
           <a:lstStyle/>
           <a:p>
             <a:r>
-              <a:rPr lang="fr-FR" dirty="0" smtClean="0"/>
+              <a:rPr lang="fr-FR" dirty="0"/>
               <a:t>Interprétation après filtrage</a:t>
             </a:r>
-            <a:endParaRPr lang="fr-FR" dirty="0"/>
           </a:p>
         </p:txBody>
       </p:sp>
@@ -5455,13 +5409,13 @@
           <a:lstStyle/>
           <a:p>
             <a:r>
-              <a:rPr lang="fr-FR" dirty="0" smtClean="0"/>
+              <a:rPr lang="fr-FR" dirty="0"/>
               <a:t>Nous pouvons filtrer les surfaces &gt; 300</a:t>
             </a:r>
           </a:p>
           <a:p>
             <a:r>
-              <a:rPr lang="fr-FR" dirty="0" smtClean="0"/>
+              <a:rPr lang="fr-FR" dirty="0"/>
               <a:t>Avec </a:t>
             </a:r>
             <a:r>
@@ -5477,32 +5431,21 @@
             <a:pPr lvl="1"/>
             <a:r>
               <a:rPr lang="fr-FR" dirty="0"/>
-              <a:t>Loyer = </a:t>
-            </a:r>
-            <a:r>
-              <a:rPr lang="fr-FR" dirty="0" smtClean="0"/>
-              <a:t>34.Surface + 71</a:t>
-            </a:r>
-            <a:endParaRPr lang="fr-FR" dirty="0"/>
+              <a:t>Loyer = 34.Surface + 71</a:t>
+            </a:r>
           </a:p>
           <a:p>
             <a:pPr lvl="1"/>
             <a:r>
               <a:rPr lang="fr-FR" dirty="0"/>
-              <a:t>Corrélation = </a:t>
-            </a:r>
-            <a:r>
-              <a:rPr lang="fr-FR" dirty="0" smtClean="0"/>
-              <a:t>84.7% (En baisse)</a:t>
-            </a:r>
-            <a:endParaRPr lang="fr-FR" dirty="0"/>
-          </a:p>
-          <a:p>
-            <a:r>
-              <a:rPr lang="fr-FR" dirty="0" smtClean="0"/>
+              <a:t>Corrélation = 84.7% (En baisse)</a:t>
+            </a:r>
+          </a:p>
+          <a:p>
+            <a:r>
+              <a:rPr lang="fr-FR" dirty="0"/>
               <a:t>Meilleur résultat</a:t>
             </a:r>
-            <a:endParaRPr lang="fr-FR" dirty="0"/>
           </a:p>
         </p:txBody>
       </p:sp>
@@ -5540,13 +5483,6 @@
   <p:clrMapOvr>
     <a:masterClrMapping/>
   </p:clrMapOvr>
-  <p:timing>
-    <p:tnLst>
-      <p:par>
-        <p:cTn id="1" dur="indefinite" restart="never" nodeType="tmRoot"/>
-      </p:par>
-    </p:tnLst>
-  </p:timing>
 </p:sld>
 </file>
 
@@ -5583,10 +5519,9 @@
           <a:lstStyle/>
           <a:p>
             <a:r>
-              <a:rPr lang="fr-FR" dirty="0" smtClean="0"/>
+              <a:rPr lang="fr-FR" dirty="0"/>
               <a:t>Filtrage</a:t>
             </a:r>
-            <a:endParaRPr lang="fr-FR" dirty="0"/>
           </a:p>
         </p:txBody>
       </p:sp>
@@ -5606,62 +5541,61 @@
           <a:lstStyle/>
           <a:p>
             <a:r>
-              <a:rPr lang="fr-FR" dirty="0" smtClean="0"/>
+              <a:rPr lang="fr-FR" dirty="0"/>
               <a:t>Filtrage du </a:t>
             </a:r>
             <a:r>
-              <a:rPr lang="fr-FR" dirty="0" err="1" smtClean="0"/>
+              <a:rPr lang="fr-FR" dirty="0" err="1"/>
               <a:t>DataFrame</a:t>
             </a:r>
-            <a:endParaRPr lang="fr-FR" dirty="0" smtClean="0"/>
+            <a:endParaRPr lang="fr-FR" dirty="0"/>
           </a:p>
           <a:p>
             <a:pPr lvl="1"/>
             <a:r>
-              <a:rPr lang="fr-FR" dirty="0" err="1" smtClean="0"/>
+              <a:rPr lang="fr-FR" dirty="0" err="1"/>
               <a:t>Dataframe</a:t>
             </a:r>
             <a:r>
-              <a:rPr lang="fr-FR" dirty="0" smtClean="0"/>
+              <a:rPr lang="fr-FR" dirty="0"/>
               <a:t> = </a:t>
             </a:r>
             <a:r>
-              <a:rPr lang="fr-FR" dirty="0" err="1" smtClean="0"/>
+              <a:rPr lang="fr-FR" dirty="0" err="1"/>
               <a:t>dataframe</a:t>
             </a:r>
             <a:r>
-              <a:rPr lang="fr-FR" dirty="0" smtClean="0"/>
+              <a:rPr lang="fr-FR" dirty="0"/>
               <a:t>[</a:t>
             </a:r>
             <a:r>
-              <a:rPr lang="fr-FR" dirty="0" err="1" smtClean="0"/>
+              <a:rPr lang="fr-FR" dirty="0" err="1"/>
               <a:t>dataframe.surface</a:t>
             </a:r>
             <a:r>
-              <a:rPr lang="fr-FR" dirty="0" smtClean="0"/>
+              <a:rPr lang="fr-FR" dirty="0"/>
               <a:t> &lt; 200]</a:t>
             </a:r>
+          </a:p>
+          <a:p>
+            <a:r>
+              <a:rPr lang="fr-FR" dirty="0"/>
+              <a:t>Enlever une dimension</a:t>
+            </a:r>
+          </a:p>
+          <a:p>
+            <a:pPr lvl="1"/>
+            <a:r>
+              <a:rPr lang="fr-FR" dirty="0" err="1"/>
+              <a:t>Dataframe.drop</a:t>
+            </a:r>
+            <a:r>
+              <a:rPr lang="fr-FR" dirty="0"/>
+              <a:t>(‘Colonne’,1)</a:t>
+            </a:r>
+          </a:p>
+          <a:p>
             <a:endParaRPr lang="fr-FR" dirty="0"/>
-          </a:p>
-          <a:p>
-            <a:r>
-              <a:rPr lang="fr-FR" dirty="0" smtClean="0"/>
-              <a:t>Enlever une dimension</a:t>
-            </a:r>
-          </a:p>
-          <a:p>
-            <a:pPr lvl="1"/>
-            <a:r>
-              <a:rPr lang="fr-FR" dirty="0" err="1" smtClean="0"/>
-              <a:t>Dataframe.drop</a:t>
-            </a:r>
-            <a:r>
-              <a:rPr lang="fr-FR" dirty="0" smtClean="0"/>
-              <a:t>(‘Colonne’,1)</a:t>
-            </a:r>
-          </a:p>
-          <a:p>
-            <a:endParaRPr lang="fr-FR" dirty="0" smtClean="0"/>
           </a:p>
         </p:txBody>
       </p:sp>
@@ -5675,13 +5609,6 @@
   <p:clrMapOvr>
     <a:masterClrMapping/>
   </p:clrMapOvr>
-  <p:timing>
-    <p:tnLst>
-      <p:par>
-        <p:cTn id="1" dur="indefinite" restart="never" nodeType="tmRoot"/>
-      </p:par>
-    </p:tnLst>
-  </p:timing>
 </p:sld>
 </file>
 
@@ -5718,10 +5645,9 @@
           <a:lstStyle/>
           <a:p>
             <a:r>
-              <a:rPr lang="fr-FR" dirty="0" smtClean="0"/>
+              <a:rPr lang="fr-FR" dirty="0"/>
               <a:t>Structure de la base</a:t>
             </a:r>
-            <a:endParaRPr lang="fr-FR" dirty="0"/>
           </a:p>
         </p:txBody>
       </p:sp>
@@ -5741,154 +5667,142 @@
           <a:lstStyle/>
           <a:p>
             <a:r>
-              <a:rPr lang="fr-FR" sz="2000" dirty="0" err="1" smtClean="0"/>
+              <a:rPr lang="fr-FR" sz="2000" dirty="0" err="1"/>
               <a:t>Wdbc.data</a:t>
             </a:r>
-            <a:endParaRPr lang="fr-FR" sz="2000" dirty="0" smtClean="0"/>
+            <a:endParaRPr lang="fr-FR" sz="2000" dirty="0"/>
           </a:p>
           <a:p>
             <a:pPr lvl="1"/>
             <a:r>
-              <a:rPr lang="fr-FR" sz="1800" dirty="0" smtClean="0"/>
+              <a:rPr lang="fr-FR" sz="1800" dirty="0"/>
               <a:t>Id</a:t>
             </a:r>
           </a:p>
           <a:p>
             <a:pPr lvl="1"/>
             <a:r>
-              <a:rPr lang="fr-FR" sz="1800" dirty="0" smtClean="0"/>
+              <a:rPr lang="fr-FR" sz="1800" dirty="0"/>
               <a:t>Diagnostique M = Maligne, B = </a:t>
             </a:r>
             <a:r>
-              <a:rPr lang="fr-FR" sz="1800" dirty="0" err="1" smtClean="0"/>
+              <a:rPr lang="fr-FR" sz="1800" dirty="0" err="1"/>
               <a:t>Benigne</a:t>
             </a:r>
-            <a:endParaRPr lang="fr-FR" sz="1800" dirty="0" smtClean="0"/>
-          </a:p>
-          <a:p>
-            <a:r>
-              <a:rPr lang="fr-FR" sz="2000" dirty="0" smtClean="0"/>
+            <a:endParaRPr lang="fr-FR" sz="1800" dirty="0"/>
+          </a:p>
+          <a:p>
+            <a:r>
+              <a:rPr lang="fr-FR" sz="2000" dirty="0"/>
               <a:t>Les données biologique sont interprétés depuis l’image de la tumeur</a:t>
             </a:r>
           </a:p>
           <a:p>
             <a:pPr lvl="1"/>
             <a:r>
-              <a:rPr lang="fr-FR" sz="1800" dirty="0" smtClean="0"/>
+              <a:rPr lang="fr-FR" sz="1800" dirty="0"/>
               <a:t>Rayon</a:t>
             </a:r>
           </a:p>
           <a:p>
             <a:pPr lvl="1"/>
             <a:r>
-              <a:rPr lang="fr-FR" sz="1800" dirty="0" smtClean="0"/>
+              <a:rPr lang="fr-FR" sz="1800" dirty="0"/>
               <a:t>Texture (</a:t>
             </a:r>
             <a:r>
               <a:rPr lang="en-US" sz="1800" dirty="0"/>
-              <a:t>standard deviation of gray-scale </a:t>
-            </a:r>
-            <a:r>
-              <a:rPr lang="en-US" sz="1800" dirty="0" smtClean="0"/>
-              <a:t>values)</a:t>
+              <a:t>standard deviation of gray-scale values)</a:t>
             </a:r>
           </a:p>
           <a:p>
             <a:pPr lvl="1"/>
             <a:r>
-              <a:rPr lang="en-US" sz="1800" dirty="0" err="1" smtClean="0"/>
+              <a:rPr lang="en-US" sz="1800" dirty="0" err="1"/>
               <a:t>Périmetre</a:t>
             </a:r>
-            <a:endParaRPr lang="en-US" sz="1800" dirty="0" smtClean="0"/>
+            <a:endParaRPr lang="en-US" sz="1800" dirty="0"/>
           </a:p>
           <a:p>
             <a:pPr lvl="1"/>
             <a:r>
-              <a:rPr lang="en-US" sz="1800" dirty="0" err="1" smtClean="0"/>
+              <a:rPr lang="en-US" sz="1800" dirty="0" err="1"/>
               <a:t>Superficie</a:t>
             </a:r>
-            <a:endParaRPr lang="en-US" sz="1800" dirty="0" smtClean="0"/>
+            <a:endParaRPr lang="en-US" sz="1800" dirty="0"/>
           </a:p>
           <a:p>
             <a:pPr lvl="1"/>
             <a:r>
-              <a:rPr lang="en-US" sz="1800" dirty="0" smtClean="0"/>
+              <a:rPr lang="en-US" sz="1800" dirty="0"/>
               <a:t>Smoothness (variation du rayon)</a:t>
             </a:r>
           </a:p>
           <a:p>
             <a:pPr lvl="1"/>
             <a:r>
-              <a:rPr lang="en-US" sz="1800" dirty="0" err="1" smtClean="0"/>
+              <a:rPr lang="en-US" sz="1800" dirty="0" err="1"/>
               <a:t>Compacité</a:t>
             </a:r>
             <a:r>
-              <a:rPr lang="en-US" sz="1800" dirty="0" smtClean="0"/>
+              <a:rPr lang="en-US" sz="1800" dirty="0"/>
               <a:t> (perimeter**2 / </a:t>
             </a:r>
             <a:r>
-              <a:rPr lang="en-US" sz="1800" dirty="0" err="1" smtClean="0"/>
+              <a:rPr lang="en-US" sz="1800" dirty="0" err="1"/>
               <a:t>superficie</a:t>
             </a:r>
             <a:r>
-              <a:rPr lang="en-US" sz="1800" dirty="0" smtClean="0"/>
+              <a:rPr lang="en-US" sz="1800" dirty="0"/>
               <a:t> – 1)</a:t>
             </a:r>
           </a:p>
           <a:p>
             <a:pPr lvl="1"/>
             <a:r>
-              <a:rPr lang="en-US" sz="1800" dirty="0" err="1" smtClean="0"/>
+              <a:rPr lang="en-US" sz="1800" dirty="0" err="1"/>
               <a:t>Concavité</a:t>
             </a:r>
             <a:r>
-              <a:rPr lang="en-US" sz="1800" dirty="0" smtClean="0"/>
-              <a:t> (</a:t>
-            </a:r>
-            <a:r>
               <a:rPr lang="en-US" sz="1800" dirty="0"/>
-              <a:t>severity of concave portions of the </a:t>
-            </a:r>
-            <a:r>
-              <a:rPr lang="en-US" sz="1800" dirty="0" smtClean="0"/>
-              <a:t>contour)</a:t>
+              <a:t> (severity of concave portions of the contour)</a:t>
             </a:r>
           </a:p>
           <a:p>
             <a:pPr lvl="1"/>
             <a:r>
-              <a:rPr lang="en-US" sz="1800" dirty="0" smtClean="0"/>
+              <a:rPr lang="en-US" sz="1800" dirty="0"/>
               <a:t>Points concaves (</a:t>
             </a:r>
             <a:r>
-              <a:rPr lang="en-US" sz="1800" dirty="0" err="1" smtClean="0"/>
+              <a:rPr lang="en-US" sz="1800" dirty="0" err="1"/>
               <a:t>nombre</a:t>
             </a:r>
             <a:r>
-              <a:rPr lang="en-US" sz="1800" dirty="0" smtClean="0"/>
+              <a:rPr lang="en-US" sz="1800" dirty="0"/>
               <a:t> de portion concave)</a:t>
             </a:r>
           </a:p>
           <a:p>
             <a:pPr lvl="1"/>
             <a:r>
-              <a:rPr lang="en-US" sz="1800" dirty="0" err="1" smtClean="0"/>
+              <a:rPr lang="en-US" sz="1800" dirty="0" err="1"/>
               <a:t>Symetrie</a:t>
             </a:r>
-            <a:endParaRPr lang="en-US" sz="1800" dirty="0" smtClean="0"/>
+            <a:endParaRPr lang="en-US" sz="1800" dirty="0"/>
           </a:p>
           <a:p>
             <a:pPr lvl="1"/>
             <a:r>
-              <a:rPr lang="en-US" sz="1800" dirty="0" smtClean="0"/>
+              <a:rPr lang="en-US" sz="1800" dirty="0"/>
               <a:t>Dimension </a:t>
             </a:r>
             <a:r>
-              <a:rPr lang="en-US" sz="1800" dirty="0" err="1" smtClean="0"/>
+              <a:rPr lang="en-US" sz="1800" dirty="0" err="1"/>
               <a:t>Fractale</a:t>
             </a:r>
             <a:r>
-              <a:rPr lang="en-US" sz="1800" dirty="0" smtClean="0"/>
+              <a:rPr lang="en-US" sz="1800" dirty="0"/>
               <a:t> (</a:t>
             </a:r>
             <a:r>
@@ -5901,13 +5815,9 @@
             </a:r>
             <a:r>
               <a:rPr lang="fr-FR" sz="1800" dirty="0"/>
-              <a:t> approximation" </a:t>
-            </a:r>
-            <a:r>
-              <a:rPr lang="fr-FR" sz="1800" dirty="0" smtClean="0"/>
-              <a:t>– 1)</a:t>
-            </a:r>
-            <a:endParaRPr lang="en-US" sz="1800" dirty="0" smtClean="0"/>
+              <a:t> approximation" – 1)</a:t>
+            </a:r>
+            <a:endParaRPr lang="en-US" sz="1800" dirty="0"/>
           </a:p>
         </p:txBody>
       </p:sp>
@@ -5945,13 +5855,6 @@
   <p:clrMapOvr>
     <a:masterClrMapping/>
   </p:clrMapOvr>
-  <p:timing>
-    <p:tnLst>
-      <p:par>
-        <p:cTn id="1" dur="indefinite" restart="never" nodeType="tmRoot"/>
-      </p:par>
-    </p:tnLst>
-  </p:timing>
 </p:sld>
 </file>
 

--- a/PPT/MachineLearning12-Pandas.pptx
+++ b/PPT/MachineLearning12-Pandas.pptx
@@ -5,10 +5,10 @@
     <p:sldMasterId id="2147483653" r:id="rId1"/>
   </p:sldMasterIdLst>
   <p:notesMasterIdLst>
-    <p:notesMasterId r:id="rId15"/>
+    <p:notesMasterId r:id="rId14"/>
   </p:notesMasterIdLst>
   <p:handoutMasterIdLst>
-    <p:handoutMasterId r:id="rId16"/>
+    <p:handoutMasterId r:id="rId15"/>
   </p:handoutMasterIdLst>
   <p:sldIdLst>
     <p:sldId id="264" r:id="rId2"/>
@@ -22,8 +22,7 @@
     <p:sldId id="277" r:id="rId10"/>
     <p:sldId id="282" r:id="rId11"/>
     <p:sldId id="283" r:id="rId12"/>
-    <p:sldId id="278" r:id="rId13"/>
-    <p:sldId id="279" r:id="rId14"/>
+    <p:sldId id="284" r:id="rId13"/>
   </p:sldIdLst>
   <p:sldSz cx="9144000" cy="6858000" type="screen4x3"/>
   <p:notesSz cx="6648450" cy="9782175"/>
@@ -3778,6 +3777,13 @@
   <p:clrMapOvr>
     <a:masterClrMapping/>
   </p:clrMapOvr>
+  <p:timing>
+    <p:tnLst>
+      <p:par>
+        <p:cTn id="1" dur="indefinite" restart="never" nodeType="tmRoot"/>
+      </p:par>
+    </p:tnLst>
+  </p:timing>
 </p:sld>
 </file>
 
@@ -3952,6 +3958,13 @@
   <p:clrMapOvr>
     <a:masterClrMapping/>
   </p:clrMapOvr>
+  <p:timing>
+    <p:tnLst>
+      <p:par>
+        <p:cTn id="1" dur="indefinite" restart="never" nodeType="tmRoot"/>
+      </p:par>
+    </p:tnLst>
+  </p:timing>
 </p:sld>
 </file>
 
@@ -4076,6 +4089,13 @@
   <p:clrMapOvr>
     <a:masterClrMapping/>
   </p:clrMapOvr>
+  <p:timing>
+    <p:tnLst>
+      <p:par>
+        <p:cTn id="1" dur="indefinite" restart="never" nodeType="tmRoot"/>
+      </p:par>
+    </p:tnLst>
+  </p:timing>
 </p:sld>
 </file>
 
@@ -4112,9 +4132,10 @@
           <a:lstStyle/>
           <a:p>
             <a:r>
-              <a:rPr lang="fr-FR" dirty="0"/>
-              <a:t>MNIST</a:t>
-            </a:r>
+              <a:rPr lang="fr-FR" dirty="0" err="1" smtClean="0"/>
+              <a:t>Correlations</a:t>
+            </a:r>
+            <a:endParaRPr lang="fr-FR" dirty="0"/>
           </a:p>
         </p:txBody>
       </p:sp>
@@ -4134,245 +4155,65 @@
           <a:lstStyle/>
           <a:p>
             <a:r>
-              <a:rPr lang="fr-FR" dirty="0"/>
-              <a:t>Banque de données</a:t>
-            </a:r>
+              <a:rPr lang="fr-FR" dirty="0" err="1" smtClean="0"/>
+              <a:t>Corr</a:t>
+            </a:r>
+            <a:r>
+              <a:rPr lang="fr-FR" dirty="0" smtClean="0"/>
+              <a:t>() permet une </a:t>
+            </a:r>
+            <a:r>
+              <a:rPr lang="fr-FR" dirty="0" err="1" smtClean="0"/>
+              <a:t>correlation</a:t>
+            </a:r>
+            <a:r>
+              <a:rPr lang="fr-FR" dirty="0" smtClean="0"/>
+              <a:t> sur un </a:t>
+            </a:r>
+            <a:r>
+              <a:rPr lang="fr-FR" dirty="0" err="1" smtClean="0"/>
+              <a:t>dataframe</a:t>
+            </a:r>
+            <a:endParaRPr lang="fr-FR" dirty="0" smtClean="0"/>
           </a:p>
           <a:p>
             <a:pPr lvl="1"/>
             <a:r>
-              <a:rPr lang="fr-FR" dirty="0"/>
-              <a:t>Ici des chiffres manuscrits 24x24 en 16 niveaux de gris</a:t>
+              <a:rPr lang="fr-FR" dirty="0" smtClean="0"/>
+              <a:t>Méthode Pearson</a:t>
             </a:r>
           </a:p>
           <a:p>
             <a:pPr lvl="1"/>
+            <a:r>
+              <a:rPr lang="fr-FR" smtClean="0"/>
+              <a:t>Retourne </a:t>
+            </a:r>
+            <a:r>
+              <a:rPr lang="fr-FR" dirty="0" smtClean="0"/>
+              <a:t>une matrice de confusion</a:t>
+            </a:r>
             <a:endParaRPr lang="fr-FR" dirty="0"/>
           </a:p>
         </p:txBody>
       </p:sp>
-      <p:pic>
-        <p:nvPicPr>
-          <p:cNvPr id="4098" name="Picture 2" descr="Résultat de recherche d'images pour &quot;mnist&quot;"/>
-          <p:cNvPicPr>
-            <a:picLocks noChangeAspect="1" noChangeArrowheads="1"/>
-          </p:cNvPicPr>
-          <p:nvPr/>
-        </p:nvPicPr>
-        <p:blipFill>
-          <a:blip r:embed="rId2">
-            <a:extLst>
-              <a:ext uri="{28A0092B-C50C-407E-A947-70E740481C1C}">
-                <a14:useLocalDpi xmlns:a14="http://schemas.microsoft.com/office/drawing/2010/main" val="0"/>
-              </a:ext>
-            </a:extLst>
-          </a:blip>
-          <a:srcRect/>
-          <a:stretch>
-            <a:fillRect/>
-          </a:stretch>
-        </p:blipFill>
-        <p:spPr bwMode="auto">
-          <a:xfrm>
-            <a:off x="1169296" y="2780928"/>
-            <a:ext cx="6969149" cy="3430129"/>
-          </a:xfrm>
-          <a:prstGeom prst="rect">
-            <a:avLst/>
-          </a:prstGeom>
-          <a:noFill/>
-          <a:extLst>
-            <a:ext uri="{909E8E84-426E-40DD-AFC4-6F175D3DCCD1}">
-              <a14:hiddenFill xmlns:a14="http://schemas.microsoft.com/office/drawing/2010/main">
-                <a:solidFill>
-                  <a:srgbClr val="FFFFFF"/>
-                </a:solidFill>
-              </a14:hiddenFill>
-            </a:ext>
-          </a:extLst>
-        </p:spPr>
-      </p:pic>
     </p:spTree>
     <p:extLst>
       <p:ext uri="{BB962C8B-B14F-4D97-AF65-F5344CB8AC3E}">
-        <p14:creationId xmlns:p14="http://schemas.microsoft.com/office/powerpoint/2010/main" val="3666731918"/>
+        <p14:creationId xmlns:p14="http://schemas.microsoft.com/office/powerpoint/2010/main" val="3011491259"/>
       </p:ext>
     </p:extLst>
   </p:cSld>
   <p:clrMapOvr>
     <a:masterClrMapping/>
   </p:clrMapOvr>
-</p:sld>
-</file>
-
-<file path=ppt/slides/slide13.xml><?xml version="1.0" encoding="utf-8"?>
-<p:sld xmlns:a="http://schemas.openxmlformats.org/drawingml/2006/main" xmlns:r="http://schemas.openxmlformats.org/officeDocument/2006/relationships" xmlns:p="http://schemas.openxmlformats.org/presentationml/2006/main">
-  <p:cSld>
-    <p:spTree>
-      <p:nvGrpSpPr>
-        <p:cNvPr id="1" name=""/>
-        <p:cNvGrpSpPr/>
-        <p:nvPr/>
-      </p:nvGrpSpPr>
-      <p:grpSpPr>
-        <a:xfrm>
-          <a:off x="0" y="0"/>
-          <a:ext cx="0" cy="0"/>
-          <a:chOff x="0" y="0"/>
-          <a:chExt cx="0" cy="0"/>
-        </a:xfrm>
-      </p:grpSpPr>
-      <p:sp>
-        <p:nvSpPr>
-          <p:cNvPr id="2" name="Titre 1"/>
-          <p:cNvSpPr>
-            <a:spLocks noGrp="1"/>
-          </p:cNvSpPr>
-          <p:nvPr>
-            <p:ph type="title"/>
-          </p:nvPr>
-        </p:nvSpPr>
-        <p:spPr/>
-        <p:txBody>
-          <a:bodyPr/>
-          <a:lstStyle/>
-          <a:p>
-            <a:r>
-              <a:rPr lang="fr-FR" dirty="0"/>
-              <a:t>MNIST</a:t>
-            </a:r>
-          </a:p>
-        </p:txBody>
-      </p:sp>
-      <p:sp>
-        <p:nvSpPr>
-          <p:cNvPr id="3" name="Espace réservé du contenu 2"/>
-          <p:cNvSpPr>
-            <a:spLocks noGrp="1"/>
-          </p:cNvSpPr>
-          <p:nvPr>
-            <p:ph idx="1"/>
-          </p:nvPr>
-        </p:nvSpPr>
-        <p:spPr/>
-        <p:txBody>
-          <a:bodyPr/>
-          <a:lstStyle/>
-          <a:p>
-            <a:r>
-              <a:rPr lang="fr-FR" dirty="0"/>
-              <a:t>Chargement des données</a:t>
-            </a:r>
-          </a:p>
-          <a:p>
-            <a:pPr lvl="1"/>
-            <a:r>
-              <a:rPr lang="fr-FR" dirty="0" err="1">
-                <a:latin typeface="Courier New" panose="02070309020205020404" pitchFamily="49" charset="0"/>
-                <a:cs typeface="Courier New" panose="02070309020205020404" pitchFamily="49" charset="0"/>
-              </a:rPr>
-              <a:t>mnist</a:t>
-            </a:r>
-            <a:r>
-              <a:rPr lang="fr-FR" dirty="0">
-                <a:latin typeface="Courier New" panose="02070309020205020404" pitchFamily="49" charset="0"/>
-                <a:cs typeface="Courier New" panose="02070309020205020404" pitchFamily="49" charset="0"/>
-              </a:rPr>
-              <a:t> = </a:t>
-            </a:r>
-            <a:r>
-              <a:rPr lang="fr-FR" dirty="0" err="1">
-                <a:latin typeface="Courier New" panose="02070309020205020404" pitchFamily="49" charset="0"/>
-                <a:cs typeface="Courier New" panose="02070309020205020404" pitchFamily="49" charset="0"/>
-              </a:rPr>
-              <a:t>ds.fetch_mldata</a:t>
-            </a:r>
-            <a:r>
-              <a:rPr lang="fr-FR" dirty="0">
-                <a:latin typeface="Courier New" panose="02070309020205020404" pitchFamily="49" charset="0"/>
-                <a:cs typeface="Courier New" panose="02070309020205020404" pitchFamily="49" charset="0"/>
-              </a:rPr>
-              <a:t>('MNIST original',</a:t>
-            </a:r>
-            <a:r>
-              <a:rPr lang="fr-FR" dirty="0" err="1">
-                <a:latin typeface="Courier New" panose="02070309020205020404" pitchFamily="49" charset="0"/>
-                <a:cs typeface="Courier New" panose="02070309020205020404" pitchFamily="49" charset="0"/>
-              </a:rPr>
-              <a:t>data_home</a:t>
-            </a:r>
-            <a:r>
-              <a:rPr lang="fr-FR" dirty="0">
-                <a:latin typeface="Courier New" panose="02070309020205020404" pitchFamily="49" charset="0"/>
-                <a:cs typeface="Courier New" panose="02070309020205020404" pitchFamily="49" charset="0"/>
-              </a:rPr>
-              <a:t>='./</a:t>
-            </a:r>
-            <a:r>
-              <a:rPr lang="fr-FR" dirty="0" err="1">
-                <a:latin typeface="Courier New" panose="02070309020205020404" pitchFamily="49" charset="0"/>
-                <a:cs typeface="Courier New" panose="02070309020205020404" pitchFamily="49" charset="0"/>
-              </a:rPr>
-              <a:t>mnist</a:t>
-            </a:r>
-            <a:r>
-              <a:rPr lang="fr-FR" dirty="0">
-                <a:latin typeface="Courier New" panose="02070309020205020404" pitchFamily="49" charset="0"/>
-                <a:cs typeface="Courier New" panose="02070309020205020404" pitchFamily="49" charset="0"/>
-              </a:rPr>
-              <a:t>/')</a:t>
-            </a:r>
-          </a:p>
-          <a:p>
-            <a:pPr lvl="1"/>
-            <a:r>
-              <a:rPr lang="fr-FR" dirty="0" err="1">
-                <a:latin typeface="Courier New" panose="02070309020205020404" pitchFamily="49" charset="0"/>
-                <a:cs typeface="Courier New" panose="02070309020205020404" pitchFamily="49" charset="0"/>
-              </a:rPr>
-              <a:t>mnist.data</a:t>
-            </a:r>
-            <a:r>
-              <a:rPr lang="fr-FR" dirty="0">
-                <a:latin typeface="Courier New" panose="02070309020205020404" pitchFamily="49" charset="0"/>
-                <a:cs typeface="Courier New" panose="02070309020205020404" pitchFamily="49" charset="0"/>
-              </a:rPr>
-              <a:t> contient les images (70000)</a:t>
-            </a:r>
-          </a:p>
-          <a:p>
-            <a:pPr lvl="1"/>
-            <a:r>
-              <a:rPr lang="fr-FR" dirty="0" err="1">
-                <a:latin typeface="Courier New" panose="02070309020205020404" pitchFamily="49" charset="0"/>
-                <a:cs typeface="Courier New" panose="02070309020205020404" pitchFamily="49" charset="0"/>
-              </a:rPr>
-              <a:t>mnist.target</a:t>
-            </a:r>
-            <a:r>
-              <a:rPr lang="fr-FR" dirty="0">
-                <a:latin typeface="Courier New" panose="02070309020205020404" pitchFamily="49" charset="0"/>
-                <a:cs typeface="Courier New" panose="02070309020205020404" pitchFamily="49" charset="0"/>
-              </a:rPr>
-              <a:t> contient les chiffres</a:t>
-            </a:r>
-          </a:p>
-          <a:p>
-            <a:pPr lvl="1"/>
-            <a:endParaRPr lang="fr-FR" dirty="0"/>
-          </a:p>
-        </p:txBody>
-      </p:sp>
-    </p:spTree>
-    <p:extLst>
-      <p:ext uri="{BB962C8B-B14F-4D97-AF65-F5344CB8AC3E}">
-        <p14:creationId xmlns:p14="http://schemas.microsoft.com/office/powerpoint/2010/main" val="3227662392"/>
-      </p:ext>
-    </p:extLst>
-  </p:cSld>
-  <p:clrMapOvr>
-    <a:masterClrMapping/>
-  </p:clrMapOvr>
+  <p:timing>
+    <p:tnLst>
+      <p:par>
+        <p:cTn id="1" dur="indefinite" restart="never" nodeType="tmRoot"/>
+      </p:par>
+    </p:tnLst>
+  </p:timing>
 </p:sld>
 </file>
 
@@ -4499,6 +4340,13 @@
   <p:clrMapOvr>
     <a:masterClrMapping/>
   </p:clrMapOvr>
+  <p:timing>
+    <p:tnLst>
+      <p:par>
+        <p:cTn id="1" dur="indefinite" restart="never" nodeType="tmRoot"/>
+      </p:par>
+    </p:tnLst>
+  </p:timing>
 </p:sld>
 </file>
 
@@ -4654,6 +4502,13 @@
   <p:clrMapOvr>
     <a:masterClrMapping/>
   </p:clrMapOvr>
+  <p:timing>
+    <p:tnLst>
+      <p:par>
+        <p:cTn id="1" dur="indefinite" restart="never" nodeType="tmRoot"/>
+      </p:par>
+    </p:tnLst>
+  </p:timing>
 </p:sld>
 </file>
 
@@ -4877,6 +4732,13 @@
   <p:clrMapOvr>
     <a:masterClrMapping/>
   </p:clrMapOvr>
+  <p:timing>
+    <p:tnLst>
+      <p:par>
+        <p:cTn id="1" dur="indefinite" restart="never" nodeType="tmRoot"/>
+      </p:par>
+    </p:tnLst>
+  </p:timing>
 </p:sld>
 </file>
 
@@ -5224,6 +5086,13 @@
   <p:clrMapOvr>
     <a:masterClrMapping/>
   </p:clrMapOvr>
+  <p:timing>
+    <p:tnLst>
+      <p:par>
+        <p:cTn id="1" dur="indefinite" restart="never" nodeType="tmRoot"/>
+      </p:par>
+    </p:tnLst>
+  </p:timing>
 </p:sld>
 </file>
 
@@ -5351,6 +5220,13 @@
   <p:clrMapOvr>
     <a:masterClrMapping/>
   </p:clrMapOvr>
+  <p:timing>
+    <p:tnLst>
+      <p:par>
+        <p:cTn id="1" dur="indefinite" restart="never" nodeType="tmRoot"/>
+      </p:par>
+    </p:tnLst>
+  </p:timing>
 </p:sld>
 </file>
 
@@ -5483,6 +5359,13 @@
   <p:clrMapOvr>
     <a:masterClrMapping/>
   </p:clrMapOvr>
+  <p:timing>
+    <p:tnLst>
+      <p:par>
+        <p:cTn id="1" dur="indefinite" restart="never" nodeType="tmRoot"/>
+      </p:par>
+    </p:tnLst>
+  </p:timing>
 </p:sld>
 </file>
 
@@ -5609,6 +5492,13 @@
   <p:clrMapOvr>
     <a:masterClrMapping/>
   </p:clrMapOvr>
+  <p:timing>
+    <p:tnLst>
+      <p:par>
+        <p:cTn id="1" dur="indefinite" restart="never" nodeType="tmRoot"/>
+      </p:par>
+    </p:tnLst>
+  </p:timing>
 </p:sld>
 </file>
 
@@ -5855,6 +5745,13 @@
   <p:clrMapOvr>
     <a:masterClrMapping/>
   </p:clrMapOvr>
+  <p:timing>
+    <p:tnLst>
+      <p:par>
+        <p:cTn id="1" dur="indefinite" restart="never" nodeType="tmRoot"/>
+      </p:par>
+    </p:tnLst>
+  </p:timing>
 </p:sld>
 </file>
 

--- a/PPT/MachineLearning12-Pandas.pptx
+++ b/PPT/MachineLearning12-Pandas.pptx
@@ -3777,13 +3777,6 @@
   <p:clrMapOvr>
     <a:masterClrMapping/>
   </p:clrMapOvr>
-  <p:timing>
-    <p:tnLst>
-      <p:par>
-        <p:cTn id="1" dur="indefinite" restart="never" nodeType="tmRoot"/>
-      </p:par>
-    </p:tnLst>
-  </p:timing>
 </p:sld>
 </file>
 
@@ -3958,13 +3951,6 @@
   <p:clrMapOvr>
     <a:masterClrMapping/>
   </p:clrMapOvr>
-  <p:timing>
-    <p:tnLst>
-      <p:par>
-        <p:cTn id="1" dur="indefinite" restart="never" nodeType="tmRoot"/>
-      </p:par>
-    </p:tnLst>
-  </p:timing>
 </p:sld>
 </file>
 
@@ -4089,13 +4075,6 @@
   <p:clrMapOvr>
     <a:masterClrMapping/>
   </p:clrMapOvr>
-  <p:timing>
-    <p:tnLst>
-      <p:par>
-        <p:cTn id="1" dur="indefinite" restart="never" nodeType="tmRoot"/>
-      </p:par>
-    </p:tnLst>
-  </p:timing>
 </p:sld>
 </file>
 
@@ -4132,7 +4111,7 @@
           <a:lstStyle/>
           <a:p>
             <a:r>
-              <a:rPr lang="fr-FR" dirty="0" err="1" smtClean="0"/>
+              <a:rPr lang="fr-FR" dirty="0" err="1"/>
               <a:t>Correlations</a:t>
             </a:r>
             <a:endParaRPr lang="fr-FR" dirty="0"/>
@@ -4155,45 +4134,44 @@
           <a:lstStyle/>
           <a:p>
             <a:r>
-              <a:rPr lang="fr-FR" dirty="0" err="1" smtClean="0"/>
+              <a:rPr lang="fr-FR" dirty="0" err="1"/>
               <a:t>Corr</a:t>
             </a:r>
             <a:r>
-              <a:rPr lang="fr-FR" dirty="0" smtClean="0"/>
+              <a:rPr lang="fr-FR" dirty="0"/>
               <a:t>() permet une </a:t>
             </a:r>
             <a:r>
-              <a:rPr lang="fr-FR" dirty="0" err="1" smtClean="0"/>
+              <a:rPr lang="fr-FR" dirty="0" err="1"/>
               <a:t>correlation</a:t>
             </a:r>
             <a:r>
-              <a:rPr lang="fr-FR" dirty="0" smtClean="0"/>
+              <a:rPr lang="fr-FR" dirty="0"/>
               <a:t> sur un </a:t>
             </a:r>
             <a:r>
-              <a:rPr lang="fr-FR" dirty="0" err="1" smtClean="0"/>
+              <a:rPr lang="fr-FR" dirty="0" err="1"/>
               <a:t>dataframe</a:t>
             </a:r>
-            <a:endParaRPr lang="fr-FR" dirty="0" smtClean="0"/>
+            <a:endParaRPr lang="fr-FR" dirty="0"/>
           </a:p>
           <a:p>
             <a:pPr lvl="1"/>
             <a:r>
-              <a:rPr lang="fr-FR" dirty="0" smtClean="0"/>
+              <a:rPr lang="fr-FR" dirty="0"/>
               <a:t>Méthode Pearson</a:t>
             </a:r>
           </a:p>
           <a:p>
             <a:pPr lvl="1"/>
             <a:r>
-              <a:rPr lang="fr-FR" smtClean="0"/>
+              <a:rPr lang="fr-FR"/>
               <a:t>Retourne </a:t>
             </a:r>
             <a:r>
-              <a:rPr lang="fr-FR" dirty="0" smtClean="0"/>
+              <a:rPr lang="fr-FR" dirty="0"/>
               <a:t>une matrice de confusion</a:t>
             </a:r>
-            <a:endParaRPr lang="fr-FR" dirty="0"/>
           </a:p>
         </p:txBody>
       </p:sp>
@@ -4207,13 +4185,6 @@
   <p:clrMapOvr>
     <a:masterClrMapping/>
   </p:clrMapOvr>
-  <p:timing>
-    <p:tnLst>
-      <p:par>
-        <p:cTn id="1" dur="indefinite" restart="never" nodeType="tmRoot"/>
-      </p:par>
-    </p:tnLst>
-  </p:timing>
 </p:sld>
 </file>
 
@@ -4340,13 +4311,6 @@
   <p:clrMapOvr>
     <a:masterClrMapping/>
   </p:clrMapOvr>
-  <p:timing>
-    <p:tnLst>
-      <p:par>
-        <p:cTn id="1" dur="indefinite" restart="never" nodeType="tmRoot"/>
-      </p:par>
-    </p:tnLst>
-  </p:timing>
 </p:sld>
 </file>
 
@@ -4502,13 +4466,6 @@
   <p:clrMapOvr>
     <a:masterClrMapping/>
   </p:clrMapOvr>
-  <p:timing>
-    <p:tnLst>
-      <p:par>
-        <p:cTn id="1" dur="indefinite" restart="never" nodeType="tmRoot"/>
-      </p:par>
-    </p:tnLst>
-  </p:timing>
 </p:sld>
 </file>
 
@@ -4575,7 +4532,15 @@
             <a:pPr lvl="1"/>
             <a:r>
               <a:rPr lang="fr-FR" dirty="0"/>
-              <a:t>Puis les converti en </a:t>
+              <a:t>Puis </a:t>
+            </a:r>
+            <a:r>
+              <a:rPr lang="fr-FR"/>
+              <a:t>les converties </a:t>
+            </a:r>
+            <a:r>
+              <a:rPr lang="fr-FR" dirty="0"/>
+              <a:t>en </a:t>
             </a:r>
             <a:r>
               <a:rPr lang="fr-FR" dirty="0" err="1"/>
@@ -4732,13 +4697,6 @@
   <p:clrMapOvr>
     <a:masterClrMapping/>
   </p:clrMapOvr>
-  <p:timing>
-    <p:tnLst>
-      <p:par>
-        <p:cTn id="1" dur="indefinite" restart="never" nodeType="tmRoot"/>
-      </p:par>
-    </p:tnLst>
-  </p:timing>
 </p:sld>
 </file>
 
@@ -5086,13 +5044,6 @@
   <p:clrMapOvr>
     <a:masterClrMapping/>
   </p:clrMapOvr>
-  <p:timing>
-    <p:tnLst>
-      <p:par>
-        <p:cTn id="1" dur="indefinite" restart="never" nodeType="tmRoot"/>
-      </p:par>
-    </p:tnLst>
-  </p:timing>
 </p:sld>
 </file>
 
@@ -5220,13 +5171,6 @@
   <p:clrMapOvr>
     <a:masterClrMapping/>
   </p:clrMapOvr>
-  <p:timing>
-    <p:tnLst>
-      <p:par>
-        <p:cTn id="1" dur="indefinite" restart="never" nodeType="tmRoot"/>
-      </p:par>
-    </p:tnLst>
-  </p:timing>
 </p:sld>
 </file>
 
@@ -5359,13 +5303,6 @@
   <p:clrMapOvr>
     <a:masterClrMapping/>
   </p:clrMapOvr>
-  <p:timing>
-    <p:tnLst>
-      <p:par>
-        <p:cTn id="1" dur="indefinite" restart="never" nodeType="tmRoot"/>
-      </p:par>
-    </p:tnLst>
-  </p:timing>
 </p:sld>
 </file>
 
@@ -5492,13 +5429,6 @@
   <p:clrMapOvr>
     <a:masterClrMapping/>
   </p:clrMapOvr>
-  <p:timing>
-    <p:tnLst>
-      <p:par>
-        <p:cTn id="1" dur="indefinite" restart="never" nodeType="tmRoot"/>
-      </p:par>
-    </p:tnLst>
-  </p:timing>
 </p:sld>
 </file>
 
@@ -5745,13 +5675,6 @@
   <p:clrMapOvr>
     <a:masterClrMapping/>
   </p:clrMapOvr>
-  <p:timing>
-    <p:tnLst>
-      <p:par>
-        <p:cTn id="1" dur="indefinite" restart="never" nodeType="tmRoot"/>
-      </p:par>
-    </p:tnLst>
-  </p:timing>
 </p:sld>
 </file>
 

--- a/PPT/MachineLearning12-Pandas.pptx
+++ b/PPT/MachineLearning12-Pandas.pptx
@@ -4532,15 +4532,7 @@
             <a:pPr lvl="1"/>
             <a:r>
               <a:rPr lang="fr-FR" dirty="0"/>
-              <a:t>Puis </a:t>
-            </a:r>
-            <a:r>
-              <a:rPr lang="fr-FR"/>
-              <a:t>les converties </a:t>
-            </a:r>
-            <a:r>
-              <a:rPr lang="fr-FR" dirty="0"/>
-              <a:t>en </a:t>
+              <a:t>Puis les converties en </a:t>
             </a:r>
             <a:r>
               <a:rPr lang="fr-FR" dirty="0" err="1"/>
@@ -5103,7 +5095,7 @@
           <a:p>
             <a:r>
               <a:rPr lang="fr-FR" dirty="0"/>
-              <a:t>Il faut pouvoir enlever les données aberrante</a:t>
+              <a:t>Il faut pouvoir enlever les données aberrantes</a:t>
             </a:r>
           </a:p>
           <a:p>

--- a/PPT/MachineLearning12-Pandas.pptx
+++ b/PPT/MachineLearning12-Pandas.pptx
@@ -3777,6 +3777,13 @@
   <p:clrMapOvr>
     <a:masterClrMapping/>
   </p:clrMapOvr>
+  <p:timing>
+    <p:tnLst>
+      <p:par>
+        <p:cTn id="1" dur="indefinite" restart="never" nodeType="tmRoot"/>
+      </p:par>
+    </p:tnLst>
+  </p:timing>
 </p:sld>
 </file>
 
@@ -3951,6 +3958,13 @@
   <p:clrMapOvr>
     <a:masterClrMapping/>
   </p:clrMapOvr>
+  <p:timing>
+    <p:tnLst>
+      <p:par>
+        <p:cTn id="1" dur="indefinite" restart="never" nodeType="tmRoot"/>
+      </p:par>
+    </p:tnLst>
+  </p:timing>
 </p:sld>
 </file>
 
@@ -4075,6 +4089,13 @@
   <p:clrMapOvr>
     <a:masterClrMapping/>
   </p:clrMapOvr>
+  <p:timing>
+    <p:tnLst>
+      <p:par>
+        <p:cTn id="1" dur="indefinite" restart="never" nodeType="tmRoot"/>
+      </p:par>
+    </p:tnLst>
+  </p:timing>
 </p:sld>
 </file>
 
@@ -4111,7 +4132,7 @@
           <a:lstStyle/>
           <a:p>
             <a:r>
-              <a:rPr lang="fr-FR" dirty="0" err="1"/>
+              <a:rPr lang="fr-FR" dirty="0" err="1" smtClean="0"/>
               <a:t>Correlations</a:t>
             </a:r>
             <a:endParaRPr lang="fr-FR" dirty="0"/>
@@ -4134,44 +4155,45 @@
           <a:lstStyle/>
           <a:p>
             <a:r>
-              <a:rPr lang="fr-FR" dirty="0" err="1"/>
+              <a:rPr lang="fr-FR" dirty="0" err="1" smtClean="0"/>
               <a:t>Corr</a:t>
             </a:r>
             <a:r>
-              <a:rPr lang="fr-FR" dirty="0"/>
+              <a:rPr lang="fr-FR" dirty="0" smtClean="0"/>
               <a:t>() permet une </a:t>
             </a:r>
             <a:r>
-              <a:rPr lang="fr-FR" dirty="0" err="1"/>
+              <a:rPr lang="fr-FR" dirty="0" err="1" smtClean="0"/>
               <a:t>correlation</a:t>
             </a:r>
             <a:r>
-              <a:rPr lang="fr-FR" dirty="0"/>
+              <a:rPr lang="fr-FR" dirty="0" smtClean="0"/>
               <a:t> sur un </a:t>
             </a:r>
             <a:r>
-              <a:rPr lang="fr-FR" dirty="0" err="1"/>
+              <a:rPr lang="fr-FR" dirty="0" err="1" smtClean="0"/>
               <a:t>dataframe</a:t>
             </a:r>
+            <a:endParaRPr lang="fr-FR" dirty="0" smtClean="0"/>
+          </a:p>
+          <a:p>
+            <a:pPr lvl="1"/>
+            <a:r>
+              <a:rPr lang="fr-FR" dirty="0" smtClean="0"/>
+              <a:t>Méthode Pearson</a:t>
+            </a:r>
+          </a:p>
+          <a:p>
+            <a:pPr lvl="1"/>
+            <a:r>
+              <a:rPr lang="fr-FR" smtClean="0"/>
+              <a:t>Retourne </a:t>
+            </a:r>
+            <a:r>
+              <a:rPr lang="fr-FR" dirty="0" smtClean="0"/>
+              <a:t>une matrice de confusion</a:t>
+            </a:r>
             <a:endParaRPr lang="fr-FR" dirty="0"/>
-          </a:p>
-          <a:p>
-            <a:pPr lvl="1"/>
-            <a:r>
-              <a:rPr lang="fr-FR" dirty="0"/>
-              <a:t>Méthode Pearson</a:t>
-            </a:r>
-          </a:p>
-          <a:p>
-            <a:pPr lvl="1"/>
-            <a:r>
-              <a:rPr lang="fr-FR"/>
-              <a:t>Retourne </a:t>
-            </a:r>
-            <a:r>
-              <a:rPr lang="fr-FR" dirty="0"/>
-              <a:t>une matrice de confusion</a:t>
-            </a:r>
           </a:p>
         </p:txBody>
       </p:sp>
@@ -4185,6 +4207,13 @@
   <p:clrMapOvr>
     <a:masterClrMapping/>
   </p:clrMapOvr>
+  <p:timing>
+    <p:tnLst>
+      <p:par>
+        <p:cTn id="1" dur="indefinite" restart="never" nodeType="tmRoot"/>
+      </p:par>
+    </p:tnLst>
+  </p:timing>
 </p:sld>
 </file>
 
@@ -4311,6 +4340,13 @@
   <p:clrMapOvr>
     <a:masterClrMapping/>
   </p:clrMapOvr>
+  <p:timing>
+    <p:tnLst>
+      <p:par>
+        <p:cTn id="1" dur="indefinite" restart="never" nodeType="tmRoot"/>
+      </p:par>
+    </p:tnLst>
+  </p:timing>
 </p:sld>
 </file>
 
@@ -4466,6 +4502,13 @@
   <p:clrMapOvr>
     <a:masterClrMapping/>
   </p:clrMapOvr>
+  <p:timing>
+    <p:tnLst>
+      <p:par>
+        <p:cTn id="1" dur="indefinite" restart="never" nodeType="tmRoot"/>
+      </p:par>
+    </p:tnLst>
+  </p:timing>
 </p:sld>
 </file>
 
@@ -4532,7 +4575,7 @@
             <a:pPr lvl="1"/>
             <a:r>
               <a:rPr lang="fr-FR" dirty="0"/>
-              <a:t>Puis les converties en </a:t>
+              <a:t>Puis les converti en </a:t>
             </a:r>
             <a:r>
               <a:rPr lang="fr-FR" dirty="0" err="1"/>
@@ -4689,6 +4732,13 @@
   <p:clrMapOvr>
     <a:masterClrMapping/>
   </p:clrMapOvr>
+  <p:timing>
+    <p:tnLst>
+      <p:par>
+        <p:cTn id="1" dur="indefinite" restart="never" nodeType="tmRoot"/>
+      </p:par>
+    </p:tnLst>
+  </p:timing>
 </p:sld>
 </file>
 
@@ -5036,6 +5086,13 @@
   <p:clrMapOvr>
     <a:masterClrMapping/>
   </p:clrMapOvr>
+  <p:timing>
+    <p:tnLst>
+      <p:par>
+        <p:cTn id="1" dur="indefinite" restart="never" nodeType="tmRoot"/>
+      </p:par>
+    </p:tnLst>
+  </p:timing>
 </p:sld>
 </file>
 
@@ -5095,7 +5152,7 @@
           <a:p>
             <a:r>
               <a:rPr lang="fr-FR" dirty="0"/>
-              <a:t>Il faut pouvoir enlever les données aberrantes</a:t>
+              <a:t>Il faut pouvoir enlever les données aberrante</a:t>
             </a:r>
           </a:p>
           <a:p>
@@ -5163,6 +5220,13 @@
   <p:clrMapOvr>
     <a:masterClrMapping/>
   </p:clrMapOvr>
+  <p:timing>
+    <p:tnLst>
+      <p:par>
+        <p:cTn id="1" dur="indefinite" restart="never" nodeType="tmRoot"/>
+      </p:par>
+    </p:tnLst>
+  </p:timing>
 </p:sld>
 </file>
 
@@ -5295,6 +5359,13 @@
   <p:clrMapOvr>
     <a:masterClrMapping/>
   </p:clrMapOvr>
+  <p:timing>
+    <p:tnLst>
+      <p:par>
+        <p:cTn id="1" dur="indefinite" restart="never" nodeType="tmRoot"/>
+      </p:par>
+    </p:tnLst>
+  </p:timing>
 </p:sld>
 </file>
 
@@ -5421,6 +5492,13 @@
   <p:clrMapOvr>
     <a:masterClrMapping/>
   </p:clrMapOvr>
+  <p:timing>
+    <p:tnLst>
+      <p:par>
+        <p:cTn id="1" dur="indefinite" restart="never" nodeType="tmRoot"/>
+      </p:par>
+    </p:tnLst>
+  </p:timing>
 </p:sld>
 </file>
 
@@ -5667,6 +5745,13 @@
   <p:clrMapOvr>
     <a:masterClrMapping/>
   </p:clrMapOvr>
+  <p:timing>
+    <p:tnLst>
+      <p:par>
+        <p:cTn id="1" dur="indefinite" restart="never" nodeType="tmRoot"/>
+      </p:par>
+    </p:tnLst>
+  </p:timing>
 </p:sld>
 </file>
 

--- a/PPT/MachineLearning12-Pandas.pptx
+++ b/PPT/MachineLearning12-Pandas.pptx
@@ -3777,13 +3777,6 @@
   <p:clrMapOvr>
     <a:masterClrMapping/>
   </p:clrMapOvr>
-  <p:timing>
-    <p:tnLst>
-      <p:par>
-        <p:cTn id="1" dur="indefinite" restart="never" nodeType="tmRoot"/>
-      </p:par>
-    </p:tnLst>
-  </p:timing>
 </p:sld>
 </file>
 
@@ -3958,13 +3951,6 @@
   <p:clrMapOvr>
     <a:masterClrMapping/>
   </p:clrMapOvr>
-  <p:timing>
-    <p:tnLst>
-      <p:par>
-        <p:cTn id="1" dur="indefinite" restart="never" nodeType="tmRoot"/>
-      </p:par>
-    </p:tnLst>
-  </p:timing>
 </p:sld>
 </file>
 
@@ -4089,13 +4075,6 @@
   <p:clrMapOvr>
     <a:masterClrMapping/>
   </p:clrMapOvr>
-  <p:timing>
-    <p:tnLst>
-      <p:par>
-        <p:cTn id="1" dur="indefinite" restart="never" nodeType="tmRoot"/>
-      </p:par>
-    </p:tnLst>
-  </p:timing>
 </p:sld>
 </file>
 
@@ -4132,7 +4111,7 @@
           <a:lstStyle/>
           <a:p>
             <a:r>
-              <a:rPr lang="fr-FR" dirty="0" err="1" smtClean="0"/>
+              <a:rPr lang="fr-FR" dirty="0" err="1"/>
               <a:t>Correlations</a:t>
             </a:r>
             <a:endParaRPr lang="fr-FR" dirty="0"/>
@@ -4155,45 +4134,44 @@
           <a:lstStyle/>
           <a:p>
             <a:r>
-              <a:rPr lang="fr-FR" dirty="0" err="1" smtClean="0"/>
+              <a:rPr lang="fr-FR" dirty="0" err="1"/>
               <a:t>Corr</a:t>
             </a:r>
             <a:r>
-              <a:rPr lang="fr-FR" dirty="0" smtClean="0"/>
+              <a:rPr lang="fr-FR" dirty="0"/>
               <a:t>() permet une </a:t>
             </a:r>
             <a:r>
-              <a:rPr lang="fr-FR" dirty="0" err="1" smtClean="0"/>
+              <a:rPr lang="fr-FR" dirty="0" err="1"/>
               <a:t>correlation</a:t>
             </a:r>
             <a:r>
-              <a:rPr lang="fr-FR" dirty="0" smtClean="0"/>
+              <a:rPr lang="fr-FR" dirty="0"/>
               <a:t> sur un </a:t>
             </a:r>
             <a:r>
-              <a:rPr lang="fr-FR" dirty="0" err="1" smtClean="0"/>
+              <a:rPr lang="fr-FR" dirty="0" err="1"/>
               <a:t>dataframe</a:t>
             </a:r>
-            <a:endParaRPr lang="fr-FR" dirty="0" smtClean="0"/>
+            <a:endParaRPr lang="fr-FR" dirty="0"/>
           </a:p>
           <a:p>
             <a:pPr lvl="1"/>
             <a:r>
-              <a:rPr lang="fr-FR" dirty="0" smtClean="0"/>
+              <a:rPr lang="fr-FR" dirty="0"/>
               <a:t>Méthode Pearson</a:t>
             </a:r>
           </a:p>
           <a:p>
             <a:pPr lvl="1"/>
             <a:r>
-              <a:rPr lang="fr-FR" smtClean="0"/>
+              <a:rPr lang="fr-FR"/>
               <a:t>Retourne </a:t>
             </a:r>
             <a:r>
-              <a:rPr lang="fr-FR" dirty="0" smtClean="0"/>
+              <a:rPr lang="fr-FR" dirty="0"/>
               <a:t>une matrice de confusion</a:t>
             </a:r>
-            <a:endParaRPr lang="fr-FR" dirty="0"/>
           </a:p>
         </p:txBody>
       </p:sp>
@@ -4207,13 +4185,6 @@
   <p:clrMapOvr>
     <a:masterClrMapping/>
   </p:clrMapOvr>
-  <p:timing>
-    <p:tnLst>
-      <p:par>
-        <p:cTn id="1" dur="indefinite" restart="never" nodeType="tmRoot"/>
-      </p:par>
-    </p:tnLst>
-  </p:timing>
 </p:sld>
 </file>
 
@@ -4340,13 +4311,6 @@
   <p:clrMapOvr>
     <a:masterClrMapping/>
   </p:clrMapOvr>
-  <p:timing>
-    <p:tnLst>
-      <p:par>
-        <p:cTn id="1" dur="indefinite" restart="never" nodeType="tmRoot"/>
-      </p:par>
-    </p:tnLst>
-  </p:timing>
 </p:sld>
 </file>
 
@@ -4502,13 +4466,6 @@
   <p:clrMapOvr>
     <a:masterClrMapping/>
   </p:clrMapOvr>
-  <p:timing>
-    <p:tnLst>
-      <p:par>
-        <p:cTn id="1" dur="indefinite" restart="never" nodeType="tmRoot"/>
-      </p:par>
-    </p:tnLst>
-  </p:timing>
 </p:sld>
 </file>
 
@@ -4732,13 +4689,6 @@
   <p:clrMapOvr>
     <a:masterClrMapping/>
   </p:clrMapOvr>
-  <p:timing>
-    <p:tnLst>
-      <p:par>
-        <p:cTn id="1" dur="indefinite" restart="never" nodeType="tmRoot"/>
-      </p:par>
-    </p:tnLst>
-  </p:timing>
 </p:sld>
 </file>
 
@@ -5086,13 +5036,6 @@
   <p:clrMapOvr>
     <a:masterClrMapping/>
   </p:clrMapOvr>
-  <p:timing>
-    <p:tnLst>
-      <p:par>
-        <p:cTn id="1" dur="indefinite" restart="never" nodeType="tmRoot"/>
-      </p:par>
-    </p:tnLst>
-  </p:timing>
 </p:sld>
 </file>
 
@@ -5220,13 +5163,6 @@
   <p:clrMapOvr>
     <a:masterClrMapping/>
   </p:clrMapOvr>
-  <p:timing>
-    <p:tnLst>
-      <p:par>
-        <p:cTn id="1" dur="indefinite" restart="never" nodeType="tmRoot"/>
-      </p:par>
-    </p:tnLst>
-  </p:timing>
 </p:sld>
 </file>
 
@@ -5359,13 +5295,6 @@
   <p:clrMapOvr>
     <a:masterClrMapping/>
   </p:clrMapOvr>
-  <p:timing>
-    <p:tnLst>
-      <p:par>
-        <p:cTn id="1" dur="indefinite" restart="never" nodeType="tmRoot"/>
-      </p:par>
-    </p:tnLst>
-  </p:timing>
 </p:sld>
 </file>
 
@@ -5453,11 +5382,11 @@
             </a:r>
             <a:r>
               <a:rPr lang="fr-FR" dirty="0" err="1"/>
-              <a:t>dataframe.surface</a:t>
-            </a:r>
-            <a:r>
-              <a:rPr lang="fr-FR" dirty="0"/>
-              <a:t> &lt; 200]</a:t>
+              <a:t>dataframe</a:t>
+            </a:r>
+            <a:r>
+              <a:rPr lang="fr-FR" dirty="0"/>
+              <a:t>[« surface »] &lt; 200]</a:t>
             </a:r>
           </a:p>
           <a:p>
@@ -5492,13 +5421,6 @@
   <p:clrMapOvr>
     <a:masterClrMapping/>
   </p:clrMapOvr>
-  <p:timing>
-    <p:tnLst>
-      <p:par>
-        <p:cTn id="1" dur="indefinite" restart="never" nodeType="tmRoot"/>
-      </p:par>
-    </p:tnLst>
-  </p:timing>
 </p:sld>
 </file>
 
@@ -5745,13 +5667,6 @@
   <p:clrMapOvr>
     <a:masterClrMapping/>
   </p:clrMapOvr>
-  <p:timing>
-    <p:tnLst>
-      <p:par>
-        <p:cTn id="1" dur="indefinite" restart="never" nodeType="tmRoot"/>
-      </p:par>
-    </p:tnLst>
-  </p:timing>
 </p:sld>
 </file>
 
